--- a/Printbuddy- Prezentare.pptx
+++ b/Printbuddy- Prezentare.pptx
@@ -1,44 +1,43 @@
 
 <file path=ppt/presentation.xml><?xml version="1.0" encoding="utf-8"?>
-<p:presentation xmlns:a="http://schemas.openxmlformats.org/drawingml/2006/main" xmlns:r="http://schemas.openxmlformats.org/officeDocument/2006/relationships" xmlns:p="http://schemas.openxmlformats.org/presentationml/2006/main" saveSubsetFonts="1" embedTrueTypeFonts="true">
+<p:presentation xmlns:a="http://schemas.openxmlformats.org/drawingml/2006/main" xmlns:r="http://schemas.openxmlformats.org/officeDocument/2006/relationships" xmlns:p="http://schemas.openxmlformats.org/presentationml/2006/main" embedTrueTypeFonts="1" saveSubsetFonts="1">
   <p:sldMasterIdLst>
     <p:sldMasterId id="2147483648" r:id="rId1"/>
   </p:sldMasterIdLst>
   <p:sldIdLst>
-    <p:sldId id="256" r:id="rId6"/>
-    <p:sldId id="257" r:id="rId7"/>
-    <p:sldId id="258" r:id="rId8"/>
-    <p:sldId id="259" r:id="rId9"/>
-    <p:sldId id="260" r:id="rId10"/>
-    <p:sldId id="261" r:id="rId11"/>
-    <p:sldId id="262" r:id="rId12"/>
-    <p:sldId id="263" r:id="rId13"/>
-    <p:sldId id="264" r:id="rId14"/>
-    <p:sldId id="265" r:id="rId15"/>
-    <p:sldId id="266" r:id="rId16"/>
-    <p:sldId id="267" r:id="rId17"/>
-    <p:sldId id="268" r:id="rId18"/>
-    <p:sldId id="269" r:id="rId19"/>
-    <p:sldId id="270" r:id="rId20"/>
-    <p:sldId id="271" r:id="rId21"/>
-    <p:sldId id="272" r:id="rId22"/>
-    <p:sldId id="273" r:id="rId23"/>
-    <p:sldId id="274" r:id="rId24"/>
+    <p:sldId id="256" r:id="rId2"/>
+    <p:sldId id="257" r:id="rId3"/>
+    <p:sldId id="258" r:id="rId4"/>
+    <p:sldId id="259" r:id="rId5"/>
+    <p:sldId id="260" r:id="rId6"/>
+    <p:sldId id="261" r:id="rId7"/>
+    <p:sldId id="262" r:id="rId8"/>
+    <p:sldId id="264" r:id="rId9"/>
+    <p:sldId id="265" r:id="rId10"/>
+    <p:sldId id="266" r:id="rId11"/>
+    <p:sldId id="267" r:id="rId12"/>
+    <p:sldId id="268" r:id="rId13"/>
+    <p:sldId id="269" r:id="rId14"/>
+    <p:sldId id="270" r:id="rId15"/>
+    <p:sldId id="271" r:id="rId16"/>
+    <p:sldId id="272" r:id="rId17"/>
+    <p:sldId id="273" r:id="rId18"/>
+    <p:sldId id="274" r:id="rId19"/>
   </p:sldIdLst>
   <p:sldSz cx="18288000" cy="10287000"/>
   <p:notesSz cx="6858000" cy="9144000"/>
   <p:embeddedFontLst>
     <p:embeddedFont>
-      <p:font typeface="Montserrat Bold" charset="1" panose="00000800000000000000"/>
-      <p:regular r:id="rId25"/>
+      <p:font typeface="Inter" panose="020B0604020202020204" charset="0"/>
+      <p:regular r:id="rId20"/>
     </p:embeddedFont>
     <p:embeddedFont>
-      <p:font typeface="Inter" charset="1" panose="020B0502030000000004"/>
-      <p:regular r:id="rId26"/>
+      <p:font typeface="Inter Bold" panose="020B0604020202020204" charset="0"/>
+      <p:regular r:id="rId21"/>
     </p:embeddedFont>
     <p:embeddedFont>
-      <p:font typeface="Inter Bold" charset="1" panose="020B0802030000000004"/>
-      <p:regular r:id="rId27"/>
+      <p:font typeface="Montserrat Bold" panose="020B0604020202020204" charset="0"/>
+      <p:regular r:id="rId22"/>
     </p:embeddedFont>
   </p:embeddedFontLst>
   <p:defaultTextStyle>
@@ -136,6 +135,22 @@
       </a:defRPr>
     </a:lvl9pPr>
   </p:defaultTextStyle>
+  <p:extLst>
+    <p:ext uri="{EFAFB233-063F-42B5-8137-9DF3F51BA10A}">
+      <p15:sldGuideLst xmlns:p15="http://schemas.microsoft.com/office/powerpoint/2012/main">
+        <p15:guide id="1" orient="horz" pos="2160">
+          <p15:clr>
+            <a:srgbClr val="A4A3A4"/>
+          </p15:clr>
+        </p15:guide>
+        <p15:guide id="2" pos="2880">
+          <p15:clr>
+            <a:srgbClr val="A4A3A4"/>
+          </p15:clr>
+        </p15:guide>
+      </p15:sldGuideLst>
+    </p:ext>
+  </p:extLst>
 </p:presentation>
 </file>
 
@@ -177,10 +192,9 @@
           <a:lstStyle/>
           <a:p>
             <a:r>
-              <a:rPr lang="en-US" smtClean="0"/>
+              <a:rPr lang="en-US"/>
               <a:t>Click to edit Master title style</a:t>
             </a:r>
-            <a:endParaRPr lang="en-US"/>
           </a:p>
         </p:txBody>
       </p:sp>
@@ -296,10 +310,9 @@
           </a:lstStyle>
           <a:p>
             <a:r>
-              <a:rPr lang="en-US" smtClean="0"/>
+              <a:rPr lang="en-US"/>
               <a:t>Click to edit Master subtitle style</a:t>
             </a:r>
-            <a:endParaRPr lang="en-US"/>
           </a:p>
         </p:txBody>
       </p:sp>
@@ -321,7 +334,7 @@
             <a:fld id="{1D8BD707-D9CF-40AE-B4C6-C98DA3205C09}" type="datetimeFigureOut">
               <a:rPr lang="en-US" smtClean="0"/>
               <a:pPr/>
-              <a:t>8/1/2011</a:t>
+              <a:t>7/19/2024</a:t>
             </a:fld>
             <a:endParaRPr lang="en-US"/>
           </a:p>
@@ -411,10 +424,9 @@
           <a:lstStyle/>
           <a:p>
             <a:r>
-              <a:rPr lang="en-US" smtClean="0"/>
+              <a:rPr lang="en-US"/>
               <a:t>Click to edit Master title style</a:t>
             </a:r>
-            <a:endParaRPr lang="en-US"/>
           </a:p>
         </p:txBody>
       </p:sp>
@@ -435,38 +447,37 @@
           <a:p>
             <a:pPr lvl="0"/>
             <a:r>
-              <a:rPr lang="en-US" smtClean="0"/>
+              <a:rPr lang="en-US"/>
               <a:t>Click to edit Master text styles</a:t>
             </a:r>
           </a:p>
           <a:p>
             <a:pPr lvl="1"/>
             <a:r>
-              <a:rPr lang="en-US" smtClean="0"/>
+              <a:rPr lang="en-US"/>
               <a:t>Second level</a:t>
             </a:r>
           </a:p>
           <a:p>
             <a:pPr lvl="2"/>
             <a:r>
-              <a:rPr lang="en-US" smtClean="0"/>
+              <a:rPr lang="en-US"/>
               <a:t>Third level</a:t>
             </a:r>
           </a:p>
           <a:p>
             <a:pPr lvl="3"/>
             <a:r>
-              <a:rPr lang="en-US" smtClean="0"/>
+              <a:rPr lang="en-US"/>
               <a:t>Fourth level</a:t>
             </a:r>
           </a:p>
           <a:p>
             <a:pPr lvl="4"/>
             <a:r>
-              <a:rPr lang="en-US" smtClean="0"/>
+              <a:rPr lang="en-US"/>
               <a:t>Fifth level</a:t>
             </a:r>
-            <a:endParaRPr lang="en-US"/>
           </a:p>
         </p:txBody>
       </p:sp>
@@ -488,7 +499,7 @@
             <a:fld id="{1D8BD707-D9CF-40AE-B4C6-C98DA3205C09}" type="datetimeFigureOut">
               <a:rPr lang="en-US" smtClean="0"/>
               <a:pPr/>
-              <a:t>8/1/2011</a:t>
+              <a:t>7/19/2024</a:t>
             </a:fld>
             <a:endParaRPr lang="en-US"/>
           </a:p>
@@ -583,10 +594,9 @@
           <a:lstStyle/>
           <a:p>
             <a:r>
-              <a:rPr lang="en-US" smtClean="0"/>
+              <a:rPr lang="en-US"/>
               <a:t>Click to edit Master title style</a:t>
             </a:r>
-            <a:endParaRPr lang="en-US"/>
           </a:p>
         </p:txBody>
       </p:sp>
@@ -612,38 +622,37 @@
           <a:p>
             <a:pPr lvl="0"/>
             <a:r>
-              <a:rPr lang="en-US" smtClean="0"/>
+              <a:rPr lang="en-US"/>
               <a:t>Click to edit Master text styles</a:t>
             </a:r>
           </a:p>
           <a:p>
             <a:pPr lvl="1"/>
             <a:r>
-              <a:rPr lang="en-US" smtClean="0"/>
+              <a:rPr lang="en-US"/>
               <a:t>Second level</a:t>
             </a:r>
           </a:p>
           <a:p>
             <a:pPr lvl="2"/>
             <a:r>
-              <a:rPr lang="en-US" smtClean="0"/>
+              <a:rPr lang="en-US"/>
               <a:t>Third level</a:t>
             </a:r>
           </a:p>
           <a:p>
             <a:pPr lvl="3"/>
             <a:r>
-              <a:rPr lang="en-US" smtClean="0"/>
+              <a:rPr lang="en-US"/>
               <a:t>Fourth level</a:t>
             </a:r>
           </a:p>
           <a:p>
             <a:pPr lvl="4"/>
             <a:r>
-              <a:rPr lang="en-US" smtClean="0"/>
+              <a:rPr lang="en-US"/>
               <a:t>Fifth level</a:t>
             </a:r>
-            <a:endParaRPr lang="en-US"/>
           </a:p>
         </p:txBody>
       </p:sp>
@@ -665,7 +674,7 @@
             <a:fld id="{1D8BD707-D9CF-40AE-B4C6-C98DA3205C09}" type="datetimeFigureOut">
               <a:rPr lang="en-US" smtClean="0"/>
               <a:pPr/>
-              <a:t>8/1/2011</a:t>
+              <a:t>7/19/2024</a:t>
             </a:fld>
             <a:endParaRPr lang="en-US"/>
           </a:p>
@@ -755,10 +764,9 @@
           <a:lstStyle/>
           <a:p>
             <a:r>
-              <a:rPr lang="en-US" smtClean="0"/>
+              <a:rPr lang="en-US"/>
               <a:t>Click to edit Master title style</a:t>
             </a:r>
-            <a:endParaRPr lang="en-US"/>
           </a:p>
         </p:txBody>
       </p:sp>
@@ -779,38 +787,37 @@
           <a:p>
             <a:pPr lvl="0"/>
             <a:r>
-              <a:rPr lang="en-US" smtClean="0"/>
+              <a:rPr lang="en-US"/>
               <a:t>Click to edit Master text styles</a:t>
             </a:r>
           </a:p>
           <a:p>
             <a:pPr lvl="1"/>
             <a:r>
-              <a:rPr lang="en-US" smtClean="0"/>
+              <a:rPr lang="en-US"/>
               <a:t>Second level</a:t>
             </a:r>
           </a:p>
           <a:p>
             <a:pPr lvl="2"/>
             <a:r>
-              <a:rPr lang="en-US" smtClean="0"/>
+              <a:rPr lang="en-US"/>
               <a:t>Third level</a:t>
             </a:r>
           </a:p>
           <a:p>
             <a:pPr lvl="3"/>
             <a:r>
-              <a:rPr lang="en-US" smtClean="0"/>
+              <a:rPr lang="en-US"/>
               <a:t>Fourth level</a:t>
             </a:r>
           </a:p>
           <a:p>
             <a:pPr lvl="4"/>
             <a:r>
-              <a:rPr lang="en-US" smtClean="0"/>
+              <a:rPr lang="en-US"/>
               <a:t>Fifth level</a:t>
             </a:r>
-            <a:endParaRPr lang="en-US"/>
           </a:p>
         </p:txBody>
       </p:sp>
@@ -832,7 +839,7 @@
             <a:fld id="{1D8BD707-D9CF-40AE-B4C6-C98DA3205C09}" type="datetimeFigureOut">
               <a:rPr lang="en-US" smtClean="0"/>
               <a:pPr/>
-              <a:t>8/1/2011</a:t>
+              <a:t>7/19/2024</a:t>
             </a:fld>
             <a:endParaRPr lang="en-US"/>
           </a:p>
@@ -931,10 +938,9 @@
           </a:lstStyle>
           <a:p>
             <a:r>
-              <a:rPr lang="en-US" smtClean="0"/>
+              <a:rPr lang="en-US"/>
               <a:t>Click to edit Master title style</a:t>
             </a:r>
-            <a:endParaRPr lang="en-US"/>
           </a:p>
         </p:txBody>
       </p:sp>
@@ -1051,7 +1057,7 @@
           <a:p>
             <a:pPr lvl="0"/>
             <a:r>
-              <a:rPr lang="en-US" smtClean="0"/>
+              <a:rPr lang="en-US"/>
               <a:t>Click to edit Master text styles</a:t>
             </a:r>
           </a:p>
@@ -1075,7 +1081,7 @@
             <a:fld id="{1D8BD707-D9CF-40AE-B4C6-C98DA3205C09}" type="datetimeFigureOut">
               <a:rPr lang="en-US" smtClean="0"/>
               <a:pPr/>
-              <a:t>8/1/2011</a:t>
+              <a:t>7/19/2024</a:t>
             </a:fld>
             <a:endParaRPr lang="en-US"/>
           </a:p>
@@ -1165,10 +1171,9 @@
           <a:lstStyle/>
           <a:p>
             <a:r>
-              <a:rPr lang="en-US" smtClean="0"/>
+              <a:rPr lang="en-US"/>
               <a:t>Click to edit Master title style</a:t>
             </a:r>
-            <a:endParaRPr lang="en-US"/>
           </a:p>
         </p:txBody>
       </p:sp>
@@ -1222,38 +1227,37 @@
           <a:p>
             <a:pPr lvl="0"/>
             <a:r>
-              <a:rPr lang="en-US" smtClean="0"/>
+              <a:rPr lang="en-US"/>
               <a:t>Click to edit Master text styles</a:t>
             </a:r>
           </a:p>
           <a:p>
             <a:pPr lvl="1"/>
             <a:r>
-              <a:rPr lang="en-US" smtClean="0"/>
+              <a:rPr lang="en-US"/>
               <a:t>Second level</a:t>
             </a:r>
           </a:p>
           <a:p>
             <a:pPr lvl="2"/>
             <a:r>
-              <a:rPr lang="en-US" smtClean="0"/>
+              <a:rPr lang="en-US"/>
               <a:t>Third level</a:t>
             </a:r>
           </a:p>
           <a:p>
             <a:pPr lvl="3"/>
             <a:r>
-              <a:rPr lang="en-US" smtClean="0"/>
+              <a:rPr lang="en-US"/>
               <a:t>Fourth level</a:t>
             </a:r>
           </a:p>
           <a:p>
             <a:pPr lvl="4"/>
             <a:r>
-              <a:rPr lang="en-US" smtClean="0"/>
+              <a:rPr lang="en-US"/>
               <a:t>Fifth level</a:t>
             </a:r>
-            <a:endParaRPr lang="en-US"/>
           </a:p>
         </p:txBody>
       </p:sp>
@@ -1307,38 +1311,37 @@
           <a:p>
             <a:pPr lvl="0"/>
             <a:r>
-              <a:rPr lang="en-US" smtClean="0"/>
+              <a:rPr lang="en-US"/>
               <a:t>Click to edit Master text styles</a:t>
             </a:r>
           </a:p>
           <a:p>
             <a:pPr lvl="1"/>
             <a:r>
-              <a:rPr lang="en-US" smtClean="0"/>
+              <a:rPr lang="en-US"/>
               <a:t>Second level</a:t>
             </a:r>
           </a:p>
           <a:p>
             <a:pPr lvl="2"/>
             <a:r>
-              <a:rPr lang="en-US" smtClean="0"/>
+              <a:rPr lang="en-US"/>
               <a:t>Third level</a:t>
             </a:r>
           </a:p>
           <a:p>
             <a:pPr lvl="3"/>
             <a:r>
-              <a:rPr lang="en-US" smtClean="0"/>
+              <a:rPr lang="en-US"/>
               <a:t>Fourth level</a:t>
             </a:r>
           </a:p>
           <a:p>
             <a:pPr lvl="4"/>
             <a:r>
-              <a:rPr lang="en-US" smtClean="0"/>
+              <a:rPr lang="en-US"/>
               <a:t>Fifth level</a:t>
             </a:r>
-            <a:endParaRPr lang="en-US"/>
           </a:p>
         </p:txBody>
       </p:sp>
@@ -1360,7 +1363,7 @@
             <a:fld id="{1D8BD707-D9CF-40AE-B4C6-C98DA3205C09}" type="datetimeFigureOut">
               <a:rPr lang="en-US" smtClean="0"/>
               <a:pPr/>
-              <a:t>8/1/2011</a:t>
+              <a:t>7/19/2024</a:t>
             </a:fld>
             <a:endParaRPr lang="en-US"/>
           </a:p>
@@ -1454,10 +1457,9 @@
           </a:lstStyle>
           <a:p>
             <a:r>
-              <a:rPr lang="en-US" smtClean="0"/>
+              <a:rPr lang="en-US"/>
               <a:t>Click to edit Master title style</a:t>
             </a:r>
-            <a:endParaRPr lang="en-US"/>
           </a:p>
         </p:txBody>
       </p:sp>
@@ -1520,7 +1522,7 @@
           <a:p>
             <a:pPr lvl="0"/>
             <a:r>
-              <a:rPr lang="en-US" smtClean="0"/>
+              <a:rPr lang="en-US"/>
               <a:t>Click to edit Master text styles</a:t>
             </a:r>
           </a:p>
@@ -1576,38 +1578,37 @@
           <a:p>
             <a:pPr lvl="0"/>
             <a:r>
-              <a:rPr lang="en-US" smtClean="0"/>
+              <a:rPr lang="en-US"/>
               <a:t>Click to edit Master text styles</a:t>
             </a:r>
           </a:p>
           <a:p>
             <a:pPr lvl="1"/>
             <a:r>
-              <a:rPr lang="en-US" smtClean="0"/>
+              <a:rPr lang="en-US"/>
               <a:t>Second level</a:t>
             </a:r>
           </a:p>
           <a:p>
             <a:pPr lvl="2"/>
             <a:r>
-              <a:rPr lang="en-US" smtClean="0"/>
+              <a:rPr lang="en-US"/>
               <a:t>Third level</a:t>
             </a:r>
           </a:p>
           <a:p>
             <a:pPr lvl="3"/>
             <a:r>
-              <a:rPr lang="en-US" smtClean="0"/>
+              <a:rPr lang="en-US"/>
               <a:t>Fourth level</a:t>
             </a:r>
           </a:p>
           <a:p>
             <a:pPr lvl="4"/>
             <a:r>
-              <a:rPr lang="en-US" smtClean="0"/>
+              <a:rPr lang="en-US"/>
               <a:t>Fifth level</a:t>
             </a:r>
-            <a:endParaRPr lang="en-US"/>
           </a:p>
         </p:txBody>
       </p:sp>
@@ -1670,7 +1671,7 @@
           <a:p>
             <a:pPr lvl="0"/>
             <a:r>
-              <a:rPr lang="en-US" smtClean="0"/>
+              <a:rPr lang="en-US"/>
               <a:t>Click to edit Master text styles</a:t>
             </a:r>
           </a:p>
@@ -1726,38 +1727,37 @@
           <a:p>
             <a:pPr lvl="0"/>
             <a:r>
-              <a:rPr lang="en-US" smtClean="0"/>
+              <a:rPr lang="en-US"/>
               <a:t>Click to edit Master text styles</a:t>
             </a:r>
           </a:p>
           <a:p>
             <a:pPr lvl="1"/>
             <a:r>
-              <a:rPr lang="en-US" smtClean="0"/>
+              <a:rPr lang="en-US"/>
               <a:t>Second level</a:t>
             </a:r>
           </a:p>
           <a:p>
             <a:pPr lvl="2"/>
             <a:r>
-              <a:rPr lang="en-US" smtClean="0"/>
+              <a:rPr lang="en-US"/>
               <a:t>Third level</a:t>
             </a:r>
           </a:p>
           <a:p>
             <a:pPr lvl="3"/>
             <a:r>
-              <a:rPr lang="en-US" smtClean="0"/>
+              <a:rPr lang="en-US"/>
               <a:t>Fourth level</a:t>
             </a:r>
           </a:p>
           <a:p>
             <a:pPr lvl="4"/>
             <a:r>
-              <a:rPr lang="en-US" smtClean="0"/>
+              <a:rPr lang="en-US"/>
               <a:t>Fifth level</a:t>
             </a:r>
-            <a:endParaRPr lang="en-US"/>
           </a:p>
         </p:txBody>
       </p:sp>
@@ -1779,7 +1779,7 @@
             <a:fld id="{1D8BD707-D9CF-40AE-B4C6-C98DA3205C09}" type="datetimeFigureOut">
               <a:rPr lang="en-US" smtClean="0"/>
               <a:pPr/>
-              <a:t>8/1/2011</a:t>
+              <a:t>7/19/2024</a:t>
             </a:fld>
             <a:endParaRPr lang="en-US"/>
           </a:p>
@@ -1869,10 +1869,9 @@
           <a:lstStyle/>
           <a:p>
             <a:r>
-              <a:rPr lang="en-US" smtClean="0"/>
+              <a:rPr lang="en-US"/>
               <a:t>Click to edit Master title style</a:t>
             </a:r>
-            <a:endParaRPr lang="en-US"/>
           </a:p>
         </p:txBody>
       </p:sp>
@@ -1894,7 +1893,7 @@
             <a:fld id="{1D8BD707-D9CF-40AE-B4C6-C98DA3205C09}" type="datetimeFigureOut">
               <a:rPr lang="en-US" smtClean="0"/>
               <a:pPr/>
-              <a:t>8/1/2011</a:t>
+              <a:t>7/19/2024</a:t>
             </a:fld>
             <a:endParaRPr lang="en-US"/>
           </a:p>
@@ -1986,7 +1985,7 @@
             <a:fld id="{1D8BD707-D9CF-40AE-B4C6-C98DA3205C09}" type="datetimeFigureOut">
               <a:rPr lang="en-US" smtClean="0"/>
               <a:pPr/>
-              <a:t>8/1/2011</a:t>
+              <a:t>7/19/2024</a:t>
             </a:fld>
             <a:endParaRPr lang="en-US"/>
           </a:p>
@@ -2085,10 +2084,9 @@
           </a:lstStyle>
           <a:p>
             <a:r>
-              <a:rPr lang="en-US" smtClean="0"/>
+              <a:rPr lang="en-US"/>
               <a:t>Click to edit Master title style</a:t>
             </a:r>
-            <a:endParaRPr lang="en-US"/>
           </a:p>
         </p:txBody>
       </p:sp>
@@ -2142,38 +2140,37 @@
           <a:p>
             <a:pPr lvl="0"/>
             <a:r>
-              <a:rPr lang="en-US" smtClean="0"/>
+              <a:rPr lang="en-US"/>
               <a:t>Click to edit Master text styles</a:t>
             </a:r>
           </a:p>
           <a:p>
             <a:pPr lvl="1"/>
             <a:r>
-              <a:rPr lang="en-US" smtClean="0"/>
+              <a:rPr lang="en-US"/>
               <a:t>Second level</a:t>
             </a:r>
           </a:p>
           <a:p>
             <a:pPr lvl="2"/>
             <a:r>
-              <a:rPr lang="en-US" smtClean="0"/>
+              <a:rPr lang="en-US"/>
               <a:t>Third level</a:t>
             </a:r>
           </a:p>
           <a:p>
             <a:pPr lvl="3"/>
             <a:r>
-              <a:rPr lang="en-US" smtClean="0"/>
+              <a:rPr lang="en-US"/>
               <a:t>Fourth level</a:t>
             </a:r>
           </a:p>
           <a:p>
             <a:pPr lvl="4"/>
             <a:r>
-              <a:rPr lang="en-US" smtClean="0"/>
+              <a:rPr lang="en-US"/>
               <a:t>Fifth level</a:t>
             </a:r>
-            <a:endParaRPr lang="en-US"/>
           </a:p>
         </p:txBody>
       </p:sp>
@@ -2236,7 +2233,7 @@
           <a:p>
             <a:pPr lvl="0"/>
             <a:r>
-              <a:rPr lang="en-US" smtClean="0"/>
+              <a:rPr lang="en-US"/>
               <a:t>Click to edit Master text styles</a:t>
             </a:r>
           </a:p>
@@ -2260,7 +2257,7 @@
             <a:fld id="{1D8BD707-D9CF-40AE-B4C6-C98DA3205C09}" type="datetimeFigureOut">
               <a:rPr lang="en-US" smtClean="0"/>
               <a:pPr/>
-              <a:t>8/1/2011</a:t>
+              <a:t>7/19/2024</a:t>
             </a:fld>
             <a:endParaRPr lang="en-US"/>
           </a:p>
@@ -2359,10 +2356,9 @@
           </a:lstStyle>
           <a:p>
             <a:r>
-              <a:rPr lang="en-US" smtClean="0"/>
+              <a:rPr lang="en-US"/>
               <a:t>Click to edit Master title style</a:t>
             </a:r>
-            <a:endParaRPr lang="en-US"/>
           </a:p>
         </p:txBody>
       </p:sp>
@@ -2486,7 +2482,7 @@
           <a:p>
             <a:pPr lvl="0"/>
             <a:r>
-              <a:rPr lang="en-US" smtClean="0"/>
+              <a:rPr lang="en-US"/>
               <a:t>Click to edit Master text styles</a:t>
             </a:r>
           </a:p>
@@ -2510,7 +2506,7 @@
             <a:fld id="{1D8BD707-D9CF-40AE-B4C6-C98DA3205C09}" type="datetimeFigureOut">
               <a:rPr lang="en-US" smtClean="0"/>
               <a:pPr/>
-              <a:t>8/1/2011</a:t>
+              <a:t>7/19/2024</a:t>
             </a:fld>
             <a:endParaRPr lang="en-US"/>
           </a:p>
@@ -2615,10 +2611,9 @@
           <a:lstStyle/>
           <a:p>
             <a:r>
-              <a:rPr lang="en-US" smtClean="0"/>
+              <a:rPr lang="en-US"/>
               <a:t>Click to edit Master title style</a:t>
             </a:r>
-            <a:endParaRPr lang="en-US"/>
           </a:p>
         </p:txBody>
       </p:sp>
@@ -2649,38 +2644,37 @@
           <a:p>
             <a:pPr lvl="0"/>
             <a:r>
-              <a:rPr lang="en-US" smtClean="0"/>
+              <a:rPr lang="en-US"/>
               <a:t>Click to edit Master text styles</a:t>
             </a:r>
           </a:p>
           <a:p>
             <a:pPr lvl="1"/>
             <a:r>
-              <a:rPr lang="en-US" smtClean="0"/>
+              <a:rPr lang="en-US"/>
               <a:t>Second level</a:t>
             </a:r>
           </a:p>
           <a:p>
             <a:pPr lvl="2"/>
             <a:r>
-              <a:rPr lang="en-US" smtClean="0"/>
+              <a:rPr lang="en-US"/>
               <a:t>Third level</a:t>
             </a:r>
           </a:p>
           <a:p>
             <a:pPr lvl="3"/>
             <a:r>
-              <a:rPr lang="en-US" smtClean="0"/>
+              <a:rPr lang="en-US"/>
               <a:t>Fourth level</a:t>
             </a:r>
           </a:p>
           <a:p>
             <a:pPr lvl="4"/>
             <a:r>
-              <a:rPr lang="en-US" smtClean="0"/>
+              <a:rPr lang="en-US"/>
               <a:t>Fifth level</a:t>
             </a:r>
-            <a:endParaRPr lang="en-US"/>
           </a:p>
         </p:txBody>
       </p:sp>
@@ -2720,7 +2714,7 @@
             <a:fld id="{1D8BD707-D9CF-40AE-B4C6-C98DA3205C09}" type="datetimeFigureOut">
               <a:rPr lang="en-US" smtClean="0"/>
               <a:pPr/>
-              <a:t>8/1/2011</a:t>
+              <a:t>7/19/2024</a:t>
             </a:fld>
             <a:endParaRPr lang="en-US"/>
           </a:p>
@@ -3075,13 +3069,14 @@
 </file>
 
 <file path=ppt/slides/slide1.xml><?xml version="1.0" encoding="utf-8"?>
-<p:sld xmlns:p="http://schemas.openxmlformats.org/presentationml/2006/main" xmlns:a="http://schemas.openxmlformats.org/drawingml/2006/main" xmlns:r="http://schemas.openxmlformats.org/officeDocument/2006/relationships">
+<p:sld xmlns:a="http://schemas.openxmlformats.org/drawingml/2006/main" xmlns:r="http://schemas.openxmlformats.org/officeDocument/2006/relationships" xmlns:p="http://schemas.openxmlformats.org/presentationml/2006/main">
   <p:cSld>
     <p:bg>
       <p:bgPr>
         <a:solidFill>
           <a:srgbClr val="F4F4F4"/>
         </a:solidFill>
+        <a:effectLst/>
       </p:bgPr>
     </p:bg>
     <p:spTree>
@@ -3100,12 +3095,12 @@
       </p:grpSpPr>
       <p:sp>
         <p:nvSpPr>
-          <p:cNvPr name="Freeform 2" id="2"/>
+          <p:cNvPr id="2" name="Freeform 2"/>
           <p:cNvSpPr/>
           <p:nvPr/>
         </p:nvSpPr>
         <p:spPr>
-          <a:xfrm flipH="true" flipV="false" rot="0">
+          <a:xfrm flipH="1">
             <a:off x="0" y="0"/>
             <a:ext cx="13616832" cy="14428432"/>
           </a:xfrm>
@@ -3114,9 +3109,9 @@
             <a:gdLst/>
             <a:ahLst/>
             <a:cxnLst/>
-            <a:rect r="r" b="b" t="t" l="l"/>
+            <a:rect l="l" t="t" r="r" b="b"/>
             <a:pathLst>
-              <a:path h="14428432" w="13616832">
+              <a:path w="13616832" h="14428432">
                 <a:moveTo>
                   <a:pt x="13616832" y="0"/>
                 </a:moveTo>
@@ -3145,19 +3140,19 @@
               </a:extLst>
             </a:blip>
             <a:stretch>
-              <a:fillRect l="0" t="0" r="0" b="0"/>
+              <a:fillRect/>
             </a:stretch>
           </a:blipFill>
         </p:spPr>
       </p:sp>
       <p:sp>
         <p:nvSpPr>
-          <p:cNvPr name="Freeform 3" id="3"/>
+          <p:cNvPr id="3" name="Freeform 3"/>
           <p:cNvSpPr/>
           <p:nvPr/>
         </p:nvSpPr>
         <p:spPr>
-          <a:xfrm flipH="false" flipV="false" rot="0">
+          <a:xfrm>
             <a:off x="13925411" y="5470018"/>
             <a:ext cx="5418275" cy="5797766"/>
           </a:xfrm>
@@ -3166,9 +3161,9 @@
             <a:gdLst/>
             <a:ahLst/>
             <a:cxnLst/>
-            <a:rect r="r" b="b" t="t" l="l"/>
+            <a:rect l="l" t="t" r="r" b="b"/>
             <a:pathLst>
-              <a:path h="5797766" w="5418275">
+              <a:path w="5418275" h="5797766">
                 <a:moveTo>
                   <a:pt x="0" y="0"/>
                 </a:moveTo>
@@ -3197,19 +3192,19 @@
               </a:extLst>
             </a:blip>
             <a:stretch>
-              <a:fillRect l="0" t="0" r="0" b="0"/>
+              <a:fillRect/>
             </a:stretch>
           </a:blipFill>
         </p:spPr>
       </p:sp>
       <p:grpSp>
         <p:nvGrpSpPr>
-          <p:cNvPr name="Group 4" id="4"/>
+          <p:cNvPr id="4" name="Group 4"/>
           <p:cNvGrpSpPr/>
           <p:nvPr/>
         </p:nvGrpSpPr>
         <p:grpSpPr>
-          <a:xfrm rot="0">
+          <a:xfrm>
             <a:off x="10045384" y="257175"/>
             <a:ext cx="1543050" cy="1543050"/>
             <a:chOff x="0" y="0"/>
@@ -3218,12 +3213,12 @@
         </p:grpSpPr>
         <p:sp>
           <p:nvSpPr>
-            <p:cNvPr name="Freeform 5" id="5"/>
+            <p:cNvPr id="5" name="Freeform 5"/>
             <p:cNvSpPr/>
             <p:nvPr/>
           </p:nvSpPr>
           <p:spPr>
-            <a:xfrm flipH="false" flipV="false" rot="0">
+            <a:xfrm>
               <a:off x="0" y="0"/>
               <a:ext cx="812800" cy="812800"/>
             </a:xfrm>
@@ -3232,9 +3227,9 @@
               <a:gdLst/>
               <a:ahLst/>
               <a:cxnLst/>
-              <a:rect r="r" b="b" t="t" l="l"/>
+              <a:rect l="l" t="t" r="r" b="b"/>
               <a:pathLst>
-                <a:path h="812800" w="812800">
+                <a:path w="812800" h="812800">
                   <a:moveTo>
                     <a:pt x="406400" y="0"/>
                   </a:moveTo>
@@ -3269,8 +3264,8 @@
         </p:sp>
         <p:sp>
           <p:nvSpPr>
-            <p:cNvPr name="TextBox 6" id="6"/>
-            <p:cNvSpPr txBox="true"/>
+            <p:cNvPr id="6" name="TextBox 6"/>
+            <p:cNvSpPr txBox="1"/>
             <p:nvPr/>
           </p:nvSpPr>
           <p:spPr>
@@ -3283,7 +3278,7 @@
             </a:prstGeom>
           </p:spPr>
           <p:txBody>
-            <a:bodyPr anchor="ctr" rtlCol="false" tIns="50800" lIns="50800" bIns="50800" rIns="50800"/>
+            <a:bodyPr lIns="50800" tIns="50800" rIns="50800" bIns="50800" rtlCol="0" anchor="ctr"/>
             <a:lstStyle/>
             <a:p>
               <a:pPr algn="ctr">
@@ -3291,18 +3286,19 @@
                   <a:spcPts val="3225"/>
                 </a:lnSpc>
               </a:pPr>
+              <a:endParaRPr/>
             </a:p>
           </p:txBody>
         </p:sp>
       </p:grpSp>
       <p:grpSp>
         <p:nvGrpSpPr>
-          <p:cNvPr name="Group 7" id="7"/>
+          <p:cNvPr id="7" name="Group 7"/>
           <p:cNvGrpSpPr/>
           <p:nvPr/>
         </p:nvGrpSpPr>
         <p:grpSpPr>
-          <a:xfrm rot="0">
+          <a:xfrm>
             <a:off x="9144000" y="1028700"/>
             <a:ext cx="771525" cy="771525"/>
             <a:chOff x="0" y="0"/>
@@ -3311,12 +3307,12 @@
         </p:grpSpPr>
         <p:sp>
           <p:nvSpPr>
-            <p:cNvPr name="Freeform 8" id="8"/>
+            <p:cNvPr id="8" name="Freeform 8"/>
             <p:cNvSpPr/>
             <p:nvPr/>
           </p:nvSpPr>
           <p:spPr>
-            <a:xfrm flipH="false" flipV="false" rot="0">
+            <a:xfrm>
               <a:off x="0" y="0"/>
               <a:ext cx="812800" cy="812800"/>
             </a:xfrm>
@@ -3325,9 +3321,9 @@
               <a:gdLst/>
               <a:ahLst/>
               <a:cxnLst/>
-              <a:rect r="r" b="b" t="t" l="l"/>
+              <a:rect l="l" t="t" r="r" b="b"/>
               <a:pathLst>
-                <a:path h="812800" w="812800">
+                <a:path w="812800" h="812800">
                   <a:moveTo>
                     <a:pt x="406400" y="0"/>
                   </a:moveTo>
@@ -3362,8 +3358,8 @@
         </p:sp>
         <p:sp>
           <p:nvSpPr>
-            <p:cNvPr name="TextBox 9" id="9"/>
-            <p:cNvSpPr txBox="true"/>
+            <p:cNvPr id="9" name="TextBox 9"/>
+            <p:cNvSpPr txBox="1"/>
             <p:nvPr/>
           </p:nvSpPr>
           <p:spPr>
@@ -3376,7 +3372,7 @@
             </a:prstGeom>
           </p:spPr>
           <p:txBody>
-            <a:bodyPr anchor="ctr" rtlCol="false" tIns="50800" lIns="50800" bIns="50800" rIns="50800"/>
+            <a:bodyPr lIns="50800" tIns="50800" rIns="50800" bIns="50800" rtlCol="0" anchor="ctr"/>
             <a:lstStyle/>
             <a:p>
               <a:pPr algn="ctr">
@@ -3384,18 +3380,19 @@
                   <a:spcPts val="3225"/>
                 </a:lnSpc>
               </a:pPr>
+              <a:endParaRPr/>
             </a:p>
           </p:txBody>
         </p:sp>
       </p:grpSp>
       <p:sp>
         <p:nvSpPr>
-          <p:cNvPr name="Freeform 10" id="10"/>
+          <p:cNvPr id="10" name="Freeform 10"/>
           <p:cNvSpPr/>
           <p:nvPr/>
         </p:nvSpPr>
         <p:spPr>
-          <a:xfrm flipH="false" flipV="false" rot="0">
+          <a:xfrm>
             <a:off x="11588434" y="2711333"/>
             <a:ext cx="4864333" cy="4864333"/>
           </a:xfrm>
@@ -3404,9 +3401,9 @@
             <a:gdLst/>
             <a:ahLst/>
             <a:cxnLst/>
-            <a:rect r="r" b="b" t="t" l="l"/>
+            <a:rect l="l" t="t" r="r" b="b"/>
             <a:pathLst>
-              <a:path h="4864333" w="4864333">
+              <a:path w="4864333" h="4864333">
                 <a:moveTo>
                   <a:pt x="0" y="0"/>
                 </a:moveTo>
@@ -3429,19 +3426,19 @@
           <a:blipFill>
             <a:blip r:embed="rId6"/>
             <a:stretch>
-              <a:fillRect l="0" t="0" r="0" b="0"/>
+              <a:fillRect/>
             </a:stretch>
           </a:blipFill>
         </p:spPr>
       </p:sp>
       <p:sp>
         <p:nvSpPr>
-          <p:cNvPr name="TextBox 11" id="11"/>
-          <p:cNvSpPr txBox="true"/>
+          <p:cNvPr id="11" name="TextBox 11"/>
+          <p:cNvSpPr txBox="1"/>
           <p:nvPr/>
         </p:nvSpPr>
         <p:spPr>
-          <a:xfrm rot="0">
+          <a:xfrm>
             <a:off x="871772" y="2770806"/>
             <a:ext cx="9173612" cy="1438369"/>
           </a:xfrm>
@@ -3450,12 +3447,12 @@
           </a:prstGeom>
         </p:spPr>
         <p:txBody>
-          <a:bodyPr anchor="t" rtlCol="false" tIns="0" lIns="0" bIns="0" rIns="0">
+          <a:bodyPr lIns="0" tIns="0" rIns="0" bIns="0" rtlCol="0" anchor="t">
             <a:spAutoFit/>
           </a:bodyPr>
           <a:lstStyle/>
           <a:p>
-            <a:pPr algn="l" marL="0" indent="0" lvl="0">
+            <a:pPr marL="0" lvl="0" indent="0" algn="l">
               <a:lnSpc>
                 <a:spcPts val="11109"/>
               </a:lnSpc>
@@ -3477,12 +3474,12 @@
       </p:sp>
       <p:sp>
         <p:nvSpPr>
-          <p:cNvPr name="TextBox 12" id="12"/>
-          <p:cNvSpPr txBox="true"/>
+          <p:cNvPr id="12" name="TextBox 12"/>
+          <p:cNvSpPr txBox="1"/>
           <p:nvPr/>
         </p:nvSpPr>
         <p:spPr>
-          <a:xfrm rot="0">
+          <a:xfrm>
             <a:off x="1955122" y="822115"/>
             <a:ext cx="6050745" cy="365544"/>
           </a:xfrm>
@@ -3491,12 +3488,12 @@
           </a:prstGeom>
         </p:spPr>
         <p:txBody>
-          <a:bodyPr anchor="t" rtlCol="false" tIns="0" lIns="0" bIns="0" rIns="0">
+          <a:bodyPr lIns="0" tIns="0" rIns="0" bIns="0" rtlCol="0" anchor="t">
             <a:spAutoFit/>
           </a:bodyPr>
           <a:lstStyle/>
           <a:p>
-            <a:pPr algn="ctr" marL="0" indent="0" lvl="0">
+            <a:pPr marL="0" lvl="0" indent="0" algn="ctr">
               <a:lnSpc>
                 <a:spcPts val="2951"/>
               </a:lnSpc>
@@ -3521,12 +3518,12 @@
       </p:sp>
       <p:sp>
         <p:nvSpPr>
-          <p:cNvPr name="TextBox 13" id="13"/>
-          <p:cNvSpPr txBox="true"/>
+          <p:cNvPr id="13" name="TextBox 13"/>
+          <p:cNvSpPr txBox="1"/>
           <p:nvPr/>
         </p:nvSpPr>
         <p:spPr>
-          <a:xfrm rot="0">
+          <a:xfrm>
             <a:off x="757671" y="7818695"/>
             <a:ext cx="4222823" cy="2222919"/>
           </a:xfrm>
@@ -3535,7 +3532,7 @@
           </a:prstGeom>
         </p:spPr>
         <p:txBody>
-          <a:bodyPr anchor="t" rtlCol="false" tIns="0" lIns="0" bIns="0" rIns="0">
+          <a:bodyPr lIns="0" tIns="0" rIns="0" bIns="0" rtlCol="0" anchor="t">
             <a:spAutoFit/>
           </a:bodyPr>
           <a:lstStyle/>
@@ -3583,6 +3580,15 @@
                 <a:spcPts val="2951"/>
               </a:lnSpc>
             </a:pPr>
+            <a:endParaRPr lang="en-US" sz="2108" spc="105">
+              <a:solidFill>
+                <a:srgbClr val="EEECFA"/>
+              </a:solidFill>
+              <a:latin typeface="Inter"/>
+              <a:ea typeface="Inter"/>
+              <a:cs typeface="Inter"/>
+              <a:sym typeface="Inter"/>
+            </a:endParaRPr>
           </a:p>
           <a:p>
             <a:pPr algn="l">
@@ -3623,7 +3629,7 @@
             </a:r>
           </a:p>
           <a:p>
-            <a:pPr algn="l" marL="0" indent="0" lvl="0">
+            <a:pPr marL="0" lvl="0" indent="0" algn="l">
               <a:lnSpc>
                 <a:spcPts val="2951"/>
               </a:lnSpc>
@@ -3648,12 +3654,12 @@
       </p:sp>
       <p:sp>
         <p:nvSpPr>
-          <p:cNvPr name="TextBox 14" id="14"/>
-          <p:cNvSpPr txBox="true"/>
+          <p:cNvPr id="14" name="TextBox 14"/>
+          <p:cNvSpPr txBox="1"/>
           <p:nvPr/>
         </p:nvSpPr>
         <p:spPr>
-          <a:xfrm rot="0">
+          <a:xfrm>
             <a:off x="980414" y="4256650"/>
             <a:ext cx="8956328" cy="431800"/>
           </a:xfrm>
@@ -3662,7 +3668,7 @@
           </a:prstGeom>
         </p:spPr>
         <p:txBody>
-          <a:bodyPr anchor="t" rtlCol="false" tIns="0" lIns="0" bIns="0" rIns="0">
+          <a:bodyPr lIns="0" tIns="0" rIns="0" bIns="0" rtlCol="0" anchor="t">
             <a:spAutoFit/>
           </a:bodyPr>
           <a:lstStyle/>
@@ -3699,403 +3705,7 @@
 </file>
 
 <file path=ppt/slides/slide10.xml><?xml version="1.0" encoding="utf-8"?>
-<p:sld xmlns:p="http://schemas.openxmlformats.org/presentationml/2006/main" xmlns:a="http://schemas.openxmlformats.org/drawingml/2006/main" xmlns:r="http://schemas.openxmlformats.org/officeDocument/2006/relationships">
-  <p:cSld>
-    <p:bg>
-      <p:bgPr>
-        <a:solidFill>
-          <a:srgbClr val="F4F4F4"/>
-        </a:solidFill>
-      </p:bgPr>
-    </p:bg>
-    <p:spTree>
-      <p:nvGrpSpPr>
-        <p:cNvPr id="1" name=""/>
-        <p:cNvGrpSpPr/>
-        <p:nvPr/>
-      </p:nvGrpSpPr>
-      <p:grpSpPr>
-        <a:xfrm>
-          <a:off x="0" y="0"/>
-          <a:ext cx="0" cy="0"/>
-          <a:chOff x="0" y="0"/>
-          <a:chExt cx="0" cy="0"/>
-        </a:xfrm>
-      </p:grpSpPr>
-      <p:sp>
-        <p:nvSpPr>
-          <p:cNvPr name="Freeform 2" id="2"/>
-          <p:cNvSpPr/>
-          <p:nvPr/>
-        </p:nvSpPr>
-        <p:spPr>
-          <a:xfrm flipH="false" flipV="true" rot="0">
-            <a:off x="0" y="0"/>
-            <a:ext cx="4281264" cy="4750362"/>
-          </a:xfrm>
-          <a:custGeom>
-            <a:avLst/>
-            <a:gdLst/>
-            <a:ahLst/>
-            <a:cxnLst/>
-            <a:rect r="r" b="b" t="t" l="l"/>
-            <a:pathLst>
-              <a:path h="4750362" w="4281264">
-                <a:moveTo>
-                  <a:pt x="0" y="4750362"/>
-                </a:moveTo>
-                <a:lnTo>
-                  <a:pt x="4281264" y="4750362"/>
-                </a:lnTo>
-                <a:lnTo>
-                  <a:pt x="4281264" y="0"/>
-                </a:lnTo>
-                <a:lnTo>
-                  <a:pt x="0" y="0"/>
-                </a:lnTo>
-                <a:lnTo>
-                  <a:pt x="0" y="4750362"/>
-                </a:lnTo>
-                <a:close/>
-              </a:path>
-            </a:pathLst>
-          </a:custGeom>
-          <a:blipFill>
-            <a:blip r:embed="rId2">
-              <a:extLst>
-                <a:ext uri="{96DAC541-7B7A-43D3-8B79-37D633B846F1}">
-                  <asvg:svgBlip xmlns:asvg="http://schemas.microsoft.com/office/drawing/2016/SVG/main" r:embed="rId3"/>
-                </a:ext>
-              </a:extLst>
-            </a:blip>
-            <a:stretch>
-              <a:fillRect l="0" t="0" r="0" b="0"/>
-            </a:stretch>
-          </a:blipFill>
-        </p:spPr>
-      </p:sp>
-      <p:sp>
-        <p:nvSpPr>
-          <p:cNvPr name="TextBox 3" id="3"/>
-          <p:cNvSpPr txBox="true"/>
-          <p:nvPr/>
-        </p:nvSpPr>
-        <p:spPr>
-          <a:xfrm rot="0">
-            <a:off x="6360941" y="301439"/>
-            <a:ext cx="5566118" cy="1095375"/>
-          </a:xfrm>
-          <a:prstGeom prst="rect">
-            <a:avLst/>
-          </a:prstGeom>
-        </p:spPr>
-        <p:txBody>
-          <a:bodyPr anchor="t" rtlCol="false" tIns="0" lIns="0" bIns="0" rIns="0">
-            <a:spAutoFit/>
-          </a:bodyPr>
-          <a:lstStyle/>
-          <a:p>
-            <a:pPr algn="ctr" marL="0" indent="0" lvl="0">
-              <a:lnSpc>
-                <a:spcPts val="8640"/>
-              </a:lnSpc>
-            </a:pPr>
-            <a:r>
-              <a:rPr lang="en-US" sz="7200">
-                <a:solidFill>
-                  <a:srgbClr val="853AC0"/>
-                </a:solidFill>
-                <a:latin typeface="Montserrat Bold"/>
-                <a:ea typeface="Montserrat Bold"/>
-                <a:cs typeface="Montserrat Bold"/>
-                <a:sym typeface="Montserrat Bold"/>
-              </a:rPr>
-              <a:t>FRONTEND</a:t>
-            </a:r>
-          </a:p>
-        </p:txBody>
-      </p:sp>
-      <p:sp>
-        <p:nvSpPr>
-          <p:cNvPr name="TextBox 4" id="4"/>
-          <p:cNvSpPr txBox="true"/>
-          <p:nvPr/>
-        </p:nvSpPr>
-        <p:spPr>
-          <a:xfrm rot="0">
-            <a:off x="1799842" y="1894514"/>
-            <a:ext cx="14688315" cy="7589335"/>
-          </a:xfrm>
-          <a:prstGeom prst="rect">
-            <a:avLst/>
-          </a:prstGeom>
-        </p:spPr>
-        <p:txBody>
-          <a:bodyPr anchor="t" rtlCol="false" tIns="0" lIns="0" bIns="0" rIns="0">
-            <a:spAutoFit/>
-          </a:bodyPr>
-          <a:lstStyle/>
-          <a:p>
-            <a:pPr algn="l">
-              <a:lnSpc>
-                <a:spcPts val="4315"/>
-              </a:lnSpc>
-            </a:pPr>
-            <a:r>
-              <a:rPr lang="en-US" sz="3082">
-                <a:solidFill>
-                  <a:srgbClr val="231F20"/>
-                </a:solidFill>
-                <a:latin typeface="Inter"/>
-                <a:ea typeface="Inter"/>
-                <a:cs typeface="Inter"/>
-                <a:sym typeface="Inter"/>
-              </a:rPr>
-              <a:t>Implementarea design-ului a fost un pas crucial în dezvoltarea aplicației. Designul a fost creat inițial în </a:t>
-            </a:r>
-            <a:r>
-              <a:rPr lang="en-US" sz="3082">
-                <a:solidFill>
-                  <a:srgbClr val="853AC0"/>
-                </a:solidFill>
-                <a:latin typeface="Inter Bold"/>
-                <a:ea typeface="Inter Bold"/>
-                <a:cs typeface="Inter Bold"/>
-                <a:sym typeface="Inter Bold"/>
-              </a:rPr>
-              <a:t>Figma</a:t>
-            </a:r>
-            <a:r>
-              <a:rPr lang="en-US" sz="3082">
-                <a:solidFill>
-                  <a:srgbClr val="231F20"/>
-                </a:solidFill>
-                <a:latin typeface="Inter"/>
-                <a:ea typeface="Inter"/>
-                <a:cs typeface="Inter"/>
-                <a:sym typeface="Inter"/>
-              </a:rPr>
-              <a:t>, facilitând o implementare eficientă în cod, stabilind dinainte dimensiunile elementelor, culorile, fonturile și mărimea textului. </a:t>
-            </a:r>
-          </a:p>
-          <a:p>
-            <a:pPr algn="l">
-              <a:lnSpc>
-                <a:spcPts val="4315"/>
-              </a:lnSpc>
-            </a:pPr>
-          </a:p>
-          <a:p>
-            <a:pPr algn="l">
-              <a:lnSpc>
-                <a:spcPts val="4315"/>
-              </a:lnSpc>
-            </a:pPr>
-            <a:r>
-              <a:rPr lang="en-US" sz="3082">
-                <a:solidFill>
-                  <a:srgbClr val="231F20"/>
-                </a:solidFill>
-                <a:latin typeface="Inter"/>
-                <a:ea typeface="Inter"/>
-                <a:cs typeface="Inter"/>
-                <a:sym typeface="Inter"/>
-              </a:rPr>
-              <a:t>Pentru partea de frontend, am folosit </a:t>
-            </a:r>
-            <a:r>
-              <a:rPr lang="en-US" sz="3082">
-                <a:solidFill>
-                  <a:srgbClr val="853AC0"/>
-                </a:solidFill>
-                <a:latin typeface="Inter Bold"/>
-                <a:ea typeface="Inter Bold"/>
-                <a:cs typeface="Inter Bold"/>
-                <a:sym typeface="Inter Bold"/>
-              </a:rPr>
-              <a:t>HTML</a:t>
-            </a:r>
-            <a:r>
-              <a:rPr lang="en-US" sz="3082">
-                <a:solidFill>
-                  <a:srgbClr val="231F20"/>
-                </a:solidFill>
-                <a:latin typeface="Inter"/>
-                <a:ea typeface="Inter"/>
-                <a:cs typeface="Inter"/>
-                <a:sym typeface="Inter"/>
-              </a:rPr>
-              <a:t> pentru a crea scheletul paginilor web, care sunt afișate în browser. Acest schelet a fost stilizat cu ajutorul framework-ului </a:t>
-            </a:r>
-            <a:r>
-              <a:rPr lang="en-US" sz="3082">
-                <a:solidFill>
-                  <a:srgbClr val="853AC0"/>
-                </a:solidFill>
-                <a:latin typeface="Inter Bold"/>
-                <a:ea typeface="Inter Bold"/>
-                <a:cs typeface="Inter Bold"/>
-                <a:sym typeface="Inter Bold"/>
-              </a:rPr>
-              <a:t>TailwindCSS</a:t>
-            </a:r>
-            <a:r>
-              <a:rPr lang="en-US" sz="3082">
-                <a:solidFill>
-                  <a:srgbClr val="231F20"/>
-                </a:solidFill>
-                <a:latin typeface="Inter"/>
-                <a:ea typeface="Inter"/>
-                <a:cs typeface="Inter"/>
-                <a:sym typeface="Inter"/>
-              </a:rPr>
-              <a:t>, asigurând o interfață user-friendly. Pe lângă clasele standard ale framework-ului, am adăugat și clase custom pentru a îndeplini toate cerințele de design.</a:t>
-            </a:r>
-          </a:p>
-          <a:p>
-            <a:pPr algn="l">
-              <a:lnSpc>
-                <a:spcPts val="4315"/>
-              </a:lnSpc>
-            </a:pPr>
-          </a:p>
-          <a:p>
-            <a:pPr algn="l">
-              <a:lnSpc>
-                <a:spcPts val="4315"/>
-              </a:lnSpc>
-              <a:spcBef>
-                <a:spcPct val="0"/>
-              </a:spcBef>
-            </a:pPr>
-            <a:r>
-              <a:rPr lang="en-US" sz="3082">
-                <a:solidFill>
-                  <a:srgbClr val="231F20"/>
-                </a:solidFill>
-                <a:latin typeface="Inter"/>
-                <a:ea typeface="Inter"/>
-                <a:cs typeface="Inter"/>
-                <a:sym typeface="Inter"/>
-              </a:rPr>
-              <a:t>Animațiile și dinamica site-ului au fost realizate în </a:t>
-            </a:r>
-            <a:r>
-              <a:rPr lang="en-US" sz="3082">
-                <a:solidFill>
-                  <a:srgbClr val="853AC0"/>
-                </a:solidFill>
-                <a:latin typeface="Inter Bold"/>
-                <a:ea typeface="Inter Bold"/>
-                <a:cs typeface="Inter Bold"/>
-                <a:sym typeface="Inter Bold"/>
-              </a:rPr>
-              <a:t>JavaScript</a:t>
-            </a:r>
-            <a:r>
-              <a:rPr lang="en-US" sz="3082">
-                <a:solidFill>
-                  <a:srgbClr val="231F20"/>
-                </a:solidFill>
-                <a:latin typeface="Inter"/>
-                <a:ea typeface="Inter"/>
-                <a:cs typeface="Inter"/>
-                <a:sym typeface="Inter"/>
-              </a:rPr>
-              <a:t>, adăugând funcționalități și interactivitate paginilor web. Codul </a:t>
-            </a:r>
-            <a:r>
-              <a:rPr lang="en-US" sz="3082">
-                <a:solidFill>
-                  <a:srgbClr val="853AC0"/>
-                </a:solidFill>
-                <a:latin typeface="Inter Bold"/>
-                <a:ea typeface="Inter Bold"/>
-                <a:cs typeface="Inter Bold"/>
-                <a:sym typeface="Inter Bold"/>
-              </a:rPr>
-              <a:t>JavaScript </a:t>
-            </a:r>
-            <a:r>
-              <a:rPr lang="en-US" sz="3082">
-                <a:solidFill>
-                  <a:srgbClr val="231F20"/>
-                </a:solidFill>
-                <a:latin typeface="Inter"/>
-                <a:ea typeface="Inter"/>
-                <a:cs typeface="Inter"/>
-                <a:sym typeface="Inter"/>
-              </a:rPr>
-              <a:t>este rulat de browser, ceea ce permite crearea unei experiențe dinamice pentru utilizatori.</a:t>
-            </a:r>
-          </a:p>
-        </p:txBody>
-      </p:sp>
-      <p:sp>
-        <p:nvSpPr>
-          <p:cNvPr name="Freeform 5" id="5"/>
-          <p:cNvSpPr/>
-          <p:nvPr/>
-        </p:nvSpPr>
-        <p:spPr>
-          <a:xfrm flipH="false" flipV="false" rot="-5400000">
-            <a:off x="13772187" y="5771187"/>
-            <a:ext cx="4281264" cy="4750362"/>
-          </a:xfrm>
-          <a:custGeom>
-            <a:avLst/>
-            <a:gdLst/>
-            <a:ahLst/>
-            <a:cxnLst/>
-            <a:rect r="r" b="b" t="t" l="l"/>
-            <a:pathLst>
-              <a:path h="4750362" w="4281264">
-                <a:moveTo>
-                  <a:pt x="0" y="0"/>
-                </a:moveTo>
-                <a:lnTo>
-                  <a:pt x="4281264" y="0"/>
-                </a:lnTo>
-                <a:lnTo>
-                  <a:pt x="4281264" y="4750362"/>
-                </a:lnTo>
-                <a:lnTo>
-                  <a:pt x="0" y="4750362"/>
-                </a:lnTo>
-                <a:lnTo>
-                  <a:pt x="0" y="0"/>
-                </a:lnTo>
-                <a:close/>
-              </a:path>
-            </a:pathLst>
-          </a:custGeom>
-          <a:blipFill>
-            <a:blip r:embed="rId2">
-              <a:extLst>
-                <a:ext uri="{96DAC541-7B7A-43D3-8B79-37D633B846F1}">
-                  <asvg:svgBlip xmlns:asvg="http://schemas.microsoft.com/office/drawing/2016/SVG/main" r:embed="rId3"/>
-                </a:ext>
-              </a:extLst>
-            </a:blip>
-            <a:stretch>
-              <a:fillRect l="0" t="0" r="0" b="0"/>
-            </a:stretch>
-          </a:blipFill>
-        </p:spPr>
-      </p:sp>
-    </p:spTree>
-  </p:cSld>
-  <p:clrMapOvr>
-    <a:masterClrMapping/>
-  </p:clrMapOvr>
-  <p:transition spd="slow">
-    <p:push dir="l"/>
-  </p:transition>
-</p:sld>
-</file>
-
-<file path=ppt/slides/slide11.xml><?xml version="1.0" encoding="utf-8"?>
-<p:sld xmlns:p="http://schemas.openxmlformats.org/presentationml/2006/main" xmlns:a="http://schemas.openxmlformats.org/drawingml/2006/main">
+<p:sld xmlns:a="http://schemas.openxmlformats.org/drawingml/2006/main" xmlns:r="http://schemas.openxmlformats.org/officeDocument/2006/relationships" xmlns:p="http://schemas.openxmlformats.org/presentationml/2006/main">
   <p:cSld>
     <p:spTree>
       <p:nvGrpSpPr>
@@ -4113,12 +3723,12 @@
       </p:grpSpPr>
       <p:grpSp>
         <p:nvGrpSpPr>
-          <p:cNvPr name="Group 2" id="2"/>
+          <p:cNvPr id="2" name="Group 2"/>
           <p:cNvGrpSpPr/>
           <p:nvPr/>
         </p:nvGrpSpPr>
         <p:grpSpPr>
-          <a:xfrm rot="0">
+          <a:xfrm>
             <a:off x="-527630" y="8200102"/>
             <a:ext cx="4281235" cy="2578158"/>
             <a:chOff x="0" y="0"/>
@@ -4127,12 +3737,12 @@
         </p:grpSpPr>
         <p:sp>
           <p:nvSpPr>
-            <p:cNvPr name="Freeform 3" id="3"/>
+            <p:cNvPr id="3" name="Freeform 3"/>
             <p:cNvSpPr/>
             <p:nvPr/>
           </p:nvSpPr>
           <p:spPr>
-            <a:xfrm flipH="false" flipV="false" rot="0">
+            <a:xfrm>
               <a:off x="0" y="0"/>
               <a:ext cx="1127568" cy="679021"/>
             </a:xfrm>
@@ -4141,9 +3751,9 @@
               <a:gdLst/>
               <a:ahLst/>
               <a:cxnLst/>
-              <a:rect r="r" b="b" t="t" l="l"/>
+              <a:rect l="l" t="t" r="r" b="b"/>
               <a:pathLst>
-                <a:path h="679021" w="1127568">
+                <a:path w="1127568" h="679021">
                   <a:moveTo>
                     <a:pt x="0" y="0"/>
                   </a:moveTo>
@@ -4167,8 +3777,8 @@
         </p:sp>
         <p:sp>
           <p:nvSpPr>
-            <p:cNvPr name="TextBox 4" id="4"/>
-            <p:cNvSpPr txBox="true"/>
+            <p:cNvPr id="4" name="TextBox 4"/>
+            <p:cNvSpPr txBox="1"/>
             <p:nvPr/>
           </p:nvSpPr>
           <p:spPr>
@@ -4181,7 +3791,7 @@
             </a:prstGeom>
           </p:spPr>
           <p:txBody>
-            <a:bodyPr anchor="ctr" rtlCol="false" tIns="50800" lIns="50800" bIns="50800" rIns="50800"/>
+            <a:bodyPr lIns="50800" tIns="50800" rIns="50800" bIns="50800" rtlCol="0" anchor="ctr"/>
             <a:lstStyle/>
             <a:p>
               <a:pPr algn="ctr">
@@ -4189,18 +3799,19 @@
                   <a:spcPts val="2100"/>
                 </a:lnSpc>
               </a:pPr>
+              <a:endParaRPr/>
             </a:p>
           </p:txBody>
         </p:sp>
       </p:grpSp>
       <p:grpSp>
         <p:nvGrpSpPr>
-          <p:cNvPr name="Group 5" id="5"/>
+          <p:cNvPr id="5" name="Group 5"/>
           <p:cNvGrpSpPr/>
           <p:nvPr/>
         </p:nvGrpSpPr>
         <p:grpSpPr>
-          <a:xfrm rot="0">
+          <a:xfrm>
             <a:off x="14468527" y="-783743"/>
             <a:ext cx="4281235" cy="3039920"/>
             <a:chOff x="0" y="0"/>
@@ -4209,12 +3820,12 @@
         </p:grpSpPr>
         <p:sp>
           <p:nvSpPr>
-            <p:cNvPr name="Freeform 6" id="6"/>
+            <p:cNvPr id="6" name="Freeform 6"/>
             <p:cNvSpPr/>
             <p:nvPr/>
           </p:nvSpPr>
           <p:spPr>
-            <a:xfrm flipH="false" flipV="false" rot="0">
+            <a:xfrm>
               <a:off x="0" y="0"/>
               <a:ext cx="1127568" cy="800637"/>
             </a:xfrm>
@@ -4223,9 +3834,9 @@
               <a:gdLst/>
               <a:ahLst/>
               <a:cxnLst/>
-              <a:rect r="r" b="b" t="t" l="l"/>
+              <a:rect l="l" t="t" r="r" b="b"/>
               <a:pathLst>
-                <a:path h="800637" w="1127568">
+                <a:path w="1127568" h="800637">
                   <a:moveTo>
                     <a:pt x="0" y="0"/>
                   </a:moveTo>
@@ -4249,8 +3860,8 @@
         </p:sp>
         <p:sp>
           <p:nvSpPr>
-            <p:cNvPr name="TextBox 7" id="7"/>
-            <p:cNvSpPr txBox="true"/>
+            <p:cNvPr id="7" name="TextBox 7"/>
+            <p:cNvSpPr txBox="1"/>
             <p:nvPr/>
           </p:nvSpPr>
           <p:spPr>
@@ -4263,7 +3874,7 @@
             </a:prstGeom>
           </p:spPr>
           <p:txBody>
-            <a:bodyPr anchor="ctr" rtlCol="false" tIns="50800" lIns="50800" bIns="50800" rIns="50800"/>
+            <a:bodyPr lIns="50800" tIns="50800" rIns="50800" bIns="50800" rtlCol="0" anchor="ctr"/>
             <a:lstStyle/>
             <a:p>
               <a:pPr algn="ctr">
@@ -4271,18 +3882,19 @@
                   <a:spcPts val="2100"/>
                 </a:lnSpc>
               </a:pPr>
+              <a:endParaRPr/>
             </a:p>
           </p:txBody>
         </p:sp>
       </p:grpSp>
       <p:grpSp>
         <p:nvGrpSpPr>
-          <p:cNvPr name="Group 8" id="8"/>
+          <p:cNvPr id="8" name="Group 8"/>
           <p:cNvGrpSpPr/>
           <p:nvPr/>
         </p:nvGrpSpPr>
         <p:grpSpPr>
-          <a:xfrm rot="0">
+          <a:xfrm>
             <a:off x="-1015939" y="-299971"/>
             <a:ext cx="4089278" cy="2657343"/>
             <a:chOff x="0" y="0"/>
@@ -4291,12 +3903,12 @@
         </p:grpSpPr>
         <p:sp>
           <p:nvSpPr>
-            <p:cNvPr name="AutoShape 9" id="9"/>
+            <p:cNvPr id="9" name="AutoShape 9"/>
             <p:cNvSpPr/>
             <p:nvPr/>
           </p:nvSpPr>
           <p:spPr>
-            <a:xfrm rot="0">
+            <a:xfrm>
               <a:off x="0" y="0"/>
               <a:ext cx="512927" cy="3543124"/>
             </a:xfrm>
@@ -4310,12 +3922,12 @@
         </p:sp>
         <p:sp>
           <p:nvSpPr>
-            <p:cNvPr name="AutoShape 10" id="10"/>
+            <p:cNvPr id="10" name="AutoShape 10"/>
             <p:cNvSpPr/>
             <p:nvPr/>
           </p:nvSpPr>
           <p:spPr>
-            <a:xfrm rot="0">
+            <a:xfrm>
               <a:off x="1646481" y="0"/>
               <a:ext cx="512927" cy="3543124"/>
             </a:xfrm>
@@ -4329,12 +3941,12 @@
         </p:sp>
         <p:sp>
           <p:nvSpPr>
-            <p:cNvPr name="AutoShape 11" id="11"/>
+            <p:cNvPr id="11" name="AutoShape 11"/>
             <p:cNvSpPr/>
             <p:nvPr/>
           </p:nvSpPr>
           <p:spPr>
-            <a:xfrm rot="0">
+            <a:xfrm>
               <a:off x="3292962" y="0"/>
               <a:ext cx="512927" cy="3543124"/>
             </a:xfrm>
@@ -4348,12 +3960,12 @@
         </p:sp>
         <p:sp>
           <p:nvSpPr>
-            <p:cNvPr name="AutoShape 12" id="12"/>
+            <p:cNvPr id="12" name="AutoShape 12"/>
             <p:cNvSpPr/>
             <p:nvPr/>
           </p:nvSpPr>
           <p:spPr>
-            <a:xfrm rot="0">
+            <a:xfrm>
               <a:off x="4939443" y="0"/>
               <a:ext cx="512927" cy="3543124"/>
             </a:xfrm>
@@ -4368,12 +3980,12 @@
       </p:grpSp>
       <p:grpSp>
         <p:nvGrpSpPr>
-          <p:cNvPr name="Group 13" id="13"/>
+          <p:cNvPr id="13" name="Group 13"/>
           <p:cNvGrpSpPr/>
           <p:nvPr/>
         </p:nvGrpSpPr>
         <p:grpSpPr>
-          <a:xfrm rot="0">
+          <a:xfrm>
             <a:off x="15214661" y="7929629"/>
             <a:ext cx="4089278" cy="2657343"/>
             <a:chOff x="0" y="0"/>
@@ -4382,12 +3994,12 @@
         </p:grpSpPr>
         <p:sp>
           <p:nvSpPr>
-            <p:cNvPr name="AutoShape 14" id="14"/>
+            <p:cNvPr id="14" name="AutoShape 14"/>
             <p:cNvSpPr/>
             <p:nvPr/>
           </p:nvSpPr>
           <p:spPr>
-            <a:xfrm rot="0">
+            <a:xfrm>
               <a:off x="0" y="0"/>
               <a:ext cx="512927" cy="3543124"/>
             </a:xfrm>
@@ -4401,12 +4013,12 @@
         </p:sp>
         <p:sp>
           <p:nvSpPr>
-            <p:cNvPr name="AutoShape 15" id="15"/>
+            <p:cNvPr id="15" name="AutoShape 15"/>
             <p:cNvSpPr/>
             <p:nvPr/>
           </p:nvSpPr>
           <p:spPr>
-            <a:xfrm rot="0">
+            <a:xfrm>
               <a:off x="1646481" y="0"/>
               <a:ext cx="512927" cy="3543124"/>
             </a:xfrm>
@@ -4420,12 +4032,12 @@
         </p:sp>
         <p:sp>
           <p:nvSpPr>
-            <p:cNvPr name="AutoShape 16" id="16"/>
+            <p:cNvPr id="16" name="AutoShape 16"/>
             <p:cNvSpPr/>
             <p:nvPr/>
           </p:nvSpPr>
           <p:spPr>
-            <a:xfrm rot="0">
+            <a:xfrm>
               <a:off x="3292962" y="0"/>
               <a:ext cx="512927" cy="3543124"/>
             </a:xfrm>
@@ -4439,12 +4051,12 @@
         </p:sp>
         <p:sp>
           <p:nvSpPr>
-            <p:cNvPr name="AutoShape 17" id="17"/>
+            <p:cNvPr id="17" name="AutoShape 17"/>
             <p:cNvSpPr/>
             <p:nvPr/>
           </p:nvSpPr>
           <p:spPr>
-            <a:xfrm rot="0">
+            <a:xfrm>
               <a:off x="4939443" y="0"/>
               <a:ext cx="512927" cy="3543124"/>
             </a:xfrm>
@@ -4459,12 +4071,12 @@
       </p:grpSp>
       <p:sp>
         <p:nvSpPr>
-          <p:cNvPr name="TextBox 18" id="18"/>
-          <p:cNvSpPr txBox="true"/>
+          <p:cNvPr id="18" name="TextBox 18"/>
+          <p:cNvSpPr txBox="1"/>
           <p:nvPr/>
         </p:nvSpPr>
         <p:spPr>
-          <a:xfrm rot="0">
+          <a:xfrm>
             <a:off x="6281755" y="812417"/>
             <a:ext cx="5350782" cy="1108709"/>
           </a:xfrm>
@@ -4473,12 +4085,12 @@
           </a:prstGeom>
         </p:spPr>
         <p:txBody>
-          <a:bodyPr anchor="t" rtlCol="false" tIns="0" lIns="0" bIns="0" rIns="0">
+          <a:bodyPr lIns="0" tIns="0" rIns="0" bIns="0" rtlCol="0" anchor="t">
             <a:spAutoFit/>
           </a:bodyPr>
           <a:lstStyle/>
           <a:p>
-            <a:pPr algn="ctr" marL="0" indent="0" lvl="0">
+            <a:pPr marL="0" lvl="0" indent="0" algn="ctr">
               <a:lnSpc>
                 <a:spcPts val="8579"/>
               </a:lnSpc>
@@ -4503,12 +4115,12 @@
       </p:sp>
       <p:sp>
         <p:nvSpPr>
-          <p:cNvPr name="TextBox 19" id="19"/>
-          <p:cNvSpPr txBox="true"/>
+          <p:cNvPr id="19" name="TextBox 19"/>
+          <p:cNvSpPr txBox="1"/>
           <p:nvPr/>
         </p:nvSpPr>
         <p:spPr>
-          <a:xfrm rot="0">
+          <a:xfrm>
             <a:off x="2146163" y="3375435"/>
             <a:ext cx="13995673" cy="3469455"/>
           </a:xfrm>
@@ -4517,7 +4129,7 @@
           </a:prstGeom>
         </p:spPr>
         <p:txBody>
-          <a:bodyPr anchor="t" rtlCol="false" tIns="0" lIns="0" bIns="0" rIns="0">
+          <a:bodyPr lIns="0" tIns="0" rIns="0" bIns="0" rtlCol="0" anchor="t">
             <a:spAutoFit/>
           </a:bodyPr>
           <a:lstStyle/>
@@ -4719,19 +4331,20 @@
     <a:masterClrMapping/>
   </p:clrMapOvr>
   <p:transition spd="slow">
-    <p:push dir="l"/>
+    <p:push/>
   </p:transition>
 </p:sld>
 </file>
 
-<file path=ppt/slides/slide12.xml><?xml version="1.0" encoding="utf-8"?>
-<p:sld xmlns:p="http://schemas.openxmlformats.org/presentationml/2006/main" xmlns:a="http://schemas.openxmlformats.org/drawingml/2006/main" xmlns:r="http://schemas.openxmlformats.org/officeDocument/2006/relationships">
+<file path=ppt/slides/slide11.xml><?xml version="1.0" encoding="utf-8"?>
+<p:sld xmlns:a="http://schemas.openxmlformats.org/drawingml/2006/main" xmlns:r="http://schemas.openxmlformats.org/officeDocument/2006/relationships" xmlns:p="http://schemas.openxmlformats.org/presentationml/2006/main">
   <p:cSld>
     <p:bg>
       <p:bgPr>
         <a:solidFill>
           <a:srgbClr val="F4F4F4"/>
         </a:solidFill>
+        <a:effectLst/>
       </p:bgPr>
     </p:bg>
     <p:spTree>
@@ -4750,12 +4363,12 @@
       </p:grpSpPr>
       <p:sp>
         <p:nvSpPr>
-          <p:cNvPr name="Freeform 2" id="2"/>
+          <p:cNvPr id="2" name="Freeform 2"/>
           <p:cNvSpPr/>
           <p:nvPr/>
         </p:nvSpPr>
         <p:spPr>
-          <a:xfrm flipH="false" flipV="false" rot="0">
+          <a:xfrm>
             <a:off x="14550162" y="5855384"/>
             <a:ext cx="5418275" cy="5797766"/>
           </a:xfrm>
@@ -4764,9 +4377,9 @@
             <a:gdLst/>
             <a:ahLst/>
             <a:cxnLst/>
-            <a:rect r="r" b="b" t="t" l="l"/>
+            <a:rect l="l" t="t" r="r" b="b"/>
             <a:pathLst>
-              <a:path h="5797766" w="5418275">
+              <a:path w="5418275" h="5797766">
                 <a:moveTo>
                   <a:pt x="0" y="0"/>
                 </a:moveTo>
@@ -4795,19 +4408,19 @@
               </a:extLst>
             </a:blip>
             <a:stretch>
-              <a:fillRect l="0" t="0" r="0" b="0"/>
+              <a:fillRect/>
             </a:stretch>
           </a:blipFill>
         </p:spPr>
       </p:sp>
       <p:sp>
         <p:nvSpPr>
-          <p:cNvPr name="Freeform 3" id="3"/>
+          <p:cNvPr id="3" name="Freeform 3"/>
           <p:cNvSpPr/>
           <p:nvPr/>
         </p:nvSpPr>
         <p:spPr>
-          <a:xfrm flipH="true" flipV="true" rot="0">
+          <a:xfrm flipH="1" flipV="1">
             <a:off x="-1443209" y="-1408375"/>
             <a:ext cx="5418275" cy="5797766"/>
           </a:xfrm>
@@ -4816,9 +4429,9 @@
             <a:gdLst/>
             <a:ahLst/>
             <a:cxnLst/>
-            <a:rect r="r" b="b" t="t" l="l"/>
+            <a:rect l="l" t="t" r="r" b="b"/>
             <a:pathLst>
-              <a:path h="5797766" w="5418275">
+              <a:path w="5418275" h="5797766">
                 <a:moveTo>
                   <a:pt x="5418275" y="5797766"/>
                 </a:moveTo>
@@ -4847,19 +4460,19 @@
               </a:extLst>
             </a:blip>
             <a:stretch>
-              <a:fillRect l="0" t="0" r="0" b="0"/>
+              <a:fillRect/>
             </a:stretch>
           </a:blipFill>
         </p:spPr>
       </p:sp>
       <p:sp>
         <p:nvSpPr>
-          <p:cNvPr name="TextBox 4" id="4"/>
-          <p:cNvSpPr txBox="true"/>
+          <p:cNvPr id="4" name="TextBox 4"/>
+          <p:cNvSpPr txBox="1"/>
           <p:nvPr/>
         </p:nvSpPr>
         <p:spPr>
-          <a:xfrm rot="0">
+          <a:xfrm>
             <a:off x="3027634" y="431329"/>
             <a:ext cx="12232731" cy="2194559"/>
           </a:xfrm>
@@ -4868,12 +4481,12 @@
           </a:prstGeom>
         </p:spPr>
         <p:txBody>
-          <a:bodyPr anchor="t" rtlCol="false" tIns="0" lIns="0" bIns="0" rIns="0">
+          <a:bodyPr lIns="0" tIns="0" rIns="0" bIns="0" rtlCol="0" anchor="t">
             <a:spAutoFit/>
           </a:bodyPr>
           <a:lstStyle/>
           <a:p>
-            <a:pPr algn="ctr" marL="0" indent="0" lvl="0">
+            <a:pPr marL="0" lvl="0" indent="0" algn="ctr">
               <a:lnSpc>
                 <a:spcPts val="8579"/>
               </a:lnSpc>
@@ -4898,12 +4511,12 @@
       </p:sp>
       <p:sp>
         <p:nvSpPr>
-          <p:cNvPr name="TextBox 5" id="5"/>
-          <p:cNvSpPr txBox="true"/>
+          <p:cNvPr id="5" name="TextBox 5"/>
+          <p:cNvSpPr txBox="1"/>
           <p:nvPr/>
         </p:nvSpPr>
         <p:spPr>
-          <a:xfrm rot="0">
+          <a:xfrm>
             <a:off x="2629475" y="3136006"/>
             <a:ext cx="13029050" cy="6296025"/>
           </a:xfrm>
@@ -4912,7 +4525,7 @@
           </a:prstGeom>
         </p:spPr>
         <p:txBody>
-          <a:bodyPr anchor="t" rtlCol="false" tIns="0" lIns="0" bIns="0" rIns="0">
+          <a:bodyPr lIns="0" tIns="0" rIns="0" bIns="0" rtlCol="0" anchor="t">
             <a:spAutoFit/>
           </a:bodyPr>
           <a:lstStyle/>
@@ -4947,6 +4560,15 @@
                 <a:spcPct val="0"/>
               </a:spcBef>
             </a:pPr>
+            <a:endParaRPr lang="en-US" sz="2799">
+              <a:solidFill>
+                <a:srgbClr val="231F20"/>
+              </a:solidFill>
+              <a:latin typeface="Inter"/>
+              <a:ea typeface="Inter"/>
+              <a:cs typeface="Inter"/>
+              <a:sym typeface="Inter"/>
+            </a:endParaRPr>
           </a:p>
           <a:p>
             <a:pPr algn="l">
@@ -4979,6 +4601,15 @@
                 <a:spcPct val="0"/>
               </a:spcBef>
             </a:pPr>
+            <a:endParaRPr lang="en-US" sz="2799">
+              <a:solidFill>
+                <a:srgbClr val="231F20"/>
+              </a:solidFill>
+              <a:latin typeface="Inter"/>
+              <a:ea typeface="Inter"/>
+              <a:cs typeface="Inter"/>
+              <a:sym typeface="Inter"/>
+            </a:endParaRPr>
           </a:p>
           <a:p>
             <a:pPr algn="l">
@@ -5010,19 +4641,20 @@
     <a:masterClrMapping/>
   </p:clrMapOvr>
   <p:transition spd="slow">
-    <p:push dir="l"/>
+    <p:push/>
   </p:transition>
 </p:sld>
 </file>
 
-<file path=ppt/slides/slide13.xml><?xml version="1.0" encoding="utf-8"?>
-<p:sld xmlns:p="http://schemas.openxmlformats.org/presentationml/2006/main" xmlns:a="http://schemas.openxmlformats.org/drawingml/2006/main" xmlns:r="http://schemas.openxmlformats.org/officeDocument/2006/relationships">
+<file path=ppt/slides/slide12.xml><?xml version="1.0" encoding="utf-8"?>
+<p:sld xmlns:a="http://schemas.openxmlformats.org/drawingml/2006/main" xmlns:r="http://schemas.openxmlformats.org/officeDocument/2006/relationships" xmlns:p="http://schemas.openxmlformats.org/presentationml/2006/main">
   <p:cSld>
     <p:bg>
       <p:bgPr>
         <a:solidFill>
           <a:srgbClr val="F4F4F4"/>
         </a:solidFill>
+        <a:effectLst/>
       </p:bgPr>
     </p:bg>
     <p:spTree>
@@ -5041,12 +4673,12 @@
       </p:grpSpPr>
       <p:sp>
         <p:nvSpPr>
-          <p:cNvPr name="Freeform 2" id="2"/>
+          <p:cNvPr id="2" name="Freeform 2"/>
           <p:cNvSpPr/>
           <p:nvPr/>
         </p:nvSpPr>
         <p:spPr>
-          <a:xfrm flipH="true" flipV="false" rot="0">
+          <a:xfrm flipH="1">
             <a:off x="-232401" y="3557789"/>
             <a:ext cx="6516966" cy="7374219"/>
           </a:xfrm>
@@ -5055,9 +4687,9 @@
             <a:gdLst/>
             <a:ahLst/>
             <a:cxnLst/>
-            <a:rect r="r" b="b" t="t" l="l"/>
+            <a:rect l="l" t="t" r="r" b="b"/>
             <a:pathLst>
-              <a:path h="7374219" w="6516966">
+              <a:path w="6516966" h="7374219">
                 <a:moveTo>
                   <a:pt x="6516966" y="0"/>
                 </a:moveTo>
@@ -5086,19 +4718,19 @@
               </a:extLst>
             </a:blip>
             <a:stretch>
-              <a:fillRect l="0" t="0" r="0" b="0"/>
+              <a:fillRect/>
             </a:stretch>
           </a:blipFill>
         </p:spPr>
       </p:sp>
       <p:sp>
         <p:nvSpPr>
-          <p:cNvPr name="Freeform 3" id="3"/>
+          <p:cNvPr id="3" name="Freeform 3"/>
           <p:cNvSpPr/>
           <p:nvPr/>
         </p:nvSpPr>
         <p:spPr>
-          <a:xfrm flipH="false" flipV="true" rot="0">
+          <a:xfrm flipV="1">
             <a:off x="11412729" y="-2572019"/>
             <a:ext cx="7037060" cy="7962727"/>
           </a:xfrm>
@@ -5107,9 +4739,9 @@
             <a:gdLst/>
             <a:ahLst/>
             <a:cxnLst/>
-            <a:rect r="r" b="b" t="t" l="l"/>
+            <a:rect l="l" t="t" r="r" b="b"/>
             <a:pathLst>
-              <a:path h="7962727" w="7037060">
+              <a:path w="7037060" h="7962727">
                 <a:moveTo>
                   <a:pt x="0" y="7962727"/>
                 </a:moveTo>
@@ -5138,19 +4770,19 @@
               </a:extLst>
             </a:blip>
             <a:stretch>
-              <a:fillRect l="0" t="0" r="0" b="0"/>
+              <a:fillRect/>
             </a:stretch>
           </a:blipFill>
         </p:spPr>
       </p:sp>
       <p:sp>
         <p:nvSpPr>
-          <p:cNvPr name="TextBox 4" id="4"/>
-          <p:cNvSpPr txBox="true"/>
+          <p:cNvPr id="4" name="TextBox 4"/>
+          <p:cNvSpPr txBox="1"/>
           <p:nvPr/>
         </p:nvSpPr>
         <p:spPr>
-          <a:xfrm rot="0">
+          <a:xfrm>
             <a:off x="1902210" y="3066983"/>
             <a:ext cx="13029050" cy="2438400"/>
           </a:xfrm>
@@ -5159,12 +4791,12 @@
           </a:prstGeom>
         </p:spPr>
         <p:txBody>
-          <a:bodyPr anchor="t" rtlCol="false" tIns="0" lIns="0" bIns="0" rIns="0">
+          <a:bodyPr lIns="0" tIns="0" rIns="0" bIns="0" rtlCol="0" anchor="t">
             <a:spAutoFit/>
           </a:bodyPr>
           <a:lstStyle/>
           <a:p>
-            <a:pPr algn="l" marL="690876" indent="-345438" lvl="1">
+            <a:pPr marL="690876" lvl="1" indent="-345438" algn="l">
               <a:lnSpc>
                 <a:spcPts val="3839"/>
               </a:lnSpc>
@@ -5200,12 +4832,12 @@
       </p:sp>
       <p:sp>
         <p:nvSpPr>
-          <p:cNvPr name="TextBox 5" id="5"/>
-          <p:cNvSpPr txBox="true"/>
+          <p:cNvPr id="5" name="TextBox 5"/>
+          <p:cNvSpPr txBox="1"/>
           <p:nvPr/>
         </p:nvSpPr>
         <p:spPr>
-          <a:xfrm rot="0">
+          <a:xfrm>
             <a:off x="431759" y="893090"/>
             <a:ext cx="13156254" cy="1108709"/>
           </a:xfrm>
@@ -5214,12 +4846,12 @@
           </a:prstGeom>
         </p:spPr>
         <p:txBody>
-          <a:bodyPr anchor="t" rtlCol="false" tIns="0" lIns="0" bIns="0" rIns="0">
+          <a:bodyPr lIns="0" tIns="0" rIns="0" bIns="0" rtlCol="0" anchor="t">
             <a:spAutoFit/>
           </a:bodyPr>
           <a:lstStyle/>
           <a:p>
-            <a:pPr algn="ctr" marL="0" indent="0" lvl="0">
+            <a:pPr marL="0" lvl="0" indent="0" algn="ctr">
               <a:lnSpc>
                 <a:spcPts val="8579"/>
               </a:lnSpc>
@@ -5244,12 +4876,12 @@
       </p:sp>
       <p:sp>
         <p:nvSpPr>
-          <p:cNvPr name="TextBox 6" id="6"/>
-          <p:cNvSpPr txBox="true"/>
+          <p:cNvPr id="6" name="TextBox 6"/>
+          <p:cNvSpPr txBox="1"/>
           <p:nvPr/>
         </p:nvSpPr>
         <p:spPr>
-          <a:xfrm rot="0">
+          <a:xfrm>
             <a:off x="6001301" y="6570566"/>
             <a:ext cx="11720725" cy="2924175"/>
           </a:xfrm>
@@ -5258,12 +4890,12 @@
           </a:prstGeom>
         </p:spPr>
         <p:txBody>
-          <a:bodyPr anchor="t" rtlCol="false" tIns="0" lIns="0" bIns="0" rIns="0">
+          <a:bodyPr lIns="0" tIns="0" rIns="0" bIns="0" rtlCol="0" anchor="t">
             <a:spAutoFit/>
           </a:bodyPr>
           <a:lstStyle/>
           <a:p>
-            <a:pPr algn="l" marL="690876" indent="-345438" lvl="1">
+            <a:pPr marL="690876" lvl="1" indent="-345438" algn="l">
               <a:lnSpc>
                 <a:spcPts val="3839"/>
               </a:lnSpc>
@@ -5303,19 +4935,20 @@
     <a:masterClrMapping/>
   </p:clrMapOvr>
   <p:transition spd="slow">
-    <p:push dir="l"/>
+    <p:push/>
   </p:transition>
 </p:sld>
 </file>
 
-<file path=ppt/slides/slide14.xml><?xml version="1.0" encoding="utf-8"?>
-<p:sld xmlns:p="http://schemas.openxmlformats.org/presentationml/2006/main" xmlns:a="http://schemas.openxmlformats.org/drawingml/2006/main" xmlns:r="http://schemas.openxmlformats.org/officeDocument/2006/relationships">
+<file path=ppt/slides/slide13.xml><?xml version="1.0" encoding="utf-8"?>
+<p:sld xmlns:a="http://schemas.openxmlformats.org/drawingml/2006/main" xmlns:r="http://schemas.openxmlformats.org/officeDocument/2006/relationships" xmlns:p="http://schemas.openxmlformats.org/presentationml/2006/main">
   <p:cSld>
     <p:bg>
       <p:bgPr>
         <a:solidFill>
           <a:srgbClr val="F4F4F4"/>
         </a:solidFill>
+        <a:effectLst/>
       </p:bgPr>
     </p:bg>
     <p:spTree>
@@ -5334,12 +4967,12 @@
       </p:grpSpPr>
       <p:sp>
         <p:nvSpPr>
-          <p:cNvPr name="Freeform 2" id="2"/>
+          <p:cNvPr id="2" name="Freeform 2"/>
           <p:cNvSpPr/>
           <p:nvPr/>
         </p:nvSpPr>
         <p:spPr>
-          <a:xfrm flipH="true" flipV="false" rot="0">
+          <a:xfrm flipH="1">
             <a:off x="-232401" y="3557789"/>
             <a:ext cx="6516966" cy="7374219"/>
           </a:xfrm>
@@ -5348,9 +4981,9 @@
             <a:gdLst/>
             <a:ahLst/>
             <a:cxnLst/>
-            <a:rect r="r" b="b" t="t" l="l"/>
+            <a:rect l="l" t="t" r="r" b="b"/>
             <a:pathLst>
-              <a:path h="7374219" w="6516966">
+              <a:path w="6516966" h="7374219">
                 <a:moveTo>
                   <a:pt x="6516966" y="0"/>
                 </a:moveTo>
@@ -5379,19 +5012,19 @@
               </a:extLst>
             </a:blip>
             <a:stretch>
-              <a:fillRect l="0" t="0" r="0" b="0"/>
+              <a:fillRect/>
             </a:stretch>
           </a:blipFill>
         </p:spPr>
       </p:sp>
       <p:sp>
         <p:nvSpPr>
-          <p:cNvPr name="Freeform 3" id="3"/>
+          <p:cNvPr id="3" name="Freeform 3"/>
           <p:cNvSpPr/>
           <p:nvPr/>
         </p:nvSpPr>
         <p:spPr>
-          <a:xfrm flipH="false" flipV="true" rot="0">
+          <a:xfrm flipV="1">
             <a:off x="11412729" y="-2572019"/>
             <a:ext cx="7037060" cy="7962727"/>
           </a:xfrm>
@@ -5400,9 +5033,9 @@
             <a:gdLst/>
             <a:ahLst/>
             <a:cxnLst/>
-            <a:rect r="r" b="b" t="t" l="l"/>
+            <a:rect l="l" t="t" r="r" b="b"/>
             <a:pathLst>
-              <a:path h="7962727" w="7037060">
+              <a:path w="7037060" h="7962727">
                 <a:moveTo>
                   <a:pt x="0" y="7962727"/>
                 </a:moveTo>
@@ -5431,19 +5064,19 @@
               </a:extLst>
             </a:blip>
             <a:stretch>
-              <a:fillRect l="0" t="0" r="0" b="0"/>
+              <a:fillRect/>
             </a:stretch>
           </a:blipFill>
         </p:spPr>
       </p:sp>
       <p:sp>
         <p:nvSpPr>
-          <p:cNvPr name="TextBox 4" id="4"/>
-          <p:cNvSpPr txBox="true"/>
+          <p:cNvPr id="4" name="TextBox 4"/>
+          <p:cNvSpPr txBox="1"/>
           <p:nvPr/>
         </p:nvSpPr>
         <p:spPr>
-          <a:xfrm rot="0">
+          <a:xfrm>
             <a:off x="1028700" y="2579568"/>
             <a:ext cx="13029050" cy="1466850"/>
           </a:xfrm>
@@ -5452,12 +5085,12 @@
           </a:prstGeom>
         </p:spPr>
         <p:txBody>
-          <a:bodyPr anchor="t" rtlCol="false" tIns="0" lIns="0" bIns="0" rIns="0">
+          <a:bodyPr lIns="0" tIns="0" rIns="0" bIns="0" rtlCol="0" anchor="t">
             <a:spAutoFit/>
           </a:bodyPr>
           <a:lstStyle/>
           <a:p>
-            <a:pPr algn="l" marL="690876" indent="-345438" lvl="1">
+            <a:pPr marL="690876" lvl="1" indent="-345438" algn="l">
               <a:lnSpc>
                 <a:spcPts val="3839"/>
               </a:lnSpc>
@@ -5493,12 +5126,12 @@
       </p:sp>
       <p:sp>
         <p:nvSpPr>
-          <p:cNvPr name="TextBox 5" id="5"/>
-          <p:cNvSpPr txBox="true"/>
+          <p:cNvPr id="5" name="TextBox 5"/>
+          <p:cNvSpPr txBox="1"/>
           <p:nvPr/>
         </p:nvSpPr>
         <p:spPr>
-          <a:xfrm rot="0">
+          <a:xfrm>
             <a:off x="431759" y="893090"/>
             <a:ext cx="13156254" cy="1108709"/>
           </a:xfrm>
@@ -5507,12 +5140,12 @@
           </a:prstGeom>
         </p:spPr>
         <p:txBody>
-          <a:bodyPr anchor="t" rtlCol="false" tIns="0" lIns="0" bIns="0" rIns="0">
+          <a:bodyPr lIns="0" tIns="0" rIns="0" bIns="0" rtlCol="0" anchor="t">
             <a:spAutoFit/>
           </a:bodyPr>
           <a:lstStyle/>
           <a:p>
-            <a:pPr algn="ctr" marL="0" indent="0" lvl="0">
+            <a:pPr marL="0" lvl="0" indent="0" algn="ctr">
               <a:lnSpc>
                 <a:spcPts val="8579"/>
               </a:lnSpc>
@@ -5537,12 +5170,12 @@
       </p:sp>
       <p:sp>
         <p:nvSpPr>
-          <p:cNvPr name="TextBox 6" id="6"/>
-          <p:cNvSpPr txBox="true"/>
+          <p:cNvPr id="6" name="TextBox 6"/>
+          <p:cNvSpPr txBox="1"/>
           <p:nvPr/>
         </p:nvSpPr>
         <p:spPr>
-          <a:xfrm rot="0">
+          <a:xfrm>
             <a:off x="2332863" y="4664583"/>
             <a:ext cx="13234277" cy="1952625"/>
           </a:xfrm>
@@ -5551,12 +5184,12 @@
           </a:prstGeom>
         </p:spPr>
         <p:txBody>
-          <a:bodyPr anchor="t" rtlCol="false" tIns="0" lIns="0" bIns="0" rIns="0">
+          <a:bodyPr lIns="0" tIns="0" rIns="0" bIns="0" rtlCol="0" anchor="t">
             <a:spAutoFit/>
           </a:bodyPr>
           <a:lstStyle/>
           <a:p>
-            <a:pPr algn="l" marL="690876" indent="-345438" lvl="1">
+            <a:pPr marL="690876" lvl="1" indent="-345438" algn="l">
               <a:lnSpc>
                 <a:spcPts val="3839"/>
               </a:lnSpc>
@@ -5592,12 +5225,12 @@
       </p:sp>
       <p:sp>
         <p:nvSpPr>
-          <p:cNvPr name="TextBox 7" id="7"/>
-          <p:cNvSpPr txBox="true"/>
+          <p:cNvPr id="7" name="TextBox 7"/>
+          <p:cNvSpPr txBox="1"/>
           <p:nvPr/>
         </p:nvSpPr>
         <p:spPr>
-          <a:xfrm rot="0">
+          <a:xfrm>
             <a:off x="6284565" y="7236333"/>
             <a:ext cx="10797202" cy="2438400"/>
           </a:xfrm>
@@ -5606,12 +5239,12 @@
           </a:prstGeom>
         </p:spPr>
         <p:txBody>
-          <a:bodyPr anchor="t" rtlCol="false" tIns="0" lIns="0" bIns="0" rIns="0">
+          <a:bodyPr lIns="0" tIns="0" rIns="0" bIns="0" rtlCol="0" anchor="t">
             <a:spAutoFit/>
           </a:bodyPr>
           <a:lstStyle/>
           <a:p>
-            <a:pPr algn="l" marL="690876" indent="-345438" lvl="1">
+            <a:pPr marL="690876" lvl="1" indent="-345438" algn="l">
               <a:lnSpc>
                 <a:spcPts val="3839"/>
               </a:lnSpc>
@@ -5651,19 +5284,20 @@
     <a:masterClrMapping/>
   </p:clrMapOvr>
   <p:transition spd="slow">
-    <p:push dir="l"/>
+    <p:push/>
   </p:transition>
 </p:sld>
 </file>
 
-<file path=ppt/slides/slide15.xml><?xml version="1.0" encoding="utf-8"?>
-<p:sld xmlns:p="http://schemas.openxmlformats.org/presentationml/2006/main" xmlns:a="http://schemas.openxmlformats.org/drawingml/2006/main" xmlns:r="http://schemas.openxmlformats.org/officeDocument/2006/relationships">
+<file path=ppt/slides/slide14.xml><?xml version="1.0" encoding="utf-8"?>
+<p:sld xmlns:a="http://schemas.openxmlformats.org/drawingml/2006/main" xmlns:r="http://schemas.openxmlformats.org/officeDocument/2006/relationships" xmlns:p="http://schemas.openxmlformats.org/presentationml/2006/main">
   <p:cSld>
     <p:bg>
       <p:bgPr>
         <a:solidFill>
           <a:srgbClr val="F4F4F4"/>
         </a:solidFill>
+        <a:effectLst/>
       </p:bgPr>
     </p:bg>
     <p:spTree>
@@ -5682,12 +5316,12 @@
       </p:grpSpPr>
       <p:sp>
         <p:nvSpPr>
-          <p:cNvPr name="Freeform 2" id="2"/>
+          <p:cNvPr id="2" name="Freeform 2"/>
           <p:cNvSpPr/>
           <p:nvPr/>
         </p:nvSpPr>
         <p:spPr>
-          <a:xfrm flipH="false" flipV="false" rot="0">
+          <a:xfrm>
             <a:off x="-180350" y="-147143"/>
             <a:ext cx="6106279" cy="5419322"/>
           </a:xfrm>
@@ -5696,9 +5330,9 @@
             <a:gdLst/>
             <a:ahLst/>
             <a:cxnLst/>
-            <a:rect r="r" b="b" t="t" l="l"/>
+            <a:rect l="l" t="t" r="r" b="b"/>
             <a:pathLst>
-              <a:path h="5419322" w="6106279">
+              <a:path w="6106279" h="5419322">
                 <a:moveTo>
                   <a:pt x="0" y="0"/>
                 </a:moveTo>
@@ -5727,19 +5361,19 @@
               </a:extLst>
             </a:blip>
             <a:stretch>
-              <a:fillRect l="0" t="0" r="0" b="0"/>
+              <a:fillRect/>
             </a:stretch>
           </a:blipFill>
         </p:spPr>
       </p:sp>
       <p:sp>
         <p:nvSpPr>
-          <p:cNvPr name="Freeform 3" id="3"/>
+          <p:cNvPr id="3" name="Freeform 3"/>
           <p:cNvSpPr/>
           <p:nvPr/>
         </p:nvSpPr>
         <p:spPr>
-          <a:xfrm flipH="true" flipV="false" rot="0">
+          <a:xfrm flipH="1">
             <a:off x="14252115" y="5808903"/>
             <a:ext cx="4035885" cy="4478097"/>
           </a:xfrm>
@@ -5748,9 +5382,9 @@
             <a:gdLst/>
             <a:ahLst/>
             <a:cxnLst/>
-            <a:rect r="r" b="b" t="t" l="l"/>
+            <a:rect l="l" t="t" r="r" b="b"/>
             <a:pathLst>
-              <a:path h="4478097" w="4035885">
+              <a:path w="4035885" h="4478097">
                 <a:moveTo>
                   <a:pt x="4035885" y="0"/>
                 </a:moveTo>
@@ -5779,19 +5413,19 @@
               </a:extLst>
             </a:blip>
             <a:stretch>
-              <a:fillRect l="0" t="0" r="0" b="0"/>
+              <a:fillRect/>
             </a:stretch>
           </a:blipFill>
         </p:spPr>
       </p:sp>
       <p:grpSp>
         <p:nvGrpSpPr>
-          <p:cNvPr name="Group 4" id="4"/>
+          <p:cNvPr id="4" name="Group 4"/>
           <p:cNvGrpSpPr/>
           <p:nvPr/>
         </p:nvGrpSpPr>
         <p:grpSpPr>
-          <a:xfrm rot="0">
+          <a:xfrm>
             <a:off x="17259300" y="4726116"/>
             <a:ext cx="834767" cy="834767"/>
             <a:chOff x="0" y="0"/>
@@ -5800,12 +5434,12 @@
         </p:grpSpPr>
         <p:sp>
           <p:nvSpPr>
-            <p:cNvPr name="Freeform 5" id="5"/>
+            <p:cNvPr id="5" name="Freeform 5"/>
             <p:cNvSpPr/>
             <p:nvPr/>
           </p:nvSpPr>
           <p:spPr>
-            <a:xfrm flipH="false" flipV="false" rot="0">
+            <a:xfrm>
               <a:off x="0" y="0"/>
               <a:ext cx="812800" cy="812800"/>
             </a:xfrm>
@@ -5814,9 +5448,9 @@
               <a:gdLst/>
               <a:ahLst/>
               <a:cxnLst/>
-              <a:rect r="r" b="b" t="t" l="l"/>
+              <a:rect l="l" t="t" r="r" b="b"/>
               <a:pathLst>
-                <a:path h="812800" w="812800">
+                <a:path w="812800" h="812800">
                   <a:moveTo>
                     <a:pt x="406400" y="0"/>
                   </a:moveTo>
@@ -5851,8 +5485,8 @@
         </p:sp>
         <p:sp>
           <p:nvSpPr>
-            <p:cNvPr name="TextBox 6" id="6"/>
-            <p:cNvSpPr txBox="true"/>
+            <p:cNvPr id="6" name="TextBox 6"/>
+            <p:cNvSpPr txBox="1"/>
             <p:nvPr/>
           </p:nvSpPr>
           <p:spPr>
@@ -5865,7 +5499,7 @@
             </a:prstGeom>
           </p:spPr>
           <p:txBody>
-            <a:bodyPr anchor="ctr" rtlCol="false" tIns="50800" lIns="50800" bIns="50800" rIns="50800"/>
+            <a:bodyPr lIns="50800" tIns="50800" rIns="50800" bIns="50800" rtlCol="0" anchor="ctr"/>
             <a:lstStyle/>
             <a:p>
               <a:pPr algn="ctr">
@@ -5873,18 +5507,19 @@
                   <a:spcPts val="2999"/>
                 </a:lnSpc>
               </a:pPr>
+              <a:endParaRPr/>
             </a:p>
           </p:txBody>
         </p:sp>
       </p:grpSp>
       <p:sp>
         <p:nvSpPr>
-          <p:cNvPr name="TextBox 7" id="7"/>
-          <p:cNvSpPr txBox="true"/>
+          <p:cNvPr id="7" name="TextBox 7"/>
+          <p:cNvSpPr txBox="1"/>
           <p:nvPr/>
         </p:nvSpPr>
         <p:spPr>
-          <a:xfrm rot="0">
+          <a:xfrm>
             <a:off x="3252089" y="768092"/>
             <a:ext cx="14007211" cy="1095375"/>
           </a:xfrm>
@@ -5893,12 +5528,12 @@
           </a:prstGeom>
         </p:spPr>
         <p:txBody>
-          <a:bodyPr anchor="t" rtlCol="false" tIns="0" lIns="0" bIns="0" rIns="0">
+          <a:bodyPr lIns="0" tIns="0" rIns="0" bIns="0" rtlCol="0" anchor="t">
             <a:spAutoFit/>
           </a:bodyPr>
           <a:lstStyle/>
           <a:p>
-            <a:pPr algn="ctr" marL="0" indent="0" lvl="0">
+            <a:pPr marL="0" lvl="0" indent="0" algn="ctr">
               <a:lnSpc>
                 <a:spcPts val="8640"/>
               </a:lnSpc>
@@ -5920,12 +5555,12 @@
       </p:sp>
       <p:grpSp>
         <p:nvGrpSpPr>
-          <p:cNvPr name="Group 8" id="8"/>
+          <p:cNvPr id="8" name="Group 8"/>
           <p:cNvGrpSpPr/>
           <p:nvPr/>
         </p:nvGrpSpPr>
         <p:grpSpPr>
-          <a:xfrm rot="0">
+          <a:xfrm>
             <a:off x="1884102" y="1028700"/>
             <a:ext cx="834767" cy="834767"/>
             <a:chOff x="0" y="0"/>
@@ -5934,12 +5569,12 @@
         </p:grpSpPr>
         <p:sp>
           <p:nvSpPr>
-            <p:cNvPr name="Freeform 9" id="9"/>
+            <p:cNvPr id="9" name="Freeform 9"/>
             <p:cNvSpPr/>
             <p:nvPr/>
           </p:nvSpPr>
           <p:spPr>
-            <a:xfrm flipH="false" flipV="false" rot="0">
+            <a:xfrm>
               <a:off x="0" y="0"/>
               <a:ext cx="812800" cy="812800"/>
             </a:xfrm>
@@ -5948,9 +5583,9 @@
               <a:gdLst/>
               <a:ahLst/>
               <a:cxnLst/>
-              <a:rect r="r" b="b" t="t" l="l"/>
+              <a:rect l="l" t="t" r="r" b="b"/>
               <a:pathLst>
-                <a:path h="812800" w="812800">
+                <a:path w="812800" h="812800">
                   <a:moveTo>
                     <a:pt x="406400" y="0"/>
                   </a:moveTo>
@@ -5985,8 +5620,8 @@
         </p:sp>
         <p:sp>
           <p:nvSpPr>
-            <p:cNvPr name="TextBox 10" id="10"/>
-            <p:cNvSpPr txBox="true"/>
+            <p:cNvPr id="10" name="TextBox 10"/>
+            <p:cNvSpPr txBox="1"/>
             <p:nvPr/>
           </p:nvSpPr>
           <p:spPr>
@@ -5999,7 +5634,7 @@
             </a:prstGeom>
           </p:spPr>
           <p:txBody>
-            <a:bodyPr anchor="ctr" rtlCol="false" tIns="50800" lIns="50800" bIns="50800" rIns="50800"/>
+            <a:bodyPr lIns="50800" tIns="50800" rIns="50800" bIns="50800" rtlCol="0" anchor="ctr"/>
             <a:lstStyle/>
             <a:p>
               <a:pPr algn="ctr">
@@ -6007,18 +5642,19 @@
                   <a:spcPts val="2999"/>
                 </a:lnSpc>
               </a:pPr>
+              <a:endParaRPr/>
             </a:p>
           </p:txBody>
         </p:sp>
       </p:grpSp>
       <p:sp>
         <p:nvSpPr>
-          <p:cNvPr name="TextBox 11" id="11"/>
-          <p:cNvSpPr txBox="true"/>
+          <p:cNvPr id="11" name="TextBox 11"/>
+          <p:cNvSpPr txBox="1"/>
           <p:nvPr/>
         </p:nvSpPr>
         <p:spPr>
-          <a:xfrm rot="0">
+          <a:xfrm>
             <a:off x="1884102" y="2754589"/>
             <a:ext cx="14688315" cy="2517590"/>
           </a:xfrm>
@@ -6027,12 +5663,12 @@
           </a:prstGeom>
         </p:spPr>
         <p:txBody>
-          <a:bodyPr anchor="t" rtlCol="false" tIns="0" lIns="0" bIns="0" rIns="0">
+          <a:bodyPr lIns="0" tIns="0" rIns="0" bIns="0" rtlCol="0" anchor="t">
             <a:spAutoFit/>
           </a:bodyPr>
           <a:lstStyle/>
           <a:p>
-            <a:pPr algn="l" marL="622289" indent="-311145" lvl="1">
+            <a:pPr marL="622289" lvl="1" indent="-311145" algn="l">
               <a:lnSpc>
                 <a:spcPts val="4035"/>
               </a:lnSpc>
@@ -6068,12 +5704,12 @@
       </p:sp>
       <p:sp>
         <p:nvSpPr>
-          <p:cNvPr name="TextBox 12" id="12"/>
-          <p:cNvSpPr txBox="true"/>
+          <p:cNvPr id="12" name="TextBox 12"/>
+          <p:cNvSpPr txBox="1"/>
           <p:nvPr/>
         </p:nvSpPr>
         <p:spPr>
-          <a:xfrm rot="0">
+          <a:xfrm>
             <a:off x="1884102" y="6167529"/>
             <a:ext cx="14688315" cy="2517590"/>
           </a:xfrm>
@@ -6082,12 +5718,12 @@
           </a:prstGeom>
         </p:spPr>
         <p:txBody>
-          <a:bodyPr anchor="t" rtlCol="false" tIns="0" lIns="0" bIns="0" rIns="0">
+          <a:bodyPr lIns="0" tIns="0" rIns="0" bIns="0" rtlCol="0" anchor="t">
             <a:spAutoFit/>
           </a:bodyPr>
           <a:lstStyle/>
           <a:p>
-            <a:pPr algn="l" marL="622289" indent="-311145" lvl="1">
+            <a:pPr marL="622289" lvl="1" indent="-311145" algn="l">
               <a:lnSpc>
                 <a:spcPts val="4035"/>
               </a:lnSpc>
@@ -6127,13 +5763,13 @@
     <a:masterClrMapping/>
   </p:clrMapOvr>
   <p:transition spd="slow">
-    <p:push dir="l"/>
+    <p:push/>
   </p:transition>
 </p:sld>
 </file>
 
-<file path=ppt/slides/slide16.xml><?xml version="1.0" encoding="utf-8"?>
-<p:sld xmlns:p="http://schemas.openxmlformats.org/presentationml/2006/main" xmlns:a="http://schemas.openxmlformats.org/drawingml/2006/main">
+<file path=ppt/slides/slide15.xml><?xml version="1.0" encoding="utf-8"?>
+<p:sld xmlns:a="http://schemas.openxmlformats.org/drawingml/2006/main" xmlns:r="http://schemas.openxmlformats.org/officeDocument/2006/relationships" xmlns:p="http://schemas.openxmlformats.org/presentationml/2006/main">
   <p:cSld>
     <p:spTree>
       <p:nvGrpSpPr>
@@ -6151,12 +5787,12 @@
       </p:grpSpPr>
       <p:grpSp>
         <p:nvGrpSpPr>
-          <p:cNvPr name="Group 2" id="2"/>
+          <p:cNvPr id="2" name="Group 2"/>
           <p:cNvGrpSpPr/>
           <p:nvPr/>
         </p:nvGrpSpPr>
         <p:grpSpPr>
-          <a:xfrm rot="0">
+          <a:xfrm>
             <a:off x="-527630" y="8200102"/>
             <a:ext cx="4281235" cy="2578158"/>
             <a:chOff x="0" y="0"/>
@@ -6165,12 +5801,12 @@
         </p:grpSpPr>
         <p:sp>
           <p:nvSpPr>
-            <p:cNvPr name="Freeform 3" id="3"/>
+            <p:cNvPr id="3" name="Freeform 3"/>
             <p:cNvSpPr/>
             <p:nvPr/>
           </p:nvSpPr>
           <p:spPr>
-            <a:xfrm flipH="false" flipV="false" rot="0">
+            <a:xfrm>
               <a:off x="0" y="0"/>
               <a:ext cx="1127568" cy="679021"/>
             </a:xfrm>
@@ -6179,9 +5815,9 @@
               <a:gdLst/>
               <a:ahLst/>
               <a:cxnLst/>
-              <a:rect r="r" b="b" t="t" l="l"/>
+              <a:rect l="l" t="t" r="r" b="b"/>
               <a:pathLst>
-                <a:path h="679021" w="1127568">
+                <a:path w="1127568" h="679021">
                   <a:moveTo>
                     <a:pt x="0" y="0"/>
                   </a:moveTo>
@@ -6205,8 +5841,8 @@
         </p:sp>
         <p:sp>
           <p:nvSpPr>
-            <p:cNvPr name="TextBox 4" id="4"/>
-            <p:cNvSpPr txBox="true"/>
+            <p:cNvPr id="4" name="TextBox 4"/>
+            <p:cNvSpPr txBox="1"/>
             <p:nvPr/>
           </p:nvSpPr>
           <p:spPr>
@@ -6219,7 +5855,7 @@
             </a:prstGeom>
           </p:spPr>
           <p:txBody>
-            <a:bodyPr anchor="ctr" rtlCol="false" tIns="50800" lIns="50800" bIns="50800" rIns="50800"/>
+            <a:bodyPr lIns="50800" tIns="50800" rIns="50800" bIns="50800" rtlCol="0" anchor="ctr"/>
             <a:lstStyle/>
             <a:p>
               <a:pPr algn="ctr">
@@ -6227,18 +5863,19 @@
                   <a:spcPts val="2100"/>
                 </a:lnSpc>
               </a:pPr>
+              <a:endParaRPr/>
             </a:p>
           </p:txBody>
         </p:sp>
       </p:grpSp>
       <p:grpSp>
         <p:nvGrpSpPr>
-          <p:cNvPr name="Group 5" id="5"/>
+          <p:cNvPr id="5" name="Group 5"/>
           <p:cNvGrpSpPr/>
           <p:nvPr/>
         </p:nvGrpSpPr>
         <p:grpSpPr>
-          <a:xfrm rot="0">
+          <a:xfrm>
             <a:off x="14468527" y="-783743"/>
             <a:ext cx="4281235" cy="3039920"/>
             <a:chOff x="0" y="0"/>
@@ -6247,12 +5884,12 @@
         </p:grpSpPr>
         <p:sp>
           <p:nvSpPr>
-            <p:cNvPr name="Freeform 6" id="6"/>
+            <p:cNvPr id="6" name="Freeform 6"/>
             <p:cNvSpPr/>
             <p:nvPr/>
           </p:nvSpPr>
           <p:spPr>
-            <a:xfrm flipH="false" flipV="false" rot="0">
+            <a:xfrm>
               <a:off x="0" y="0"/>
               <a:ext cx="1127568" cy="800637"/>
             </a:xfrm>
@@ -6261,9 +5898,9 @@
               <a:gdLst/>
               <a:ahLst/>
               <a:cxnLst/>
-              <a:rect r="r" b="b" t="t" l="l"/>
+              <a:rect l="l" t="t" r="r" b="b"/>
               <a:pathLst>
-                <a:path h="800637" w="1127568">
+                <a:path w="1127568" h="800637">
                   <a:moveTo>
                     <a:pt x="0" y="0"/>
                   </a:moveTo>
@@ -6287,8 +5924,8 @@
         </p:sp>
         <p:sp>
           <p:nvSpPr>
-            <p:cNvPr name="TextBox 7" id="7"/>
-            <p:cNvSpPr txBox="true"/>
+            <p:cNvPr id="7" name="TextBox 7"/>
+            <p:cNvSpPr txBox="1"/>
             <p:nvPr/>
           </p:nvSpPr>
           <p:spPr>
@@ -6301,7 +5938,7 @@
             </a:prstGeom>
           </p:spPr>
           <p:txBody>
-            <a:bodyPr anchor="ctr" rtlCol="false" tIns="50800" lIns="50800" bIns="50800" rIns="50800"/>
+            <a:bodyPr lIns="50800" tIns="50800" rIns="50800" bIns="50800" rtlCol="0" anchor="ctr"/>
             <a:lstStyle/>
             <a:p>
               <a:pPr algn="ctr">
@@ -6309,18 +5946,19 @@
                   <a:spcPts val="2100"/>
                 </a:lnSpc>
               </a:pPr>
+              <a:endParaRPr/>
             </a:p>
           </p:txBody>
         </p:sp>
       </p:grpSp>
       <p:grpSp>
         <p:nvGrpSpPr>
-          <p:cNvPr name="Group 8" id="8"/>
+          <p:cNvPr id="8" name="Group 8"/>
           <p:cNvGrpSpPr/>
           <p:nvPr/>
         </p:nvGrpSpPr>
         <p:grpSpPr>
-          <a:xfrm rot="0">
+          <a:xfrm>
             <a:off x="-1759888" y="-401166"/>
             <a:ext cx="4089278" cy="2657343"/>
             <a:chOff x="0" y="0"/>
@@ -6329,12 +5967,12 @@
         </p:grpSpPr>
         <p:sp>
           <p:nvSpPr>
-            <p:cNvPr name="AutoShape 9" id="9"/>
+            <p:cNvPr id="9" name="AutoShape 9"/>
             <p:cNvSpPr/>
             <p:nvPr/>
           </p:nvSpPr>
           <p:spPr>
-            <a:xfrm rot="0">
+            <a:xfrm>
               <a:off x="0" y="0"/>
               <a:ext cx="512927" cy="3543124"/>
             </a:xfrm>
@@ -6348,12 +5986,12 @@
         </p:sp>
         <p:sp>
           <p:nvSpPr>
-            <p:cNvPr name="AutoShape 10" id="10"/>
+            <p:cNvPr id="10" name="AutoShape 10"/>
             <p:cNvSpPr/>
             <p:nvPr/>
           </p:nvSpPr>
           <p:spPr>
-            <a:xfrm rot="0">
+            <a:xfrm>
               <a:off x="1646481" y="0"/>
               <a:ext cx="512927" cy="3543124"/>
             </a:xfrm>
@@ -6367,12 +6005,12 @@
         </p:sp>
         <p:sp>
           <p:nvSpPr>
-            <p:cNvPr name="AutoShape 11" id="11"/>
+            <p:cNvPr id="11" name="AutoShape 11"/>
             <p:cNvSpPr/>
             <p:nvPr/>
           </p:nvSpPr>
           <p:spPr>
-            <a:xfrm rot="0">
+            <a:xfrm>
               <a:off x="3292962" y="0"/>
               <a:ext cx="512927" cy="3543124"/>
             </a:xfrm>
@@ -6386,12 +6024,12 @@
         </p:sp>
         <p:sp>
           <p:nvSpPr>
-            <p:cNvPr name="AutoShape 12" id="12"/>
+            <p:cNvPr id="12" name="AutoShape 12"/>
             <p:cNvSpPr/>
             <p:nvPr/>
           </p:nvSpPr>
           <p:spPr>
-            <a:xfrm rot="0">
+            <a:xfrm>
               <a:off x="4939443" y="0"/>
               <a:ext cx="512927" cy="3543124"/>
             </a:xfrm>
@@ -6406,12 +6044,12 @@
       </p:grpSp>
       <p:grpSp>
         <p:nvGrpSpPr>
-          <p:cNvPr name="Group 13" id="13"/>
+          <p:cNvPr id="13" name="Group 13"/>
           <p:cNvGrpSpPr/>
           <p:nvPr/>
         </p:nvGrpSpPr>
         <p:grpSpPr>
-          <a:xfrm rot="0">
+          <a:xfrm>
             <a:off x="15214661" y="7929629"/>
             <a:ext cx="4089278" cy="2657343"/>
             <a:chOff x="0" y="0"/>
@@ -6420,12 +6058,12 @@
         </p:grpSpPr>
         <p:sp>
           <p:nvSpPr>
-            <p:cNvPr name="AutoShape 14" id="14"/>
+            <p:cNvPr id="14" name="AutoShape 14"/>
             <p:cNvSpPr/>
             <p:nvPr/>
           </p:nvSpPr>
           <p:spPr>
-            <a:xfrm rot="0">
+            <a:xfrm>
               <a:off x="0" y="0"/>
               <a:ext cx="512927" cy="3543124"/>
             </a:xfrm>
@@ -6439,12 +6077,12 @@
         </p:sp>
         <p:sp>
           <p:nvSpPr>
-            <p:cNvPr name="AutoShape 15" id="15"/>
+            <p:cNvPr id="15" name="AutoShape 15"/>
             <p:cNvSpPr/>
             <p:nvPr/>
           </p:nvSpPr>
           <p:spPr>
-            <a:xfrm rot="0">
+            <a:xfrm>
               <a:off x="1646481" y="0"/>
               <a:ext cx="512927" cy="3543124"/>
             </a:xfrm>
@@ -6458,12 +6096,12 @@
         </p:sp>
         <p:sp>
           <p:nvSpPr>
-            <p:cNvPr name="AutoShape 16" id="16"/>
+            <p:cNvPr id="16" name="AutoShape 16"/>
             <p:cNvSpPr/>
             <p:nvPr/>
           </p:nvSpPr>
           <p:spPr>
-            <a:xfrm rot="0">
+            <a:xfrm>
               <a:off x="3292962" y="0"/>
               <a:ext cx="512927" cy="3543124"/>
             </a:xfrm>
@@ -6477,12 +6115,12 @@
         </p:sp>
         <p:sp>
           <p:nvSpPr>
-            <p:cNvPr name="AutoShape 17" id="17"/>
+            <p:cNvPr id="17" name="AutoShape 17"/>
             <p:cNvSpPr/>
             <p:nvPr/>
           </p:nvSpPr>
           <p:spPr>
-            <a:xfrm rot="0">
+            <a:xfrm>
               <a:off x="4939443" y="0"/>
               <a:ext cx="512927" cy="3543124"/>
             </a:xfrm>
@@ -6497,12 +6135,12 @@
       </p:grpSp>
       <p:sp>
         <p:nvSpPr>
-          <p:cNvPr name="TextBox 18" id="18"/>
-          <p:cNvSpPr txBox="true"/>
+          <p:cNvPr id="18" name="TextBox 18"/>
+          <p:cNvSpPr txBox="1"/>
           <p:nvPr/>
         </p:nvSpPr>
         <p:spPr>
-          <a:xfrm rot="0">
+          <a:xfrm>
             <a:off x="2748864" y="1003705"/>
             <a:ext cx="12790272" cy="1108709"/>
           </a:xfrm>
@@ -6511,12 +6149,12 @@
           </a:prstGeom>
         </p:spPr>
         <p:txBody>
-          <a:bodyPr anchor="t" rtlCol="false" tIns="0" lIns="0" bIns="0" rIns="0">
+          <a:bodyPr lIns="0" tIns="0" rIns="0" bIns="0" rtlCol="0" anchor="t">
             <a:spAutoFit/>
           </a:bodyPr>
           <a:lstStyle/>
           <a:p>
-            <a:pPr algn="ctr" marL="0" indent="0" lvl="0">
+            <a:pPr marL="0" lvl="0" indent="0" algn="ctr">
               <a:lnSpc>
                 <a:spcPts val="8579"/>
               </a:lnSpc>
@@ -6541,12 +6179,12 @@
       </p:sp>
       <p:sp>
         <p:nvSpPr>
-          <p:cNvPr name="TextBox 19" id="19"/>
-          <p:cNvSpPr txBox="true"/>
+          <p:cNvPr id="19" name="TextBox 19"/>
+          <p:cNvSpPr txBox="1"/>
           <p:nvPr/>
         </p:nvSpPr>
         <p:spPr>
-          <a:xfrm rot="0">
+          <a:xfrm>
             <a:off x="2146163" y="3109930"/>
             <a:ext cx="13995673" cy="4631505"/>
           </a:xfrm>
@@ -6555,7 +6193,7 @@
           </a:prstGeom>
         </p:spPr>
         <p:txBody>
-          <a:bodyPr anchor="t" rtlCol="false" tIns="0" lIns="0" bIns="0" rIns="0">
+          <a:bodyPr lIns="0" tIns="0" rIns="0" bIns="0" rtlCol="0" anchor="t">
             <a:spAutoFit/>
           </a:bodyPr>
           <a:lstStyle/>
@@ -6589,19 +6227,20 @@
     <a:masterClrMapping/>
   </p:clrMapOvr>
   <p:transition spd="slow">
-    <p:push dir="l"/>
+    <p:push/>
   </p:transition>
 </p:sld>
 </file>
 
-<file path=ppt/slides/slide17.xml><?xml version="1.0" encoding="utf-8"?>
-<p:sld xmlns:p="http://schemas.openxmlformats.org/presentationml/2006/main" xmlns:a="http://schemas.openxmlformats.org/drawingml/2006/main" xmlns:r="http://schemas.openxmlformats.org/officeDocument/2006/relationships">
+<file path=ppt/slides/slide16.xml><?xml version="1.0" encoding="utf-8"?>
+<p:sld xmlns:a="http://schemas.openxmlformats.org/drawingml/2006/main" xmlns:r="http://schemas.openxmlformats.org/officeDocument/2006/relationships" xmlns:p="http://schemas.openxmlformats.org/presentationml/2006/main">
   <p:cSld>
     <p:bg>
       <p:bgPr>
         <a:solidFill>
           <a:srgbClr val="F4F4F4"/>
         </a:solidFill>
+        <a:effectLst/>
       </p:bgPr>
     </p:bg>
     <p:spTree>
@@ -6620,12 +6259,12 @@
       </p:grpSpPr>
       <p:sp>
         <p:nvSpPr>
-          <p:cNvPr name="Freeform 2" id="2"/>
+          <p:cNvPr id="2" name="Freeform 2"/>
           <p:cNvSpPr/>
           <p:nvPr/>
         </p:nvSpPr>
         <p:spPr>
-          <a:xfrm flipH="false" flipV="false" rot="0">
+          <a:xfrm>
             <a:off x="-548107" y="-1350153"/>
             <a:ext cx="6374034" cy="5099227"/>
           </a:xfrm>
@@ -6634,9 +6273,9 @@
             <a:gdLst/>
             <a:ahLst/>
             <a:cxnLst/>
-            <a:rect r="r" b="b" t="t" l="l"/>
+            <a:rect l="l" t="t" r="r" b="b"/>
             <a:pathLst>
-              <a:path h="5099227" w="6374034">
+              <a:path w="6374034" h="5099227">
                 <a:moveTo>
                   <a:pt x="0" y="0"/>
                 </a:moveTo>
@@ -6665,19 +6304,19 @@
               </a:extLst>
             </a:blip>
             <a:stretch>
-              <a:fillRect l="0" t="0" r="0" b="0"/>
+              <a:fillRect/>
             </a:stretch>
           </a:blipFill>
         </p:spPr>
       </p:sp>
       <p:sp>
         <p:nvSpPr>
-          <p:cNvPr name="Freeform 3" id="3"/>
+          <p:cNvPr id="3" name="Freeform 3"/>
           <p:cNvSpPr/>
           <p:nvPr/>
         </p:nvSpPr>
         <p:spPr>
-          <a:xfrm flipH="false" flipV="false" rot="0">
+          <a:xfrm>
             <a:off x="13897317" y="5641121"/>
             <a:ext cx="4649904" cy="5261561"/>
           </a:xfrm>
@@ -6686,9 +6325,9 @@
             <a:gdLst/>
             <a:ahLst/>
             <a:cxnLst/>
-            <a:rect r="r" b="b" t="t" l="l"/>
+            <a:rect l="l" t="t" r="r" b="b"/>
             <a:pathLst>
-              <a:path h="5261561" w="4649904">
+              <a:path w="4649904" h="5261561">
                 <a:moveTo>
                   <a:pt x="0" y="0"/>
                 </a:moveTo>
@@ -6717,19 +6356,19 @@
               </a:extLst>
             </a:blip>
             <a:stretch>
-              <a:fillRect l="0" t="0" r="0" b="0"/>
+              <a:fillRect/>
             </a:stretch>
           </a:blipFill>
         </p:spPr>
       </p:sp>
       <p:sp>
         <p:nvSpPr>
-          <p:cNvPr name="TextBox 4" id="4"/>
-          <p:cNvSpPr txBox="true"/>
+          <p:cNvPr id="4" name="TextBox 4"/>
+          <p:cNvSpPr txBox="1"/>
           <p:nvPr/>
         </p:nvSpPr>
         <p:spPr>
-          <a:xfrm rot="0">
+          <a:xfrm>
             <a:off x="2363908" y="1104900"/>
             <a:ext cx="14124250" cy="1108709"/>
           </a:xfrm>
@@ -6738,12 +6377,12 @@
           </a:prstGeom>
         </p:spPr>
         <p:txBody>
-          <a:bodyPr anchor="t" rtlCol="false" tIns="0" lIns="0" bIns="0" rIns="0">
+          <a:bodyPr lIns="0" tIns="0" rIns="0" bIns="0" rtlCol="0" anchor="t">
             <a:spAutoFit/>
           </a:bodyPr>
           <a:lstStyle/>
           <a:p>
-            <a:pPr algn="ctr" marL="0" indent="0" lvl="0">
+            <a:pPr marL="0" lvl="0" indent="0" algn="ctr">
               <a:lnSpc>
                 <a:spcPts val="8579"/>
               </a:lnSpc>
@@ -6768,12 +6407,12 @@
       </p:sp>
       <p:sp>
         <p:nvSpPr>
-          <p:cNvPr name="TextBox 5" id="5"/>
-          <p:cNvSpPr txBox="true"/>
+          <p:cNvPr id="5" name="TextBox 5"/>
+          <p:cNvSpPr txBox="1"/>
           <p:nvPr/>
         </p:nvSpPr>
         <p:spPr>
-          <a:xfrm rot="0">
+          <a:xfrm>
             <a:off x="1799842" y="3186162"/>
             <a:ext cx="14688315" cy="5793555"/>
           </a:xfrm>
@@ -6782,7 +6421,7 @@
           </a:prstGeom>
         </p:spPr>
         <p:txBody>
-          <a:bodyPr anchor="t" rtlCol="false" tIns="0" lIns="0" bIns="0" rIns="0">
+          <a:bodyPr lIns="0" tIns="0" rIns="0" bIns="0" rtlCol="0" anchor="t">
             <a:spAutoFit/>
           </a:bodyPr>
           <a:lstStyle/>
@@ -6907,19 +6546,20 @@
     <a:masterClrMapping/>
   </p:clrMapOvr>
   <p:transition spd="slow">
-    <p:push dir="l"/>
+    <p:push/>
   </p:transition>
 </p:sld>
 </file>
 
-<file path=ppt/slides/slide18.xml><?xml version="1.0" encoding="utf-8"?>
-<p:sld xmlns:p="http://schemas.openxmlformats.org/presentationml/2006/main" xmlns:a="http://schemas.openxmlformats.org/drawingml/2006/main" xmlns:r="http://schemas.openxmlformats.org/officeDocument/2006/relationships">
+<file path=ppt/slides/slide17.xml><?xml version="1.0" encoding="utf-8"?>
+<p:sld xmlns:a="http://schemas.openxmlformats.org/drawingml/2006/main" xmlns:r="http://schemas.openxmlformats.org/officeDocument/2006/relationships" xmlns:p="http://schemas.openxmlformats.org/presentationml/2006/main">
   <p:cSld>
     <p:bg>
       <p:bgPr>
         <a:solidFill>
           <a:srgbClr val="F4F4F4"/>
         </a:solidFill>
+        <a:effectLst/>
       </p:bgPr>
     </p:bg>
     <p:spTree>
@@ -6938,12 +6578,12 @@
       </p:grpSpPr>
       <p:sp>
         <p:nvSpPr>
-          <p:cNvPr name="Freeform 2" id="2"/>
+          <p:cNvPr id="2" name="Freeform 2"/>
           <p:cNvSpPr/>
           <p:nvPr/>
         </p:nvSpPr>
         <p:spPr>
-          <a:xfrm flipH="false" flipV="true" rot="0">
+          <a:xfrm flipV="1">
             <a:off x="0" y="0"/>
             <a:ext cx="4281264" cy="4750362"/>
           </a:xfrm>
@@ -6952,9 +6592,9 @@
             <a:gdLst/>
             <a:ahLst/>
             <a:cxnLst/>
-            <a:rect r="r" b="b" t="t" l="l"/>
+            <a:rect l="l" t="t" r="r" b="b"/>
             <a:pathLst>
-              <a:path h="4750362" w="4281264">
+              <a:path w="4281264" h="4750362">
                 <a:moveTo>
                   <a:pt x="0" y="4750362"/>
                 </a:moveTo>
@@ -6983,19 +6623,19 @@
               </a:extLst>
             </a:blip>
             <a:stretch>
-              <a:fillRect l="0" t="0" r="0" b="0"/>
+              <a:fillRect/>
             </a:stretch>
           </a:blipFill>
         </p:spPr>
       </p:sp>
       <p:sp>
         <p:nvSpPr>
-          <p:cNvPr name="TextBox 3" id="3"/>
-          <p:cNvSpPr txBox="true"/>
+          <p:cNvPr id="3" name="TextBox 3"/>
+          <p:cNvSpPr txBox="1"/>
           <p:nvPr/>
         </p:nvSpPr>
         <p:spPr>
-          <a:xfrm rot="0">
+          <a:xfrm>
             <a:off x="2650677" y="594886"/>
             <a:ext cx="13262143" cy="2190750"/>
           </a:xfrm>
@@ -7004,12 +6644,12 @@
           </a:prstGeom>
         </p:spPr>
         <p:txBody>
-          <a:bodyPr anchor="t" rtlCol="false" tIns="0" lIns="0" bIns="0" rIns="0">
+          <a:bodyPr lIns="0" tIns="0" rIns="0" bIns="0" rtlCol="0" anchor="t">
             <a:spAutoFit/>
           </a:bodyPr>
           <a:lstStyle/>
           <a:p>
-            <a:pPr algn="ctr" marL="0" indent="0" lvl="0">
+            <a:pPr marL="0" lvl="0" indent="0" algn="ctr">
               <a:lnSpc>
                 <a:spcPts val="8640"/>
               </a:lnSpc>
@@ -7031,12 +6671,12 @@
       </p:sp>
       <p:sp>
         <p:nvSpPr>
-          <p:cNvPr name="TextBox 4" id="4"/>
-          <p:cNvSpPr txBox="true"/>
+          <p:cNvPr id="4" name="TextBox 4"/>
+          <p:cNvSpPr txBox="1"/>
           <p:nvPr/>
         </p:nvSpPr>
         <p:spPr>
-          <a:xfrm rot="0">
+          <a:xfrm>
             <a:off x="1799842" y="3974610"/>
             <a:ext cx="14688315" cy="3245935"/>
           </a:xfrm>
@@ -7045,7 +6685,7 @@
           </a:prstGeom>
         </p:spPr>
         <p:txBody>
-          <a:bodyPr anchor="t" rtlCol="false" tIns="0" lIns="0" bIns="0" rIns="0">
+          <a:bodyPr lIns="0" tIns="0" rIns="0" bIns="0" rtlCol="0" anchor="t">
             <a:spAutoFit/>
           </a:bodyPr>
           <a:lstStyle/>
@@ -7099,12 +6739,12 @@
       </p:sp>
       <p:sp>
         <p:nvSpPr>
-          <p:cNvPr name="Freeform 5" id="5"/>
+          <p:cNvPr id="5" name="Freeform 5"/>
           <p:cNvSpPr/>
           <p:nvPr/>
         </p:nvSpPr>
         <p:spPr>
-          <a:xfrm flipH="false" flipV="false" rot="-5400000">
+          <a:xfrm rot="-5400000">
             <a:off x="13772187" y="5771187"/>
             <a:ext cx="4281264" cy="4750362"/>
           </a:xfrm>
@@ -7113,9 +6753,9 @@
             <a:gdLst/>
             <a:ahLst/>
             <a:cxnLst/>
-            <a:rect r="r" b="b" t="t" l="l"/>
+            <a:rect l="l" t="t" r="r" b="b"/>
             <a:pathLst>
-              <a:path h="4750362" w="4281264">
+              <a:path w="4281264" h="4750362">
                 <a:moveTo>
                   <a:pt x="0" y="0"/>
                 </a:moveTo>
@@ -7144,7 +6784,7 @@
               </a:extLst>
             </a:blip>
             <a:stretch>
-              <a:fillRect l="0" t="0" r="0" b="0"/>
+              <a:fillRect/>
             </a:stretch>
           </a:blipFill>
         </p:spPr>
@@ -7155,19 +6795,20 @@
     <a:masterClrMapping/>
   </p:clrMapOvr>
   <p:transition spd="slow">
-    <p:push dir="l"/>
+    <p:push/>
   </p:transition>
 </p:sld>
 </file>
 
-<file path=ppt/slides/slide19.xml><?xml version="1.0" encoding="utf-8"?>
-<p:sld xmlns:p="http://schemas.openxmlformats.org/presentationml/2006/main" xmlns:a="http://schemas.openxmlformats.org/drawingml/2006/main" xmlns:r="http://schemas.openxmlformats.org/officeDocument/2006/relationships">
+<file path=ppt/slides/slide18.xml><?xml version="1.0" encoding="utf-8"?>
+<p:sld xmlns:a="http://schemas.openxmlformats.org/drawingml/2006/main" xmlns:r="http://schemas.openxmlformats.org/officeDocument/2006/relationships" xmlns:p="http://schemas.openxmlformats.org/presentationml/2006/main">
   <p:cSld>
     <p:bg>
       <p:bgPr>
         <a:solidFill>
           <a:srgbClr val="F4F4F4"/>
         </a:solidFill>
+        <a:effectLst/>
       </p:bgPr>
     </p:bg>
     <p:spTree>
@@ -7186,12 +6827,12 @@
       </p:grpSpPr>
       <p:sp>
         <p:nvSpPr>
-          <p:cNvPr name="Freeform 2" id="2"/>
+          <p:cNvPr id="2" name="Freeform 2"/>
           <p:cNvSpPr/>
           <p:nvPr/>
         </p:nvSpPr>
         <p:spPr>
-          <a:xfrm flipH="true" flipV="true" rot="0">
+          <a:xfrm flipH="1" flipV="1">
             <a:off x="11495747" y="0"/>
             <a:ext cx="6807556" cy="7549970"/>
           </a:xfrm>
@@ -7200,9 +6841,9 @@
             <a:gdLst/>
             <a:ahLst/>
             <a:cxnLst/>
-            <a:rect r="r" b="b" t="t" l="l"/>
+            <a:rect l="l" t="t" r="r" b="b"/>
             <a:pathLst>
-              <a:path h="7549970" w="6807556">
+              <a:path w="6807556" h="7549970">
                 <a:moveTo>
                   <a:pt x="6807556" y="7549970"/>
                 </a:moveTo>
@@ -7231,19 +6872,19 @@
               </a:extLst>
             </a:blip>
             <a:stretch>
-              <a:fillRect l="0" t="0" r="0" b="0"/>
+              <a:fillRect/>
             </a:stretch>
           </a:blipFill>
         </p:spPr>
       </p:sp>
       <p:sp>
         <p:nvSpPr>
-          <p:cNvPr name="TextBox 3" id="3"/>
-          <p:cNvSpPr txBox="true"/>
+          <p:cNvPr id="3" name="TextBox 3"/>
+          <p:cNvSpPr txBox="1"/>
           <p:nvPr/>
         </p:nvSpPr>
         <p:spPr>
-          <a:xfrm rot="0">
+          <a:xfrm>
             <a:off x="2761593" y="2933798"/>
             <a:ext cx="12764813" cy="4190804"/>
           </a:xfrm>
@@ -7252,12 +6893,12 @@
           </a:prstGeom>
         </p:spPr>
         <p:txBody>
-          <a:bodyPr anchor="t" rtlCol="false" tIns="0" lIns="0" bIns="0" rIns="0">
+          <a:bodyPr lIns="0" tIns="0" rIns="0" bIns="0" rtlCol="0" anchor="t">
             <a:spAutoFit/>
           </a:bodyPr>
           <a:lstStyle/>
           <a:p>
-            <a:pPr algn="ctr" marL="0" indent="0" lvl="0">
+            <a:pPr marL="0" lvl="0" indent="0" algn="ctr">
               <a:lnSpc>
                 <a:spcPts val="16810"/>
               </a:lnSpc>
@@ -7279,12 +6920,12 @@
       </p:sp>
       <p:sp>
         <p:nvSpPr>
-          <p:cNvPr name="Freeform 4" id="4"/>
+          <p:cNvPr id="4" name="Freeform 4"/>
           <p:cNvSpPr/>
           <p:nvPr/>
         </p:nvSpPr>
         <p:spPr>
-          <a:xfrm flipH="true" flipV="true" rot="0">
+          <a:xfrm flipH="1" flipV="1">
             <a:off x="-25064" y="0"/>
             <a:ext cx="3960244" cy="4481182"/>
           </a:xfrm>
@@ -7293,9 +6934,9 @@
             <a:gdLst/>
             <a:ahLst/>
             <a:cxnLst/>
-            <a:rect r="r" b="b" t="t" l="l"/>
+            <a:rect l="l" t="t" r="r" b="b"/>
             <a:pathLst>
-              <a:path h="4481182" w="3960244">
+              <a:path w="3960244" h="4481182">
                 <a:moveTo>
                   <a:pt x="3960244" y="4481182"/>
                 </a:moveTo>
@@ -7324,7 +6965,7 @@
               </a:extLst>
             </a:blip>
             <a:stretch>
-              <a:fillRect l="0" t="0" r="0" b="0"/>
+              <a:fillRect/>
             </a:stretch>
           </a:blipFill>
         </p:spPr>
@@ -7335,19 +6976,20 @@
     <a:masterClrMapping/>
   </p:clrMapOvr>
   <p:transition spd="slow">
-    <p:push dir="l"/>
+    <p:push/>
   </p:transition>
 </p:sld>
 </file>
 
 <file path=ppt/slides/slide2.xml><?xml version="1.0" encoding="utf-8"?>
-<p:sld xmlns:p="http://schemas.openxmlformats.org/presentationml/2006/main" xmlns:a="http://schemas.openxmlformats.org/drawingml/2006/main" xmlns:r="http://schemas.openxmlformats.org/officeDocument/2006/relationships">
+<p:sld xmlns:a="http://schemas.openxmlformats.org/drawingml/2006/main" xmlns:r="http://schemas.openxmlformats.org/officeDocument/2006/relationships" xmlns:p="http://schemas.openxmlformats.org/presentationml/2006/main">
   <p:cSld>
     <p:bg>
       <p:bgPr>
         <a:solidFill>
           <a:srgbClr val="F4F4F4"/>
         </a:solidFill>
+        <a:effectLst/>
       </p:bgPr>
     </p:bg>
     <p:spTree>
@@ -7366,12 +7008,12 @@
       </p:grpSpPr>
       <p:sp>
         <p:nvSpPr>
-          <p:cNvPr name="Freeform 2" id="2"/>
+          <p:cNvPr id="2" name="Freeform 2"/>
           <p:cNvSpPr/>
           <p:nvPr/>
         </p:nvSpPr>
         <p:spPr>
-          <a:xfrm flipH="false" flipV="false" rot="0">
+          <a:xfrm>
             <a:off x="-548107" y="-1350153"/>
             <a:ext cx="6374034" cy="5099227"/>
           </a:xfrm>
@@ -7380,9 +7022,9 @@
             <a:gdLst/>
             <a:ahLst/>
             <a:cxnLst/>
-            <a:rect r="r" b="b" t="t" l="l"/>
+            <a:rect l="l" t="t" r="r" b="b"/>
             <a:pathLst>
-              <a:path h="5099227" w="6374034">
+              <a:path w="6374034" h="5099227">
                 <a:moveTo>
                   <a:pt x="0" y="0"/>
                 </a:moveTo>
@@ -7411,19 +7053,19 @@
               </a:extLst>
             </a:blip>
             <a:stretch>
-              <a:fillRect l="0" t="0" r="0" b="0"/>
+              <a:fillRect/>
             </a:stretch>
           </a:blipFill>
         </p:spPr>
       </p:sp>
       <p:sp>
         <p:nvSpPr>
-          <p:cNvPr name="Freeform 3" id="3"/>
+          <p:cNvPr id="3" name="Freeform 3"/>
           <p:cNvSpPr/>
           <p:nvPr/>
         </p:nvSpPr>
         <p:spPr>
-          <a:xfrm flipH="false" flipV="false" rot="0">
+          <a:xfrm>
             <a:off x="13897317" y="5641121"/>
             <a:ext cx="4649904" cy="5261561"/>
           </a:xfrm>
@@ -7432,9 +7074,9 @@
             <a:gdLst/>
             <a:ahLst/>
             <a:cxnLst/>
-            <a:rect r="r" b="b" t="t" l="l"/>
+            <a:rect l="l" t="t" r="r" b="b"/>
             <a:pathLst>
-              <a:path h="5261561" w="4649904">
+              <a:path w="4649904" h="5261561">
                 <a:moveTo>
                   <a:pt x="0" y="0"/>
                 </a:moveTo>
@@ -7463,19 +7105,19 @@
               </a:extLst>
             </a:blip>
             <a:stretch>
-              <a:fillRect l="0" t="0" r="0" b="0"/>
+              <a:fillRect/>
             </a:stretch>
           </a:blipFill>
         </p:spPr>
       </p:sp>
       <p:sp>
         <p:nvSpPr>
-          <p:cNvPr name="TextBox 4" id="4"/>
-          <p:cNvSpPr txBox="true"/>
+          <p:cNvPr id="4" name="TextBox 4"/>
+          <p:cNvSpPr txBox="1"/>
           <p:nvPr/>
         </p:nvSpPr>
         <p:spPr>
-          <a:xfrm rot="0">
+          <a:xfrm>
             <a:off x="2941265" y="1104900"/>
             <a:ext cx="12405471" cy="1108709"/>
           </a:xfrm>
@@ -7484,12 +7126,12 @@
           </a:prstGeom>
         </p:spPr>
         <p:txBody>
-          <a:bodyPr anchor="t" rtlCol="false" tIns="0" lIns="0" bIns="0" rIns="0">
+          <a:bodyPr lIns="0" tIns="0" rIns="0" bIns="0" rtlCol="0" anchor="t">
             <a:spAutoFit/>
           </a:bodyPr>
           <a:lstStyle/>
           <a:p>
-            <a:pPr algn="ctr" marL="0" indent="0" lvl="0">
+            <a:pPr marL="0" lvl="0" indent="0" algn="ctr">
               <a:lnSpc>
                 <a:spcPts val="8579"/>
               </a:lnSpc>
@@ -7514,12 +7156,12 @@
       </p:sp>
       <p:sp>
         <p:nvSpPr>
-          <p:cNvPr name="TextBox 5" id="5"/>
-          <p:cNvSpPr txBox="true"/>
+          <p:cNvPr id="5" name="TextBox 5"/>
+          <p:cNvSpPr txBox="1"/>
           <p:nvPr/>
         </p:nvSpPr>
         <p:spPr>
-          <a:xfrm rot="0">
+          <a:xfrm>
             <a:off x="1799842" y="3468350"/>
             <a:ext cx="14688315" cy="4631505"/>
           </a:xfrm>
@@ -7528,7 +7170,7 @@
           </a:prstGeom>
         </p:spPr>
         <p:txBody>
-          <a:bodyPr anchor="t" rtlCol="false" tIns="0" lIns="0" bIns="0" rIns="0">
+          <a:bodyPr lIns="0" tIns="0" rIns="0" bIns="0" rtlCol="0" anchor="t">
             <a:spAutoFit/>
           </a:bodyPr>
           <a:lstStyle/>
@@ -7598,13 +7240,13 @@
     <a:masterClrMapping/>
   </p:clrMapOvr>
   <p:transition spd="slow">
-    <p:push dir="l"/>
+    <p:push/>
   </p:transition>
 </p:sld>
 </file>
 
 <file path=ppt/slides/slide3.xml><?xml version="1.0" encoding="utf-8"?>
-<p:sld xmlns:p="http://schemas.openxmlformats.org/presentationml/2006/main" xmlns:a="http://schemas.openxmlformats.org/drawingml/2006/main">
+<p:sld xmlns:a="http://schemas.openxmlformats.org/drawingml/2006/main" xmlns:r="http://schemas.openxmlformats.org/officeDocument/2006/relationships" xmlns:p="http://schemas.openxmlformats.org/presentationml/2006/main">
   <p:cSld>
     <p:spTree>
       <p:nvGrpSpPr>
@@ -7622,12 +7264,12 @@
       </p:grpSpPr>
       <p:grpSp>
         <p:nvGrpSpPr>
-          <p:cNvPr name="Group 2" id="2"/>
+          <p:cNvPr id="2" name="Group 2"/>
           <p:cNvGrpSpPr/>
           <p:nvPr/>
         </p:nvGrpSpPr>
         <p:grpSpPr>
-          <a:xfrm rot="0">
+          <a:xfrm>
             <a:off x="-205227" y="-2360114"/>
             <a:ext cx="4281235" cy="5143500"/>
             <a:chOff x="0" y="0"/>
@@ -7636,12 +7278,12 @@
         </p:grpSpPr>
         <p:sp>
           <p:nvSpPr>
-            <p:cNvPr name="Freeform 3" id="3"/>
+            <p:cNvPr id="3" name="Freeform 3"/>
             <p:cNvSpPr/>
             <p:nvPr/>
           </p:nvSpPr>
           <p:spPr>
-            <a:xfrm flipH="false" flipV="false" rot="0">
+            <a:xfrm>
               <a:off x="0" y="0"/>
               <a:ext cx="1127568" cy="1354667"/>
             </a:xfrm>
@@ -7650,9 +7292,9 @@
               <a:gdLst/>
               <a:ahLst/>
               <a:cxnLst/>
-              <a:rect r="r" b="b" t="t" l="l"/>
+              <a:rect l="l" t="t" r="r" b="b"/>
               <a:pathLst>
-                <a:path h="1354667" w="1127568">
+                <a:path w="1127568" h="1354667">
                   <a:moveTo>
                     <a:pt x="0" y="0"/>
                   </a:moveTo>
@@ -7676,8 +7318,8 @@
         </p:sp>
         <p:sp>
           <p:nvSpPr>
-            <p:cNvPr name="TextBox 4" id="4"/>
-            <p:cNvSpPr txBox="true"/>
+            <p:cNvPr id="4" name="TextBox 4"/>
+            <p:cNvSpPr txBox="1"/>
             <p:nvPr/>
           </p:nvSpPr>
           <p:spPr>
@@ -7690,7 +7332,7 @@
             </a:prstGeom>
           </p:spPr>
           <p:txBody>
-            <a:bodyPr anchor="ctr" rtlCol="false" tIns="50800" lIns="50800" bIns="50800" rIns="50800"/>
+            <a:bodyPr lIns="50800" tIns="50800" rIns="50800" bIns="50800" rtlCol="0" anchor="ctr"/>
             <a:lstStyle/>
             <a:p>
               <a:pPr algn="ctr">
@@ -7698,18 +7340,19 @@
                   <a:spcPts val="2100"/>
                 </a:lnSpc>
               </a:pPr>
+              <a:endParaRPr/>
             </a:p>
           </p:txBody>
         </p:sp>
       </p:grpSp>
       <p:grpSp>
         <p:nvGrpSpPr>
-          <p:cNvPr name="Group 5" id="5"/>
+          <p:cNvPr id="5" name="Group 5"/>
           <p:cNvGrpSpPr/>
           <p:nvPr/>
         </p:nvGrpSpPr>
         <p:grpSpPr>
-          <a:xfrm rot="0">
+          <a:xfrm>
             <a:off x="14160686" y="7738340"/>
             <a:ext cx="4281235" cy="3039920"/>
             <a:chOff x="0" y="0"/>
@@ -7718,12 +7361,12 @@
         </p:grpSpPr>
         <p:sp>
           <p:nvSpPr>
-            <p:cNvPr name="Freeform 6" id="6"/>
+            <p:cNvPr id="6" name="Freeform 6"/>
             <p:cNvSpPr/>
             <p:nvPr/>
           </p:nvSpPr>
           <p:spPr>
-            <a:xfrm flipH="false" flipV="false" rot="0">
+            <a:xfrm>
               <a:off x="0" y="0"/>
               <a:ext cx="1127568" cy="800637"/>
             </a:xfrm>
@@ -7732,9 +7375,9 @@
               <a:gdLst/>
               <a:ahLst/>
               <a:cxnLst/>
-              <a:rect r="r" b="b" t="t" l="l"/>
+              <a:rect l="l" t="t" r="r" b="b"/>
               <a:pathLst>
-                <a:path h="800637" w="1127568">
+                <a:path w="1127568" h="800637">
                   <a:moveTo>
                     <a:pt x="0" y="0"/>
                   </a:moveTo>
@@ -7758,8 +7401,8 @@
         </p:sp>
         <p:sp>
           <p:nvSpPr>
-            <p:cNvPr name="TextBox 7" id="7"/>
-            <p:cNvSpPr txBox="true"/>
+            <p:cNvPr id="7" name="TextBox 7"/>
+            <p:cNvSpPr txBox="1"/>
             <p:nvPr/>
           </p:nvSpPr>
           <p:spPr>
@@ -7772,7 +7415,7 @@
             </a:prstGeom>
           </p:spPr>
           <p:txBody>
-            <a:bodyPr anchor="ctr" rtlCol="false" tIns="50800" lIns="50800" bIns="50800" rIns="50800"/>
+            <a:bodyPr lIns="50800" tIns="50800" rIns="50800" bIns="50800" rtlCol="0" anchor="ctr"/>
             <a:lstStyle/>
             <a:p>
               <a:pPr algn="ctr">
@@ -7780,18 +7423,19 @@
                   <a:spcPts val="2100"/>
                 </a:lnSpc>
               </a:pPr>
+              <a:endParaRPr/>
             </a:p>
           </p:txBody>
         </p:sp>
       </p:grpSp>
       <p:grpSp>
         <p:nvGrpSpPr>
-          <p:cNvPr name="Group 8" id="8"/>
+          <p:cNvPr id="8" name="Group 8"/>
           <p:cNvGrpSpPr/>
           <p:nvPr/>
         </p:nvGrpSpPr>
         <p:grpSpPr>
-          <a:xfrm rot="0">
+          <a:xfrm>
             <a:off x="-1015939" y="8120917"/>
             <a:ext cx="4089278" cy="2657343"/>
             <a:chOff x="0" y="0"/>
@@ -7800,12 +7444,12 @@
         </p:grpSpPr>
         <p:sp>
           <p:nvSpPr>
-            <p:cNvPr name="AutoShape 9" id="9"/>
+            <p:cNvPr id="9" name="AutoShape 9"/>
             <p:cNvSpPr/>
             <p:nvPr/>
           </p:nvSpPr>
           <p:spPr>
-            <a:xfrm rot="0">
+            <a:xfrm>
               <a:off x="0" y="0"/>
               <a:ext cx="512927" cy="3543124"/>
             </a:xfrm>
@@ -7819,12 +7463,12 @@
         </p:sp>
         <p:sp>
           <p:nvSpPr>
-            <p:cNvPr name="AutoShape 10" id="10"/>
+            <p:cNvPr id="10" name="AutoShape 10"/>
             <p:cNvSpPr/>
             <p:nvPr/>
           </p:nvSpPr>
           <p:spPr>
-            <a:xfrm rot="0">
+            <a:xfrm>
               <a:off x="1646481" y="0"/>
               <a:ext cx="512927" cy="3543124"/>
             </a:xfrm>
@@ -7838,12 +7482,12 @@
         </p:sp>
         <p:sp>
           <p:nvSpPr>
-            <p:cNvPr name="AutoShape 11" id="11"/>
+            <p:cNvPr id="11" name="AutoShape 11"/>
             <p:cNvSpPr/>
             <p:nvPr/>
           </p:nvSpPr>
           <p:spPr>
-            <a:xfrm rot="0">
+            <a:xfrm>
               <a:off x="3292962" y="0"/>
               <a:ext cx="512927" cy="3543124"/>
             </a:xfrm>
@@ -7857,12 +7501,12 @@
         </p:sp>
         <p:sp>
           <p:nvSpPr>
-            <p:cNvPr name="AutoShape 12" id="12"/>
+            <p:cNvPr id="12" name="AutoShape 12"/>
             <p:cNvSpPr/>
             <p:nvPr/>
           </p:nvSpPr>
           <p:spPr>
-            <a:xfrm rot="0">
+            <a:xfrm>
               <a:off x="4939443" y="0"/>
               <a:ext cx="512927" cy="3543124"/>
             </a:xfrm>
@@ -7877,12 +7521,12 @@
       </p:grpSp>
       <p:grpSp>
         <p:nvGrpSpPr>
-          <p:cNvPr name="Group 13" id="13"/>
+          <p:cNvPr id="13" name="Group 13"/>
           <p:cNvGrpSpPr/>
           <p:nvPr/>
         </p:nvGrpSpPr>
         <p:grpSpPr>
-          <a:xfrm rot="0">
+          <a:xfrm>
             <a:off x="15214661" y="0"/>
             <a:ext cx="4089278" cy="2657343"/>
             <a:chOff x="0" y="0"/>
@@ -7891,12 +7535,12 @@
         </p:grpSpPr>
         <p:sp>
           <p:nvSpPr>
-            <p:cNvPr name="AutoShape 14" id="14"/>
+            <p:cNvPr id="14" name="AutoShape 14"/>
             <p:cNvSpPr/>
             <p:nvPr/>
           </p:nvSpPr>
           <p:spPr>
-            <a:xfrm rot="0">
+            <a:xfrm>
               <a:off x="0" y="0"/>
               <a:ext cx="512927" cy="3543124"/>
             </a:xfrm>
@@ -7910,12 +7554,12 @@
         </p:sp>
         <p:sp>
           <p:nvSpPr>
-            <p:cNvPr name="AutoShape 15" id="15"/>
+            <p:cNvPr id="15" name="AutoShape 15"/>
             <p:cNvSpPr/>
             <p:nvPr/>
           </p:nvSpPr>
           <p:spPr>
-            <a:xfrm rot="0">
+            <a:xfrm>
               <a:off x="1646481" y="0"/>
               <a:ext cx="512927" cy="3543124"/>
             </a:xfrm>
@@ -7929,12 +7573,12 @@
         </p:sp>
         <p:sp>
           <p:nvSpPr>
-            <p:cNvPr name="AutoShape 16" id="16"/>
+            <p:cNvPr id="16" name="AutoShape 16"/>
             <p:cNvSpPr/>
             <p:nvPr/>
           </p:nvSpPr>
           <p:spPr>
-            <a:xfrm rot="0">
+            <a:xfrm>
               <a:off x="3292962" y="0"/>
               <a:ext cx="512927" cy="3543124"/>
             </a:xfrm>
@@ -7948,12 +7592,12 @@
         </p:sp>
         <p:sp>
           <p:nvSpPr>
-            <p:cNvPr name="AutoShape 17" id="17"/>
+            <p:cNvPr id="17" name="AutoShape 17"/>
             <p:cNvSpPr/>
             <p:nvPr/>
           </p:nvSpPr>
           <p:spPr>
-            <a:xfrm rot="0">
+            <a:xfrm>
               <a:off x="4939443" y="0"/>
               <a:ext cx="512927" cy="3543124"/>
             </a:xfrm>
@@ -7968,12 +7612,12 @@
       </p:grpSp>
       <p:sp>
         <p:nvSpPr>
-          <p:cNvPr name="TextBox 18" id="18"/>
-          <p:cNvSpPr txBox="true"/>
+          <p:cNvPr id="18" name="TextBox 18"/>
+          <p:cNvSpPr txBox="1"/>
           <p:nvPr/>
         </p:nvSpPr>
         <p:spPr>
-          <a:xfrm rot="0">
+          <a:xfrm>
             <a:off x="1196832" y="1104900"/>
             <a:ext cx="13559875" cy="1108709"/>
           </a:xfrm>
@@ -7982,12 +7626,12 @@
           </a:prstGeom>
         </p:spPr>
         <p:txBody>
-          <a:bodyPr anchor="t" rtlCol="false" tIns="0" lIns="0" bIns="0" rIns="0">
+          <a:bodyPr lIns="0" tIns="0" rIns="0" bIns="0" rtlCol="0" anchor="t">
             <a:spAutoFit/>
           </a:bodyPr>
           <a:lstStyle/>
           <a:p>
-            <a:pPr algn="ctr" marL="0" indent="0" lvl="0">
+            <a:pPr marL="0" lvl="0" indent="0" algn="ctr">
               <a:lnSpc>
                 <a:spcPts val="8579"/>
               </a:lnSpc>
@@ -8012,12 +7656,12 @@
       </p:sp>
       <p:sp>
         <p:nvSpPr>
-          <p:cNvPr name="TextBox 19" id="19"/>
-          <p:cNvSpPr txBox="true"/>
+          <p:cNvPr id="19" name="TextBox 19"/>
+          <p:cNvSpPr txBox="1"/>
           <p:nvPr/>
         </p:nvSpPr>
         <p:spPr>
-          <a:xfrm rot="0">
+          <a:xfrm>
             <a:off x="1799842" y="3393574"/>
             <a:ext cx="14688315" cy="4050480"/>
           </a:xfrm>
@@ -8026,7 +7670,7 @@
           </a:prstGeom>
         </p:spPr>
         <p:txBody>
-          <a:bodyPr anchor="t" rtlCol="false" tIns="0" lIns="0" bIns="0" rIns="0">
+          <a:bodyPr lIns="0" tIns="0" rIns="0" bIns="0" rtlCol="0" anchor="t">
             <a:spAutoFit/>
           </a:bodyPr>
           <a:lstStyle/>
@@ -8060,19 +7704,20 @@
     <a:masterClrMapping/>
   </p:clrMapOvr>
   <p:transition spd="slow">
-    <p:push dir="l"/>
+    <p:push/>
   </p:transition>
 </p:sld>
 </file>
 
 <file path=ppt/slides/slide4.xml><?xml version="1.0" encoding="utf-8"?>
-<p:sld xmlns:p="http://schemas.openxmlformats.org/presentationml/2006/main" xmlns:a="http://schemas.openxmlformats.org/drawingml/2006/main" xmlns:r="http://schemas.openxmlformats.org/officeDocument/2006/relationships">
+<p:sld xmlns:a="http://schemas.openxmlformats.org/drawingml/2006/main" xmlns:r="http://schemas.openxmlformats.org/officeDocument/2006/relationships" xmlns:p="http://schemas.openxmlformats.org/presentationml/2006/main">
   <p:cSld>
     <p:bg>
       <p:bgPr>
         <a:solidFill>
           <a:srgbClr val="F4F4F4"/>
         </a:solidFill>
+        <a:effectLst/>
       </p:bgPr>
     </p:bg>
     <p:spTree>
@@ -8091,12 +7736,12 @@
       </p:grpSpPr>
       <p:sp>
         <p:nvSpPr>
-          <p:cNvPr name="Freeform 2" id="2"/>
+          <p:cNvPr id="2" name="Freeform 2"/>
           <p:cNvSpPr/>
           <p:nvPr/>
         </p:nvSpPr>
         <p:spPr>
-          <a:xfrm flipH="false" flipV="false" rot="0">
+          <a:xfrm>
             <a:off x="-180350" y="-147143"/>
             <a:ext cx="6106279" cy="5419322"/>
           </a:xfrm>
@@ -8105,9 +7750,9 @@
             <a:gdLst/>
             <a:ahLst/>
             <a:cxnLst/>
-            <a:rect r="r" b="b" t="t" l="l"/>
+            <a:rect l="l" t="t" r="r" b="b"/>
             <a:pathLst>
-              <a:path h="5419322" w="6106279">
+              <a:path w="6106279" h="5419322">
                 <a:moveTo>
                   <a:pt x="0" y="0"/>
                 </a:moveTo>
@@ -8136,19 +7781,19 @@
               </a:extLst>
             </a:blip>
             <a:stretch>
-              <a:fillRect l="0" t="0" r="0" b="0"/>
+              <a:fillRect/>
             </a:stretch>
           </a:blipFill>
         </p:spPr>
       </p:sp>
       <p:sp>
         <p:nvSpPr>
-          <p:cNvPr name="Freeform 3" id="3"/>
+          <p:cNvPr id="3" name="Freeform 3"/>
           <p:cNvSpPr/>
           <p:nvPr/>
         </p:nvSpPr>
         <p:spPr>
-          <a:xfrm flipH="true" flipV="false" rot="0">
+          <a:xfrm flipH="1">
             <a:off x="14252115" y="5808903"/>
             <a:ext cx="4035885" cy="4478097"/>
           </a:xfrm>
@@ -8157,9 +7802,9 @@
             <a:gdLst/>
             <a:ahLst/>
             <a:cxnLst/>
-            <a:rect r="r" b="b" t="t" l="l"/>
+            <a:rect l="l" t="t" r="r" b="b"/>
             <a:pathLst>
-              <a:path h="4478097" w="4035885">
+              <a:path w="4035885" h="4478097">
                 <a:moveTo>
                   <a:pt x="4035885" y="0"/>
                 </a:moveTo>
@@ -8188,19 +7833,19 @@
               </a:extLst>
             </a:blip>
             <a:stretch>
-              <a:fillRect l="0" t="0" r="0" b="0"/>
+              <a:fillRect/>
             </a:stretch>
           </a:blipFill>
         </p:spPr>
       </p:sp>
       <p:grpSp>
         <p:nvGrpSpPr>
-          <p:cNvPr name="Group 4" id="4"/>
+          <p:cNvPr id="4" name="Group 4"/>
           <p:cNvGrpSpPr/>
           <p:nvPr/>
         </p:nvGrpSpPr>
         <p:grpSpPr>
-          <a:xfrm rot="0">
+          <a:xfrm>
             <a:off x="17068897" y="892984"/>
             <a:ext cx="834767" cy="834767"/>
             <a:chOff x="0" y="0"/>
@@ -8209,12 +7854,12 @@
         </p:grpSpPr>
         <p:sp>
           <p:nvSpPr>
-            <p:cNvPr name="Freeform 5" id="5"/>
+            <p:cNvPr id="5" name="Freeform 5"/>
             <p:cNvSpPr/>
             <p:nvPr/>
           </p:nvSpPr>
           <p:spPr>
-            <a:xfrm flipH="false" flipV="false" rot="0">
+            <a:xfrm>
               <a:off x="0" y="0"/>
               <a:ext cx="812800" cy="812800"/>
             </a:xfrm>
@@ -8223,9 +7868,9 @@
               <a:gdLst/>
               <a:ahLst/>
               <a:cxnLst/>
-              <a:rect r="r" b="b" t="t" l="l"/>
+              <a:rect l="l" t="t" r="r" b="b"/>
               <a:pathLst>
-                <a:path h="812800" w="812800">
+                <a:path w="812800" h="812800">
                   <a:moveTo>
                     <a:pt x="406400" y="0"/>
                   </a:moveTo>
@@ -8260,8 +7905,8 @@
         </p:sp>
         <p:sp>
           <p:nvSpPr>
-            <p:cNvPr name="TextBox 6" id="6"/>
-            <p:cNvSpPr txBox="true"/>
+            <p:cNvPr id="6" name="TextBox 6"/>
+            <p:cNvSpPr txBox="1"/>
             <p:nvPr/>
           </p:nvSpPr>
           <p:spPr>
@@ -8274,7 +7919,7 @@
             </a:prstGeom>
           </p:spPr>
           <p:txBody>
-            <a:bodyPr anchor="ctr" rtlCol="false" tIns="50800" lIns="50800" bIns="50800" rIns="50800"/>
+            <a:bodyPr lIns="50800" tIns="50800" rIns="50800" bIns="50800" rtlCol="0" anchor="ctr"/>
             <a:lstStyle/>
             <a:p>
               <a:pPr algn="ctr">
@@ -8282,18 +7927,19 @@
                   <a:spcPts val="2999"/>
                 </a:lnSpc>
               </a:pPr>
+              <a:endParaRPr/>
             </a:p>
           </p:txBody>
         </p:sp>
       </p:grpSp>
       <p:sp>
         <p:nvSpPr>
-          <p:cNvPr name="TextBox 7" id="7"/>
-          <p:cNvSpPr txBox="true"/>
+          <p:cNvPr id="7" name="TextBox 7"/>
+          <p:cNvSpPr txBox="1"/>
           <p:nvPr/>
         </p:nvSpPr>
         <p:spPr>
-          <a:xfrm rot="0">
+          <a:xfrm>
             <a:off x="3578303" y="632376"/>
             <a:ext cx="13052444" cy="1095375"/>
           </a:xfrm>
@@ -8302,12 +7948,12 @@
           </a:prstGeom>
         </p:spPr>
         <p:txBody>
-          <a:bodyPr anchor="t" rtlCol="false" tIns="0" lIns="0" bIns="0" rIns="0">
+          <a:bodyPr lIns="0" tIns="0" rIns="0" bIns="0" rtlCol="0" anchor="t">
             <a:spAutoFit/>
           </a:bodyPr>
           <a:lstStyle/>
           <a:p>
-            <a:pPr algn="ctr" marL="0" indent="0" lvl="0">
+            <a:pPr marL="0" lvl="0" indent="0" algn="ctr">
               <a:lnSpc>
                 <a:spcPts val="8640"/>
               </a:lnSpc>
@@ -8329,12 +7975,12 @@
       </p:sp>
       <p:grpSp>
         <p:nvGrpSpPr>
-          <p:cNvPr name="Group 8" id="8"/>
+          <p:cNvPr id="8" name="Group 8"/>
           <p:cNvGrpSpPr/>
           <p:nvPr/>
         </p:nvGrpSpPr>
         <p:grpSpPr>
-          <a:xfrm rot="0">
+          <a:xfrm>
             <a:off x="2301485" y="892984"/>
             <a:ext cx="834767" cy="834767"/>
             <a:chOff x="0" y="0"/>
@@ -8343,12 +7989,12 @@
         </p:grpSpPr>
         <p:sp>
           <p:nvSpPr>
-            <p:cNvPr name="Freeform 9" id="9"/>
+            <p:cNvPr id="9" name="Freeform 9"/>
             <p:cNvSpPr/>
             <p:nvPr/>
           </p:nvSpPr>
           <p:spPr>
-            <a:xfrm flipH="false" flipV="false" rot="0">
+            <a:xfrm>
               <a:off x="0" y="0"/>
               <a:ext cx="812800" cy="812800"/>
             </a:xfrm>
@@ -8357,9 +8003,9 @@
               <a:gdLst/>
               <a:ahLst/>
               <a:cxnLst/>
-              <a:rect r="r" b="b" t="t" l="l"/>
+              <a:rect l="l" t="t" r="r" b="b"/>
               <a:pathLst>
-                <a:path h="812800" w="812800">
+                <a:path w="812800" h="812800">
                   <a:moveTo>
                     <a:pt x="406400" y="0"/>
                   </a:moveTo>
@@ -8394,8 +8040,8 @@
         </p:sp>
         <p:sp>
           <p:nvSpPr>
-            <p:cNvPr name="TextBox 10" id="10"/>
-            <p:cNvSpPr txBox="true"/>
+            <p:cNvPr id="10" name="TextBox 10"/>
+            <p:cNvSpPr txBox="1"/>
             <p:nvPr/>
           </p:nvSpPr>
           <p:spPr>
@@ -8408,7 +8054,7 @@
             </a:prstGeom>
           </p:spPr>
           <p:txBody>
-            <a:bodyPr anchor="ctr" rtlCol="false" tIns="50800" lIns="50800" bIns="50800" rIns="50800"/>
+            <a:bodyPr lIns="50800" tIns="50800" rIns="50800" bIns="50800" rtlCol="0" anchor="ctr"/>
             <a:lstStyle/>
             <a:p>
               <a:pPr algn="ctr">
@@ -8416,18 +8062,19 @@
                   <a:spcPts val="2999"/>
                 </a:lnSpc>
               </a:pPr>
+              <a:endParaRPr/>
             </a:p>
           </p:txBody>
         </p:sp>
       </p:grpSp>
       <p:sp>
         <p:nvSpPr>
-          <p:cNvPr name="TextBox 11" id="11"/>
-          <p:cNvSpPr txBox="true"/>
+          <p:cNvPr id="11" name="TextBox 11"/>
+          <p:cNvSpPr txBox="1"/>
           <p:nvPr/>
         </p:nvSpPr>
         <p:spPr>
-          <a:xfrm rot="0">
+          <a:xfrm>
             <a:off x="2301485" y="2245058"/>
             <a:ext cx="14688315" cy="7061015"/>
           </a:xfrm>
@@ -8436,7 +8083,7 @@
           </a:prstGeom>
         </p:spPr>
         <p:txBody>
-          <a:bodyPr anchor="t" rtlCol="false" tIns="0" lIns="0" bIns="0" rIns="0">
+          <a:bodyPr lIns="0" tIns="0" rIns="0" bIns="0" rtlCol="0" anchor="t">
             <a:spAutoFit/>
           </a:bodyPr>
           <a:lstStyle/>
@@ -8460,7 +8107,7 @@
             </a:r>
           </a:p>
           <a:p>
-            <a:pPr algn="l" marL="622289" indent="-311145" lvl="1">
+            <a:pPr marL="622289" lvl="1" indent="-311145" algn="l">
               <a:lnSpc>
                 <a:spcPts val="4035"/>
               </a:lnSpc>
@@ -8481,7 +8128,7 @@
             </a:r>
           </a:p>
           <a:p>
-            <a:pPr algn="l" marL="622289" indent="-311145" lvl="1">
+            <a:pPr marL="622289" lvl="1" indent="-311145" algn="l">
               <a:lnSpc>
                 <a:spcPts val="4035"/>
               </a:lnSpc>
@@ -8502,7 +8149,7 @@
             </a:r>
           </a:p>
           <a:p>
-            <a:pPr algn="l" marL="622289" indent="-311145" lvl="1">
+            <a:pPr marL="622289" lvl="1" indent="-311145" algn="l">
               <a:lnSpc>
                 <a:spcPts val="4035"/>
               </a:lnSpc>
@@ -8523,7 +8170,7 @@
             </a:r>
           </a:p>
           <a:p>
-            <a:pPr algn="l" marL="622289" indent="-311145" lvl="1">
+            <a:pPr marL="622289" lvl="1" indent="-311145" algn="l">
               <a:lnSpc>
                 <a:spcPts val="4035"/>
               </a:lnSpc>
@@ -8544,7 +8191,7 @@
             </a:r>
           </a:p>
           <a:p>
-            <a:pPr algn="l" marL="622289" indent="-311145" lvl="1">
+            <a:pPr marL="622289" lvl="1" indent="-311145" algn="l">
               <a:lnSpc>
                 <a:spcPts val="4035"/>
               </a:lnSpc>
@@ -8565,7 +8212,7 @@
             </a:r>
           </a:p>
           <a:p>
-            <a:pPr algn="l" marL="622289" indent="-311145" lvl="1">
+            <a:pPr marL="622289" lvl="1" indent="-311145" algn="l">
               <a:lnSpc>
                 <a:spcPts val="4035"/>
               </a:lnSpc>
@@ -8586,7 +8233,7 @@
             </a:r>
           </a:p>
           <a:p>
-            <a:pPr algn="l" marL="622289" indent="-311145" lvl="1">
+            <a:pPr marL="622289" lvl="1" indent="-311145" algn="l">
               <a:lnSpc>
                 <a:spcPts val="4035"/>
               </a:lnSpc>
@@ -8607,7 +8254,7 @@
             </a:r>
           </a:p>
           <a:p>
-            <a:pPr algn="l" marL="622289" indent="-311145" lvl="1">
+            <a:pPr marL="622289" lvl="1" indent="-311145" algn="l">
               <a:lnSpc>
                 <a:spcPts val="4035"/>
               </a:lnSpc>
@@ -8638,19 +8285,20 @@
     <a:masterClrMapping/>
   </p:clrMapOvr>
   <p:transition spd="slow">
-    <p:push dir="l"/>
+    <p:push/>
   </p:transition>
 </p:sld>
 </file>
 
 <file path=ppt/slides/slide5.xml><?xml version="1.0" encoding="utf-8"?>
-<p:sld xmlns:p="http://schemas.openxmlformats.org/presentationml/2006/main" xmlns:a="http://schemas.openxmlformats.org/drawingml/2006/main" xmlns:r="http://schemas.openxmlformats.org/officeDocument/2006/relationships">
+<p:sld xmlns:a="http://schemas.openxmlformats.org/drawingml/2006/main" xmlns:r="http://schemas.openxmlformats.org/officeDocument/2006/relationships" xmlns:p="http://schemas.openxmlformats.org/presentationml/2006/main">
   <p:cSld>
     <p:bg>
       <p:bgPr>
         <a:solidFill>
           <a:srgbClr val="F4F4F4"/>
         </a:solidFill>
+        <a:effectLst/>
       </p:bgPr>
     </p:bg>
     <p:spTree>
@@ -8669,12 +8317,12 @@
       </p:grpSpPr>
       <p:sp>
         <p:nvSpPr>
-          <p:cNvPr name="Freeform 2" id="2"/>
+          <p:cNvPr id="2" name="Freeform 2"/>
           <p:cNvSpPr/>
           <p:nvPr/>
         </p:nvSpPr>
         <p:spPr>
-          <a:xfrm flipH="true" flipV="false" rot="0">
+          <a:xfrm flipH="1">
             <a:off x="-410455" y="-852343"/>
             <a:ext cx="3981429" cy="4218733"/>
           </a:xfrm>
@@ -8683,9 +8331,9 @@
             <a:gdLst/>
             <a:ahLst/>
             <a:cxnLst/>
-            <a:rect r="r" b="b" t="t" l="l"/>
+            <a:rect l="l" t="t" r="r" b="b"/>
             <a:pathLst>
-              <a:path h="4218733" w="3981429">
+              <a:path w="3981429" h="4218733">
                 <a:moveTo>
                   <a:pt x="3981429" y="0"/>
                 </a:moveTo>
@@ -8714,19 +8362,19 @@
               </a:extLst>
             </a:blip>
             <a:stretch>
-              <a:fillRect l="0" t="0" r="0" b="0"/>
+              <a:fillRect/>
             </a:stretch>
           </a:blipFill>
         </p:spPr>
       </p:sp>
       <p:sp>
         <p:nvSpPr>
-          <p:cNvPr name="TextBox 3" id="3"/>
-          <p:cNvSpPr txBox="true"/>
+          <p:cNvPr id="3" name="TextBox 3"/>
+          <p:cNvSpPr txBox="1"/>
           <p:nvPr/>
         </p:nvSpPr>
         <p:spPr>
-          <a:xfrm rot="0">
+          <a:xfrm>
             <a:off x="2819341" y="709336"/>
             <a:ext cx="12649318" cy="1095375"/>
           </a:xfrm>
@@ -8735,12 +8383,12 @@
           </a:prstGeom>
         </p:spPr>
         <p:txBody>
-          <a:bodyPr anchor="t" rtlCol="false" tIns="0" lIns="0" bIns="0" rIns="0">
+          <a:bodyPr lIns="0" tIns="0" rIns="0" bIns="0" rtlCol="0" anchor="t">
             <a:spAutoFit/>
           </a:bodyPr>
           <a:lstStyle/>
           <a:p>
-            <a:pPr algn="ctr" marL="0" indent="0" lvl="0">
+            <a:pPr marL="0" lvl="0" indent="0" algn="ctr">
               <a:lnSpc>
                 <a:spcPts val="8640"/>
               </a:lnSpc>
@@ -8762,12 +8410,12 @@
       </p:sp>
       <p:sp>
         <p:nvSpPr>
-          <p:cNvPr name="Freeform 4" id="4"/>
+          <p:cNvPr id="4" name="Freeform 4"/>
           <p:cNvSpPr/>
           <p:nvPr/>
         </p:nvSpPr>
         <p:spPr>
-          <a:xfrm flipH="true" flipV="false" rot="-10800000">
+          <a:xfrm rot="-10800000" flipH="1">
             <a:off x="14614412" y="6068267"/>
             <a:ext cx="3981429" cy="4218733"/>
           </a:xfrm>
@@ -8776,9 +8424,9 @@
             <a:gdLst/>
             <a:ahLst/>
             <a:cxnLst/>
-            <a:rect r="r" b="b" t="t" l="l"/>
+            <a:rect l="l" t="t" r="r" b="b"/>
             <a:pathLst>
-              <a:path h="4218733" w="3981429">
+              <a:path w="3981429" h="4218733">
                 <a:moveTo>
                   <a:pt x="3981429" y="0"/>
                 </a:moveTo>
@@ -8807,19 +8455,19 @@
               </a:extLst>
             </a:blip>
             <a:stretch>
-              <a:fillRect l="0" t="0" r="0" b="0"/>
+              <a:fillRect/>
             </a:stretch>
           </a:blipFill>
         </p:spPr>
       </p:sp>
       <p:grpSp>
         <p:nvGrpSpPr>
-          <p:cNvPr name="Group 5" id="5"/>
+          <p:cNvPr id="5" name="Group 5"/>
           <p:cNvGrpSpPr/>
           <p:nvPr/>
         </p:nvGrpSpPr>
         <p:grpSpPr>
-          <a:xfrm rot="0">
+          <a:xfrm>
             <a:off x="-2671360" y="7859626"/>
             <a:ext cx="5778270" cy="5778270"/>
             <a:chOff x="0" y="0"/>
@@ -8828,12 +8476,12 @@
         </p:grpSpPr>
         <p:sp>
           <p:nvSpPr>
-            <p:cNvPr name="Freeform 6" id="6"/>
+            <p:cNvPr id="6" name="Freeform 6"/>
             <p:cNvSpPr/>
             <p:nvPr/>
           </p:nvSpPr>
           <p:spPr>
-            <a:xfrm flipH="false" flipV="false" rot="0">
+            <a:xfrm>
               <a:off x="0" y="0"/>
               <a:ext cx="6350000" cy="6350000"/>
             </a:xfrm>
@@ -8842,9 +8490,9 @@
               <a:gdLst/>
               <a:ahLst/>
               <a:cxnLst/>
-              <a:rect r="r" b="b" t="t" l="l"/>
+              <a:rect l="l" t="t" r="r" b="b"/>
               <a:pathLst>
-                <a:path h="6350000" w="6350000">
+                <a:path w="6350000" h="6350000">
                   <a:moveTo>
                     <a:pt x="3175000" y="0"/>
                   </a:moveTo>
@@ -8880,12 +8528,12 @@
       </p:grpSp>
       <p:grpSp>
         <p:nvGrpSpPr>
-          <p:cNvPr name="Group 7" id="7"/>
+          <p:cNvPr id="7" name="Group 7"/>
           <p:cNvGrpSpPr/>
           <p:nvPr/>
         </p:nvGrpSpPr>
         <p:grpSpPr>
-          <a:xfrm rot="0">
+          <a:xfrm>
             <a:off x="15468659" y="-3300319"/>
             <a:ext cx="5778270" cy="5778270"/>
             <a:chOff x="0" y="0"/>
@@ -8894,12 +8542,12 @@
         </p:grpSpPr>
         <p:sp>
           <p:nvSpPr>
-            <p:cNvPr name="Freeform 8" id="8"/>
+            <p:cNvPr id="8" name="Freeform 8"/>
             <p:cNvSpPr/>
             <p:nvPr/>
           </p:nvSpPr>
           <p:spPr>
-            <a:xfrm flipH="false" flipV="false" rot="0">
+            <a:xfrm>
               <a:off x="0" y="0"/>
               <a:ext cx="6350000" cy="6350000"/>
             </a:xfrm>
@@ -8908,9 +8556,9 @@
               <a:gdLst/>
               <a:ahLst/>
               <a:cxnLst/>
-              <a:rect r="r" b="b" t="t" l="l"/>
+              <a:rect l="l" t="t" r="r" b="b"/>
               <a:pathLst>
-                <a:path h="6350000" w="6350000">
+                <a:path w="6350000" h="6350000">
                   <a:moveTo>
                     <a:pt x="3175000" y="0"/>
                   </a:moveTo>
@@ -8946,12 +8594,12 @@
       </p:grpSp>
       <p:sp>
         <p:nvSpPr>
-          <p:cNvPr name="TextBox 9" id="9"/>
-          <p:cNvSpPr txBox="true"/>
+          <p:cNvPr id="9" name="TextBox 9"/>
+          <p:cNvSpPr txBox="1"/>
           <p:nvPr/>
         </p:nvSpPr>
         <p:spPr>
-          <a:xfrm rot="0">
+          <a:xfrm>
             <a:off x="1916811" y="2302695"/>
             <a:ext cx="14688315" cy="6955605"/>
           </a:xfrm>
@@ -8960,12 +8608,12 @@
           </a:prstGeom>
         </p:spPr>
         <p:txBody>
-          <a:bodyPr anchor="t" rtlCol="false" tIns="0" lIns="0" bIns="0" rIns="0">
+          <a:bodyPr lIns="0" tIns="0" rIns="0" bIns="0" rtlCol="0" anchor="t">
             <a:spAutoFit/>
           </a:bodyPr>
           <a:lstStyle/>
           <a:p>
-            <a:pPr algn="l" marL="708647" indent="-354323" lvl="1">
+            <a:pPr marL="708647" lvl="1" indent="-354323" algn="l">
               <a:lnSpc>
                 <a:spcPts val="4595"/>
               </a:lnSpc>
@@ -8998,7 +8646,7 @@
             </a:r>
           </a:p>
           <a:p>
-            <a:pPr algn="l" marL="708647" indent="-354323" lvl="1">
+            <a:pPr marL="708647" lvl="1" indent="-354323" algn="l">
               <a:lnSpc>
                 <a:spcPts val="4595"/>
               </a:lnSpc>
@@ -9055,7 +8703,7 @@
             </a:r>
           </a:p>
           <a:p>
-            <a:pPr algn="l" marL="708647" indent="-354323" lvl="1">
+            <a:pPr marL="708647" lvl="1" indent="-354323" algn="l">
               <a:lnSpc>
                 <a:spcPts val="4595"/>
               </a:lnSpc>
@@ -9100,7 +8748,7 @@
             </a:r>
           </a:p>
           <a:p>
-            <a:pPr algn="l" marL="708647" indent="-354323" lvl="1">
+            <a:pPr marL="708647" lvl="1" indent="-354323" algn="l">
               <a:lnSpc>
                 <a:spcPts val="4595"/>
               </a:lnSpc>
@@ -9157,7 +8805,7 @@
             </a:r>
           </a:p>
           <a:p>
-            <a:pPr algn="l" marL="708647" indent="-354323" lvl="1">
+            <a:pPr marL="708647" lvl="1" indent="-354323" algn="l">
               <a:lnSpc>
                 <a:spcPts val="4595"/>
               </a:lnSpc>
@@ -9202,7 +8850,7 @@
             </a:r>
           </a:p>
           <a:p>
-            <a:pPr algn="l" marL="708647" indent="-354323" lvl="1">
+            <a:pPr marL="708647" lvl="1" indent="-354323" algn="l">
               <a:lnSpc>
                 <a:spcPts val="4595"/>
               </a:lnSpc>
@@ -9247,7 +8895,7 @@
             </a:r>
           </a:p>
           <a:p>
-            <a:pPr algn="l" marL="708647" indent="-354323" lvl="1">
+            <a:pPr marL="708647" lvl="1" indent="-354323" algn="l">
               <a:lnSpc>
                 <a:spcPts val="4595"/>
               </a:lnSpc>
@@ -9292,7 +8940,7 @@
             </a:r>
           </a:p>
           <a:p>
-            <a:pPr algn="l" marL="708647" indent="-354323" lvl="1">
+            <a:pPr marL="708647" lvl="1" indent="-354323" algn="l">
               <a:lnSpc>
                 <a:spcPts val="4595"/>
               </a:lnSpc>
@@ -9345,6 +8993,15 @@
                 <a:spcPct val="0"/>
               </a:spcBef>
             </a:pPr>
+            <a:endParaRPr lang="en-US" sz="3282">
+              <a:solidFill>
+                <a:srgbClr val="231F20"/>
+              </a:solidFill>
+              <a:latin typeface="Inter"/>
+              <a:ea typeface="Inter"/>
+              <a:cs typeface="Inter"/>
+              <a:sym typeface="Inter"/>
+            </a:endParaRPr>
           </a:p>
         </p:txBody>
       </p:sp>
@@ -9354,13 +9011,13 @@
     <a:masterClrMapping/>
   </p:clrMapOvr>
   <p:transition spd="slow">
-    <p:push dir="l"/>
+    <p:push/>
   </p:transition>
 </p:sld>
 </file>
 
 <file path=ppt/slides/slide6.xml><?xml version="1.0" encoding="utf-8"?>
-<p:sld xmlns:p="http://schemas.openxmlformats.org/presentationml/2006/main" xmlns:a="http://schemas.openxmlformats.org/drawingml/2006/main" xmlns:r="http://schemas.openxmlformats.org/officeDocument/2006/relationships">
+<p:sld xmlns:a="http://schemas.openxmlformats.org/drawingml/2006/main" xmlns:r="http://schemas.openxmlformats.org/officeDocument/2006/relationships" xmlns:p="http://schemas.openxmlformats.org/presentationml/2006/main">
   <p:cSld>
     <p:spTree>
       <p:nvGrpSpPr>
@@ -9378,12 +9035,12 @@
       </p:grpSpPr>
       <p:sp>
         <p:nvSpPr>
-          <p:cNvPr name="Freeform 2" id="2"/>
+          <p:cNvPr id="2" name="Freeform 2"/>
           <p:cNvSpPr/>
           <p:nvPr/>
         </p:nvSpPr>
         <p:spPr>
-          <a:xfrm flipH="true" flipV="false" rot="0">
+          <a:xfrm flipH="1">
             <a:off x="-179574" y="2760381"/>
             <a:ext cx="7037060" cy="7962727"/>
           </a:xfrm>
@@ -9392,9 +9049,9 @@
             <a:gdLst/>
             <a:ahLst/>
             <a:cxnLst/>
-            <a:rect r="r" b="b" t="t" l="l"/>
+            <a:rect l="l" t="t" r="r" b="b"/>
             <a:pathLst>
-              <a:path h="7962727" w="7037060">
+              <a:path w="7037060" h="7962727">
                 <a:moveTo>
                   <a:pt x="7037060" y="0"/>
                 </a:moveTo>
@@ -9423,19 +9080,19 @@
               </a:extLst>
             </a:blip>
             <a:stretch>
-              <a:fillRect l="0" t="0" r="0" b="0"/>
+              <a:fillRect/>
             </a:stretch>
           </a:blipFill>
         </p:spPr>
       </p:sp>
       <p:sp>
         <p:nvSpPr>
-          <p:cNvPr name="Freeform 3" id="3"/>
+          <p:cNvPr id="3" name="Freeform 3"/>
           <p:cNvSpPr/>
           <p:nvPr/>
         </p:nvSpPr>
         <p:spPr>
-          <a:xfrm flipH="true" flipV="false" rot="10708134">
+          <a:xfrm rot="10708134" flipH="1">
             <a:off x="11388596" y="-319550"/>
             <a:ext cx="7037060" cy="7962727"/>
           </a:xfrm>
@@ -9444,9 +9101,9 @@
             <a:gdLst/>
             <a:ahLst/>
             <a:cxnLst/>
-            <a:rect r="r" b="b" t="t" l="l"/>
+            <a:rect l="l" t="t" r="r" b="b"/>
             <a:pathLst>
-              <a:path h="7962727" w="7037060">
+              <a:path w="7037060" h="7962727">
                 <a:moveTo>
                   <a:pt x="7037061" y="0"/>
                 </a:moveTo>
@@ -9475,19 +9132,19 @@
               </a:extLst>
             </a:blip>
             <a:stretch>
-              <a:fillRect l="0" t="0" r="0" b="0"/>
+              <a:fillRect/>
             </a:stretch>
           </a:blipFill>
         </p:spPr>
       </p:sp>
       <p:sp>
         <p:nvSpPr>
-          <p:cNvPr name="TextBox 4" id="4"/>
-          <p:cNvSpPr txBox="true"/>
+          <p:cNvPr id="4" name="TextBox 4"/>
+          <p:cNvSpPr txBox="1"/>
           <p:nvPr/>
         </p:nvSpPr>
         <p:spPr>
-          <a:xfrm rot="0">
+          <a:xfrm>
             <a:off x="4050705" y="786296"/>
             <a:ext cx="10186590" cy="1095375"/>
           </a:xfrm>
@@ -9496,12 +9153,12 @@
           </a:prstGeom>
         </p:spPr>
         <p:txBody>
-          <a:bodyPr anchor="t" rtlCol="false" tIns="0" lIns="0" bIns="0" rIns="0">
+          <a:bodyPr lIns="0" tIns="0" rIns="0" bIns="0" rtlCol="0" anchor="t">
             <a:spAutoFit/>
           </a:bodyPr>
           <a:lstStyle/>
           <a:p>
-            <a:pPr algn="ctr" marL="0" indent="0" lvl="0">
+            <a:pPr marL="0" lvl="0" indent="0" algn="ctr">
               <a:lnSpc>
                 <a:spcPts val="8640"/>
               </a:lnSpc>
@@ -9523,12 +9180,12 @@
       </p:sp>
       <p:sp>
         <p:nvSpPr>
-          <p:cNvPr name="TextBox 5" id="5"/>
-          <p:cNvSpPr txBox="true"/>
+          <p:cNvPr id="5" name="TextBox 5"/>
+          <p:cNvSpPr txBox="1"/>
           <p:nvPr/>
         </p:nvSpPr>
         <p:spPr>
-          <a:xfrm rot="0">
+          <a:xfrm>
             <a:off x="1799842" y="3104265"/>
             <a:ext cx="14688315" cy="4631505"/>
           </a:xfrm>
@@ -9537,7 +9194,7 @@
           </a:prstGeom>
         </p:spPr>
         <p:txBody>
-          <a:bodyPr anchor="t" rtlCol="false" tIns="0" lIns="0" bIns="0" rIns="0">
+          <a:bodyPr lIns="0" tIns="0" rIns="0" bIns="0" rtlCol="0" anchor="t">
             <a:spAutoFit/>
           </a:bodyPr>
           <a:lstStyle/>
@@ -9691,13 +9348,13 @@
     <a:masterClrMapping/>
   </p:clrMapOvr>
   <p:transition spd="slow">
-    <p:push dir="l"/>
+    <p:push/>
   </p:transition>
 </p:sld>
 </file>
 
 <file path=ppt/slides/slide7.xml><?xml version="1.0" encoding="utf-8"?>
-<p:sld xmlns:p="http://schemas.openxmlformats.org/presentationml/2006/main" xmlns:a="http://schemas.openxmlformats.org/drawingml/2006/main" xmlns:r="http://schemas.openxmlformats.org/officeDocument/2006/relationships">
+<p:sld xmlns:a="http://schemas.openxmlformats.org/drawingml/2006/main" xmlns:r="http://schemas.openxmlformats.org/officeDocument/2006/relationships" xmlns:p="http://schemas.openxmlformats.org/presentationml/2006/main">
   <p:cSld>
     <p:spTree>
       <p:nvGrpSpPr>
@@ -9715,12 +9372,12 @@
       </p:grpSpPr>
       <p:sp>
         <p:nvSpPr>
-          <p:cNvPr name="Freeform 2" id="2"/>
+          <p:cNvPr id="2" name="Freeform 2"/>
           <p:cNvSpPr/>
           <p:nvPr/>
         </p:nvSpPr>
         <p:spPr>
-          <a:xfrm flipH="true" flipV="false" rot="0">
+          <a:xfrm flipH="1">
             <a:off x="-1616165" y="4940921"/>
             <a:ext cx="7037060" cy="7962727"/>
           </a:xfrm>
@@ -9729,9 +9386,9 @@
             <a:gdLst/>
             <a:ahLst/>
             <a:cxnLst/>
-            <a:rect r="r" b="b" t="t" l="l"/>
+            <a:rect l="l" t="t" r="r" b="b"/>
             <a:pathLst>
-              <a:path h="7962727" w="7037060">
+              <a:path w="7037060" h="7962727">
                 <a:moveTo>
                   <a:pt x="7037060" y="0"/>
                 </a:moveTo>
@@ -9760,19 +9417,19 @@
               </a:extLst>
             </a:blip>
             <a:stretch>
-              <a:fillRect l="0" t="0" r="0" b="0"/>
+              <a:fillRect/>
             </a:stretch>
           </a:blipFill>
         </p:spPr>
       </p:sp>
       <p:sp>
         <p:nvSpPr>
-          <p:cNvPr name="Freeform 3" id="3"/>
+          <p:cNvPr id="3" name="Freeform 3"/>
           <p:cNvSpPr/>
           <p:nvPr/>
         </p:nvSpPr>
         <p:spPr>
-          <a:xfrm flipH="true" flipV="false" rot="10708134">
+          <a:xfrm rot="10708134" flipH="1">
             <a:off x="12773881" y="-2647380"/>
             <a:ext cx="7037060" cy="7962727"/>
           </a:xfrm>
@@ -9781,9 +9438,9 @@
             <a:gdLst/>
             <a:ahLst/>
             <a:cxnLst/>
-            <a:rect r="r" b="b" t="t" l="l"/>
+            <a:rect l="l" t="t" r="r" b="b"/>
             <a:pathLst>
-              <a:path h="7962727" w="7037060">
+              <a:path w="7037060" h="7962727">
                 <a:moveTo>
                   <a:pt x="7037060" y="0"/>
                 </a:moveTo>
@@ -9812,19 +9469,19 @@
               </a:extLst>
             </a:blip>
             <a:stretch>
-              <a:fillRect l="0" t="0" r="0" b="0"/>
+              <a:fillRect/>
             </a:stretch>
           </a:blipFill>
         </p:spPr>
       </p:sp>
       <p:sp>
         <p:nvSpPr>
-          <p:cNvPr name="Freeform 4" id="4"/>
+          <p:cNvPr id="4" name="Freeform 4"/>
           <p:cNvSpPr/>
           <p:nvPr/>
         </p:nvSpPr>
         <p:spPr>
-          <a:xfrm flipH="false" flipV="false" rot="0">
+          <a:xfrm>
             <a:off x="1465532" y="1648724"/>
             <a:ext cx="15356935" cy="8638276"/>
           </a:xfrm>
@@ -9833,9 +9490,9 @@
             <a:gdLst/>
             <a:ahLst/>
             <a:cxnLst/>
-            <a:rect r="r" b="b" t="t" l="l"/>
+            <a:rect l="l" t="t" r="r" b="b"/>
             <a:pathLst>
-              <a:path h="8638276" w="15356935">
+              <a:path w="15356935" h="8638276">
                 <a:moveTo>
                   <a:pt x="0" y="0"/>
                 </a:moveTo>
@@ -9858,19 +9515,19 @@
           <a:blipFill>
             <a:blip r:embed="rId4"/>
             <a:stretch>
-              <a:fillRect l="0" t="0" r="0" b="0"/>
+              <a:fillRect/>
             </a:stretch>
           </a:blipFill>
         </p:spPr>
       </p:sp>
       <p:sp>
         <p:nvSpPr>
-          <p:cNvPr name="TextBox 5" id="5"/>
-          <p:cNvSpPr txBox="true"/>
+          <p:cNvPr id="5" name="TextBox 5"/>
+          <p:cNvSpPr txBox="1"/>
           <p:nvPr/>
         </p:nvSpPr>
         <p:spPr>
-          <a:xfrm rot="0">
+          <a:xfrm>
             <a:off x="4050705" y="553349"/>
             <a:ext cx="10186590" cy="1095375"/>
           </a:xfrm>
@@ -9879,12 +9536,12 @@
           </a:prstGeom>
         </p:spPr>
         <p:txBody>
-          <a:bodyPr anchor="t" rtlCol="false" tIns="0" lIns="0" bIns="0" rIns="0">
+          <a:bodyPr lIns="0" tIns="0" rIns="0" bIns="0" rtlCol="0" anchor="t">
             <a:spAutoFit/>
           </a:bodyPr>
           <a:lstStyle/>
           <a:p>
-            <a:pPr algn="ctr" marL="0" indent="0" lvl="0">
+            <a:pPr marL="0" lvl="0" indent="0" algn="ctr">
               <a:lnSpc>
                 <a:spcPts val="8640"/>
               </a:lnSpc>
@@ -9910,238 +9567,20 @@
     <a:masterClrMapping/>
   </p:clrMapOvr>
   <p:transition spd="slow">
-    <p:push dir="l"/>
+    <p:push/>
   </p:transition>
 </p:sld>
 </file>
 
 <file path=ppt/slides/slide8.xml><?xml version="1.0" encoding="utf-8"?>
-<p:sld xmlns:p="http://schemas.openxmlformats.org/presentationml/2006/main" xmlns:a="http://schemas.openxmlformats.org/drawingml/2006/main" xmlns:r="http://schemas.openxmlformats.org/officeDocument/2006/relationships">
-  <p:cSld>
-    <p:spTree>
-      <p:nvGrpSpPr>
-        <p:cNvPr id="1" name=""/>
-        <p:cNvGrpSpPr/>
-        <p:nvPr/>
-      </p:nvGrpSpPr>
-      <p:grpSpPr>
-        <a:xfrm>
-          <a:off x="0" y="0"/>
-          <a:ext cx="0" cy="0"/>
-          <a:chOff x="0" y="0"/>
-          <a:chExt cx="0" cy="0"/>
-        </a:xfrm>
-      </p:grpSpPr>
-      <p:sp>
-        <p:nvSpPr>
-          <p:cNvPr name="Freeform 2" id="2"/>
-          <p:cNvSpPr/>
-          <p:nvPr/>
-        </p:nvSpPr>
-        <p:spPr>
-          <a:xfrm flipH="true" flipV="false" rot="0">
-            <a:off x="-1462245" y="4607427"/>
-            <a:ext cx="7037060" cy="7962727"/>
-          </a:xfrm>
-          <a:custGeom>
-            <a:avLst/>
-            <a:gdLst/>
-            <a:ahLst/>
-            <a:cxnLst/>
-            <a:rect r="r" b="b" t="t" l="l"/>
-            <a:pathLst>
-              <a:path h="7962727" w="7037060">
-                <a:moveTo>
-                  <a:pt x="7037061" y="0"/>
-                </a:moveTo>
-                <a:lnTo>
-                  <a:pt x="0" y="0"/>
-                </a:lnTo>
-                <a:lnTo>
-                  <a:pt x="0" y="7962727"/>
-                </a:lnTo>
-                <a:lnTo>
-                  <a:pt x="7037061" y="7962727"/>
-                </a:lnTo>
-                <a:lnTo>
-                  <a:pt x="7037061" y="0"/>
-                </a:lnTo>
-                <a:close/>
-              </a:path>
-            </a:pathLst>
-          </a:custGeom>
-          <a:blipFill>
-            <a:blip r:embed="rId2">
-              <a:extLst>
-                <a:ext uri="{96DAC541-7B7A-43D3-8B79-37D633B846F1}">
-                  <asvg:svgBlip xmlns:asvg="http://schemas.microsoft.com/office/drawing/2016/SVG/main" r:embed="rId3"/>
-                </a:ext>
-              </a:extLst>
-            </a:blip>
-            <a:stretch>
-              <a:fillRect l="0" t="0" r="0" b="0"/>
-            </a:stretch>
-          </a:blipFill>
-        </p:spPr>
-      </p:sp>
-      <p:sp>
-        <p:nvSpPr>
-          <p:cNvPr name="Freeform 3" id="3"/>
-          <p:cNvSpPr/>
-          <p:nvPr/>
-        </p:nvSpPr>
-        <p:spPr>
-          <a:xfrm flipH="true" flipV="false" rot="10708134">
-            <a:off x="13056068" y="-2294863"/>
-            <a:ext cx="7037060" cy="7962727"/>
-          </a:xfrm>
-          <a:custGeom>
-            <a:avLst/>
-            <a:gdLst/>
-            <a:ahLst/>
-            <a:cxnLst/>
-            <a:rect r="r" b="b" t="t" l="l"/>
-            <a:pathLst>
-              <a:path h="7962727" w="7037060">
-                <a:moveTo>
-                  <a:pt x="7037061" y="0"/>
-                </a:moveTo>
-                <a:lnTo>
-                  <a:pt x="0" y="0"/>
-                </a:lnTo>
-                <a:lnTo>
-                  <a:pt x="0" y="7962728"/>
-                </a:lnTo>
-                <a:lnTo>
-                  <a:pt x="7037061" y="7962728"/>
-                </a:lnTo>
-                <a:lnTo>
-                  <a:pt x="7037061" y="0"/>
-                </a:lnTo>
-                <a:close/>
-              </a:path>
-            </a:pathLst>
-          </a:custGeom>
-          <a:blipFill>
-            <a:blip r:embed="rId2">
-              <a:extLst>
-                <a:ext uri="{96DAC541-7B7A-43D3-8B79-37D633B846F1}">
-                  <asvg:svgBlip xmlns:asvg="http://schemas.microsoft.com/office/drawing/2016/SVG/main" r:embed="rId3"/>
-                </a:ext>
-              </a:extLst>
-            </a:blip>
-            <a:stretch>
-              <a:fillRect l="0" t="0" r="0" b="0"/>
-            </a:stretch>
-          </a:blipFill>
-        </p:spPr>
-      </p:sp>
-      <p:sp>
-        <p:nvSpPr>
-          <p:cNvPr name="Freeform 4" id="4"/>
-          <p:cNvSpPr/>
-          <p:nvPr/>
-        </p:nvSpPr>
-        <p:spPr>
-          <a:xfrm flipH="false" flipV="false" rot="0">
-            <a:off x="244364" y="754411"/>
-            <a:ext cx="17799272" cy="10012091"/>
-          </a:xfrm>
-          <a:custGeom>
-            <a:avLst/>
-            <a:gdLst/>
-            <a:ahLst/>
-            <a:cxnLst/>
-            <a:rect r="r" b="b" t="t" l="l"/>
-            <a:pathLst>
-              <a:path h="10012091" w="17799272">
-                <a:moveTo>
-                  <a:pt x="0" y="0"/>
-                </a:moveTo>
-                <a:lnTo>
-                  <a:pt x="17799272" y="0"/>
-                </a:lnTo>
-                <a:lnTo>
-                  <a:pt x="17799272" y="10012091"/>
-                </a:lnTo>
-                <a:lnTo>
-                  <a:pt x="0" y="10012091"/>
-                </a:lnTo>
-                <a:lnTo>
-                  <a:pt x="0" y="0"/>
-                </a:lnTo>
-                <a:close/>
-              </a:path>
-            </a:pathLst>
-          </a:custGeom>
-          <a:blipFill>
-            <a:blip r:embed="rId4"/>
-            <a:stretch>
-              <a:fillRect l="0" t="0" r="0" b="0"/>
-            </a:stretch>
-          </a:blipFill>
-        </p:spPr>
-      </p:sp>
-      <p:sp>
-        <p:nvSpPr>
-          <p:cNvPr name="TextBox 5" id="5"/>
-          <p:cNvSpPr txBox="true"/>
-          <p:nvPr/>
-        </p:nvSpPr>
-        <p:spPr>
-          <a:xfrm rot="0">
-            <a:off x="4050705" y="481012"/>
-            <a:ext cx="10186590" cy="1095375"/>
-          </a:xfrm>
-          <a:prstGeom prst="rect">
-            <a:avLst/>
-          </a:prstGeom>
-        </p:spPr>
-        <p:txBody>
-          <a:bodyPr anchor="t" rtlCol="false" tIns="0" lIns="0" bIns="0" rIns="0">
-            <a:spAutoFit/>
-          </a:bodyPr>
-          <a:lstStyle/>
-          <a:p>
-            <a:pPr algn="ctr" marL="0" indent="0" lvl="0">
-              <a:lnSpc>
-                <a:spcPts val="8640"/>
-              </a:lnSpc>
-            </a:pPr>
-            <a:r>
-              <a:rPr lang="en-US" sz="7200">
-                <a:solidFill>
-                  <a:srgbClr val="853AC0"/>
-                </a:solidFill>
-                <a:latin typeface="Montserrat Bold"/>
-                <a:ea typeface="Montserrat Bold"/>
-                <a:cs typeface="Montserrat Bold"/>
-                <a:sym typeface="Montserrat Bold"/>
-              </a:rPr>
-              <a:t>DESIGN ȘI DINAMICĂ</a:t>
-            </a:r>
-          </a:p>
-        </p:txBody>
-      </p:sp>
-    </p:spTree>
-  </p:cSld>
-  <p:clrMapOvr>
-    <a:masterClrMapping/>
-  </p:clrMapOvr>
-  <p:transition spd="slow">
-    <p:push dir="l"/>
-  </p:transition>
-</p:sld>
-</file>
-
-<file path=ppt/slides/slide9.xml><?xml version="1.0" encoding="utf-8"?>
-<p:sld xmlns:p="http://schemas.openxmlformats.org/presentationml/2006/main" xmlns:a="http://schemas.openxmlformats.org/drawingml/2006/main" xmlns:r="http://schemas.openxmlformats.org/officeDocument/2006/relationships">
+<p:sld xmlns:a="http://schemas.openxmlformats.org/drawingml/2006/main" xmlns:r="http://schemas.openxmlformats.org/officeDocument/2006/relationships" xmlns:p="http://schemas.openxmlformats.org/presentationml/2006/main">
   <p:cSld>
     <p:bg>
       <p:bgPr>
         <a:solidFill>
           <a:srgbClr val="F4F4F4"/>
         </a:solidFill>
+        <a:effectLst/>
       </p:bgPr>
     </p:bg>
     <p:spTree>
@@ -10160,12 +9599,12 @@
       </p:grpSpPr>
       <p:sp>
         <p:nvSpPr>
-          <p:cNvPr name="Freeform 2" id="2"/>
+          <p:cNvPr id="2" name="Freeform 2"/>
           <p:cNvSpPr/>
           <p:nvPr/>
         </p:nvSpPr>
         <p:spPr>
-          <a:xfrm flipH="false" flipV="true" rot="0">
+          <a:xfrm flipV="1">
             <a:off x="0" y="0"/>
             <a:ext cx="4281264" cy="4750362"/>
           </a:xfrm>
@@ -10174,9 +9613,9 @@
             <a:gdLst/>
             <a:ahLst/>
             <a:cxnLst/>
-            <a:rect r="r" b="b" t="t" l="l"/>
+            <a:rect l="l" t="t" r="r" b="b"/>
             <a:pathLst>
-              <a:path h="4750362" w="4281264">
+              <a:path w="4281264" h="4750362">
                 <a:moveTo>
                   <a:pt x="0" y="4750362"/>
                 </a:moveTo>
@@ -10205,19 +9644,19 @@
               </a:extLst>
             </a:blip>
             <a:stretch>
-              <a:fillRect l="0" t="0" r="0" b="0"/>
+              <a:fillRect/>
             </a:stretch>
           </a:blipFill>
         </p:spPr>
       </p:sp>
       <p:sp>
         <p:nvSpPr>
-          <p:cNvPr name="Freeform 3" id="3"/>
+          <p:cNvPr id="3" name="Freeform 3"/>
           <p:cNvSpPr/>
           <p:nvPr/>
         </p:nvSpPr>
         <p:spPr>
-          <a:xfrm flipH="true" flipV="true" rot="0">
+          <a:xfrm flipH="1" flipV="1">
             <a:off x="14006736" y="0"/>
             <a:ext cx="4281264" cy="4750362"/>
           </a:xfrm>
@@ -10226,9 +9665,9 @@
             <a:gdLst/>
             <a:ahLst/>
             <a:cxnLst/>
-            <a:rect r="r" b="b" t="t" l="l"/>
+            <a:rect l="l" t="t" r="r" b="b"/>
             <a:pathLst>
-              <a:path h="4750362" w="4281264">
+              <a:path w="4281264" h="4750362">
                 <a:moveTo>
                   <a:pt x="4281264" y="4750362"/>
                 </a:moveTo>
@@ -10257,19 +9696,19 @@
               </a:extLst>
             </a:blip>
             <a:stretch>
-              <a:fillRect l="0" t="0" r="0" b="0"/>
+              <a:fillRect/>
             </a:stretch>
           </a:blipFill>
         </p:spPr>
       </p:sp>
       <p:sp>
         <p:nvSpPr>
-          <p:cNvPr name="TextBox 4" id="4"/>
-          <p:cNvSpPr txBox="true"/>
+          <p:cNvPr id="4" name="TextBox 4"/>
+          <p:cNvSpPr txBox="1"/>
           <p:nvPr/>
         </p:nvSpPr>
         <p:spPr>
-          <a:xfrm rot="0">
+          <a:xfrm>
             <a:off x="1910073" y="1279806"/>
             <a:ext cx="14467853" cy="1095375"/>
           </a:xfrm>
@@ -10278,12 +9717,12 @@
           </a:prstGeom>
         </p:spPr>
         <p:txBody>
-          <a:bodyPr anchor="t" rtlCol="false" tIns="0" lIns="0" bIns="0" rIns="0">
+          <a:bodyPr lIns="0" tIns="0" rIns="0" bIns="0" rtlCol="0" anchor="t">
             <a:spAutoFit/>
           </a:bodyPr>
           <a:lstStyle/>
           <a:p>
-            <a:pPr algn="ctr" marL="0" indent="0" lvl="0">
+            <a:pPr marL="0" lvl="0" indent="0" algn="ctr">
               <a:lnSpc>
                 <a:spcPts val="8640"/>
               </a:lnSpc>
@@ -10305,12 +9744,12 @@
       </p:sp>
       <p:sp>
         <p:nvSpPr>
-          <p:cNvPr name="TextBox 5" id="5"/>
-          <p:cNvSpPr txBox="true"/>
+          <p:cNvPr id="5" name="TextBox 5"/>
+          <p:cNvSpPr txBox="1"/>
           <p:nvPr/>
         </p:nvSpPr>
         <p:spPr>
-          <a:xfrm rot="0">
+          <a:xfrm>
             <a:off x="1799842" y="3950827"/>
             <a:ext cx="14688315" cy="3469455"/>
           </a:xfrm>
@@ -10319,7 +9758,7 @@
           </a:prstGeom>
         </p:spPr>
         <p:txBody>
-          <a:bodyPr anchor="t" rtlCol="false" tIns="0" lIns="0" bIns="0" rIns="0">
+          <a:bodyPr lIns="0" tIns="0" rIns="0" bIns="0" rtlCol="0" anchor="t">
             <a:spAutoFit/>
           </a:bodyPr>
           <a:lstStyle/>
@@ -10353,7 +9792,422 @@
     <a:masterClrMapping/>
   </p:clrMapOvr>
   <p:transition spd="slow">
-    <p:push dir="l"/>
+    <p:push/>
+  </p:transition>
+</p:sld>
+</file>
+
+<file path=ppt/slides/slide9.xml><?xml version="1.0" encoding="utf-8"?>
+<p:sld xmlns:a="http://schemas.openxmlformats.org/drawingml/2006/main" xmlns:r="http://schemas.openxmlformats.org/officeDocument/2006/relationships" xmlns:p="http://schemas.openxmlformats.org/presentationml/2006/main">
+  <p:cSld>
+    <p:bg>
+      <p:bgPr>
+        <a:solidFill>
+          <a:srgbClr val="F4F4F4"/>
+        </a:solidFill>
+        <a:effectLst/>
+      </p:bgPr>
+    </p:bg>
+    <p:spTree>
+      <p:nvGrpSpPr>
+        <p:cNvPr id="1" name=""/>
+        <p:cNvGrpSpPr/>
+        <p:nvPr/>
+      </p:nvGrpSpPr>
+      <p:grpSpPr>
+        <a:xfrm>
+          <a:off x="0" y="0"/>
+          <a:ext cx="0" cy="0"/>
+          <a:chOff x="0" y="0"/>
+          <a:chExt cx="0" cy="0"/>
+        </a:xfrm>
+      </p:grpSpPr>
+      <p:sp>
+        <p:nvSpPr>
+          <p:cNvPr id="2" name="Freeform 2"/>
+          <p:cNvSpPr/>
+          <p:nvPr/>
+        </p:nvSpPr>
+        <p:spPr>
+          <a:xfrm flipV="1">
+            <a:off x="0" y="0"/>
+            <a:ext cx="4281264" cy="4750362"/>
+          </a:xfrm>
+          <a:custGeom>
+            <a:avLst/>
+            <a:gdLst/>
+            <a:ahLst/>
+            <a:cxnLst/>
+            <a:rect l="l" t="t" r="r" b="b"/>
+            <a:pathLst>
+              <a:path w="4281264" h="4750362">
+                <a:moveTo>
+                  <a:pt x="0" y="4750362"/>
+                </a:moveTo>
+                <a:lnTo>
+                  <a:pt x="4281264" y="4750362"/>
+                </a:lnTo>
+                <a:lnTo>
+                  <a:pt x="4281264" y="0"/>
+                </a:lnTo>
+                <a:lnTo>
+                  <a:pt x="0" y="0"/>
+                </a:lnTo>
+                <a:lnTo>
+                  <a:pt x="0" y="4750362"/>
+                </a:lnTo>
+                <a:close/>
+              </a:path>
+            </a:pathLst>
+          </a:custGeom>
+          <a:blipFill>
+            <a:blip r:embed="rId2">
+              <a:extLst>
+                <a:ext uri="{96DAC541-7B7A-43D3-8B79-37D633B846F1}">
+                  <asvg:svgBlip xmlns:asvg="http://schemas.microsoft.com/office/drawing/2016/SVG/main" r:embed="rId3"/>
+                </a:ext>
+              </a:extLst>
+            </a:blip>
+            <a:stretch>
+              <a:fillRect/>
+            </a:stretch>
+          </a:blipFill>
+        </p:spPr>
+      </p:sp>
+      <p:sp>
+        <p:nvSpPr>
+          <p:cNvPr id="3" name="TextBox 3"/>
+          <p:cNvSpPr txBox="1"/>
+          <p:nvPr/>
+        </p:nvSpPr>
+        <p:spPr>
+          <a:xfrm>
+            <a:off x="6360941" y="301439"/>
+            <a:ext cx="5566118" cy="1095375"/>
+          </a:xfrm>
+          <a:prstGeom prst="rect">
+            <a:avLst/>
+          </a:prstGeom>
+        </p:spPr>
+        <p:txBody>
+          <a:bodyPr lIns="0" tIns="0" rIns="0" bIns="0" rtlCol="0" anchor="t">
+            <a:spAutoFit/>
+          </a:bodyPr>
+          <a:lstStyle/>
+          <a:p>
+            <a:pPr marL="0" lvl="0" indent="0" algn="ctr">
+              <a:lnSpc>
+                <a:spcPts val="8640"/>
+              </a:lnSpc>
+            </a:pPr>
+            <a:r>
+              <a:rPr lang="en-US" sz="7200">
+                <a:solidFill>
+                  <a:srgbClr val="853AC0"/>
+                </a:solidFill>
+                <a:latin typeface="Montserrat Bold"/>
+                <a:ea typeface="Montserrat Bold"/>
+                <a:cs typeface="Montserrat Bold"/>
+                <a:sym typeface="Montserrat Bold"/>
+              </a:rPr>
+              <a:t>FRONTEND</a:t>
+            </a:r>
+          </a:p>
+        </p:txBody>
+      </p:sp>
+      <p:sp>
+        <p:nvSpPr>
+          <p:cNvPr id="4" name="TextBox 4"/>
+          <p:cNvSpPr txBox="1"/>
+          <p:nvPr/>
+        </p:nvSpPr>
+        <p:spPr>
+          <a:xfrm>
+            <a:off x="1799842" y="1894514"/>
+            <a:ext cx="14688315" cy="7589335"/>
+          </a:xfrm>
+          <a:prstGeom prst="rect">
+            <a:avLst/>
+          </a:prstGeom>
+        </p:spPr>
+        <p:txBody>
+          <a:bodyPr lIns="0" tIns="0" rIns="0" bIns="0" rtlCol="0" anchor="t">
+            <a:spAutoFit/>
+          </a:bodyPr>
+          <a:lstStyle/>
+          <a:p>
+            <a:pPr algn="l">
+              <a:lnSpc>
+                <a:spcPts val="4315"/>
+              </a:lnSpc>
+            </a:pPr>
+            <a:r>
+              <a:rPr lang="en-US" sz="3082">
+                <a:solidFill>
+                  <a:srgbClr val="231F20"/>
+                </a:solidFill>
+                <a:latin typeface="Inter"/>
+                <a:ea typeface="Inter"/>
+                <a:cs typeface="Inter"/>
+                <a:sym typeface="Inter"/>
+              </a:rPr>
+              <a:t>Implementarea design-ului a fost un pas crucial în dezvoltarea aplicației. Designul a fost creat inițial în </a:t>
+            </a:r>
+            <a:r>
+              <a:rPr lang="en-US" sz="3082">
+                <a:solidFill>
+                  <a:srgbClr val="853AC0"/>
+                </a:solidFill>
+                <a:latin typeface="Inter Bold"/>
+                <a:ea typeface="Inter Bold"/>
+                <a:cs typeface="Inter Bold"/>
+                <a:sym typeface="Inter Bold"/>
+              </a:rPr>
+              <a:t>Figma</a:t>
+            </a:r>
+            <a:r>
+              <a:rPr lang="en-US" sz="3082">
+                <a:solidFill>
+                  <a:srgbClr val="231F20"/>
+                </a:solidFill>
+                <a:latin typeface="Inter"/>
+                <a:ea typeface="Inter"/>
+                <a:cs typeface="Inter"/>
+                <a:sym typeface="Inter"/>
+              </a:rPr>
+              <a:t>, facilitând o implementare eficientă în cod, stabilind dinainte dimensiunile elementelor, culorile, fonturile și mărimea textului. </a:t>
+            </a:r>
+          </a:p>
+          <a:p>
+            <a:pPr algn="l">
+              <a:lnSpc>
+                <a:spcPts val="4315"/>
+              </a:lnSpc>
+            </a:pPr>
+            <a:endParaRPr lang="en-US" sz="3082">
+              <a:solidFill>
+                <a:srgbClr val="231F20"/>
+              </a:solidFill>
+              <a:latin typeface="Inter"/>
+              <a:ea typeface="Inter"/>
+              <a:cs typeface="Inter"/>
+              <a:sym typeface="Inter"/>
+            </a:endParaRPr>
+          </a:p>
+          <a:p>
+            <a:pPr algn="l">
+              <a:lnSpc>
+                <a:spcPts val="4315"/>
+              </a:lnSpc>
+            </a:pPr>
+            <a:r>
+              <a:rPr lang="en-US" sz="3082">
+                <a:solidFill>
+                  <a:srgbClr val="231F20"/>
+                </a:solidFill>
+                <a:latin typeface="Inter"/>
+                <a:ea typeface="Inter"/>
+                <a:cs typeface="Inter"/>
+                <a:sym typeface="Inter"/>
+              </a:rPr>
+              <a:t>Pentru partea de frontend, am folosit </a:t>
+            </a:r>
+            <a:r>
+              <a:rPr lang="en-US" sz="3082">
+                <a:solidFill>
+                  <a:srgbClr val="853AC0"/>
+                </a:solidFill>
+                <a:latin typeface="Inter Bold"/>
+                <a:ea typeface="Inter Bold"/>
+                <a:cs typeface="Inter Bold"/>
+                <a:sym typeface="Inter Bold"/>
+              </a:rPr>
+              <a:t>HTML</a:t>
+            </a:r>
+            <a:r>
+              <a:rPr lang="en-US" sz="3082">
+                <a:solidFill>
+                  <a:srgbClr val="231F20"/>
+                </a:solidFill>
+                <a:latin typeface="Inter"/>
+                <a:ea typeface="Inter"/>
+                <a:cs typeface="Inter"/>
+                <a:sym typeface="Inter"/>
+              </a:rPr>
+              <a:t> pentru a crea scheletul paginilor web, care sunt afișate în browser. Acest schelet a fost stilizat cu ajutorul framework-ului </a:t>
+            </a:r>
+            <a:r>
+              <a:rPr lang="en-US" sz="3082">
+                <a:solidFill>
+                  <a:srgbClr val="853AC0"/>
+                </a:solidFill>
+                <a:latin typeface="Inter Bold"/>
+                <a:ea typeface="Inter Bold"/>
+                <a:cs typeface="Inter Bold"/>
+                <a:sym typeface="Inter Bold"/>
+              </a:rPr>
+              <a:t>TailwindCSS</a:t>
+            </a:r>
+            <a:r>
+              <a:rPr lang="en-US" sz="3082">
+                <a:solidFill>
+                  <a:srgbClr val="231F20"/>
+                </a:solidFill>
+                <a:latin typeface="Inter"/>
+                <a:ea typeface="Inter"/>
+                <a:cs typeface="Inter"/>
+                <a:sym typeface="Inter"/>
+              </a:rPr>
+              <a:t>, asigurând o interfață user-friendly. Pe lângă clasele standard ale framework-ului, am adăugat și clase custom pentru a îndeplini toate cerințele de design.</a:t>
+            </a:r>
+          </a:p>
+          <a:p>
+            <a:pPr algn="l">
+              <a:lnSpc>
+                <a:spcPts val="4315"/>
+              </a:lnSpc>
+            </a:pPr>
+            <a:endParaRPr lang="en-US" sz="3082">
+              <a:solidFill>
+                <a:srgbClr val="231F20"/>
+              </a:solidFill>
+              <a:latin typeface="Inter"/>
+              <a:ea typeface="Inter"/>
+              <a:cs typeface="Inter"/>
+              <a:sym typeface="Inter"/>
+            </a:endParaRPr>
+          </a:p>
+          <a:p>
+            <a:pPr algn="l">
+              <a:lnSpc>
+                <a:spcPts val="4315"/>
+              </a:lnSpc>
+              <a:spcBef>
+                <a:spcPct val="0"/>
+              </a:spcBef>
+            </a:pPr>
+            <a:r>
+              <a:rPr lang="en-US" sz="3082">
+                <a:solidFill>
+                  <a:srgbClr val="231F20"/>
+                </a:solidFill>
+                <a:latin typeface="Inter"/>
+                <a:ea typeface="Inter"/>
+                <a:cs typeface="Inter"/>
+                <a:sym typeface="Inter"/>
+              </a:rPr>
+              <a:t>Animațiile și dinamica site-ului au fost realizate în </a:t>
+            </a:r>
+            <a:r>
+              <a:rPr lang="en-US" sz="3082">
+                <a:solidFill>
+                  <a:srgbClr val="853AC0"/>
+                </a:solidFill>
+                <a:latin typeface="Inter Bold"/>
+                <a:ea typeface="Inter Bold"/>
+                <a:cs typeface="Inter Bold"/>
+                <a:sym typeface="Inter Bold"/>
+              </a:rPr>
+              <a:t>JavaScript</a:t>
+            </a:r>
+            <a:r>
+              <a:rPr lang="en-US" sz="3082">
+                <a:solidFill>
+                  <a:srgbClr val="231F20"/>
+                </a:solidFill>
+                <a:latin typeface="Inter"/>
+                <a:ea typeface="Inter"/>
+                <a:cs typeface="Inter"/>
+                <a:sym typeface="Inter"/>
+              </a:rPr>
+              <a:t>, adăugând funcționalități și interactivitate paginilor web. Codul </a:t>
+            </a:r>
+            <a:r>
+              <a:rPr lang="en-US" sz="3082">
+                <a:solidFill>
+                  <a:srgbClr val="853AC0"/>
+                </a:solidFill>
+                <a:latin typeface="Inter Bold"/>
+                <a:ea typeface="Inter Bold"/>
+                <a:cs typeface="Inter Bold"/>
+                <a:sym typeface="Inter Bold"/>
+              </a:rPr>
+              <a:t>JavaScript </a:t>
+            </a:r>
+            <a:r>
+              <a:rPr lang="en-US" sz="3082">
+                <a:solidFill>
+                  <a:srgbClr val="231F20"/>
+                </a:solidFill>
+                <a:latin typeface="Inter"/>
+                <a:ea typeface="Inter"/>
+                <a:cs typeface="Inter"/>
+                <a:sym typeface="Inter"/>
+              </a:rPr>
+              <a:t>este rulat de browser, ceea ce permite crearea unei experiențe dinamice pentru utilizatori.</a:t>
+            </a:r>
+          </a:p>
+        </p:txBody>
+      </p:sp>
+      <p:sp>
+        <p:nvSpPr>
+          <p:cNvPr id="5" name="Freeform 5"/>
+          <p:cNvSpPr/>
+          <p:nvPr/>
+        </p:nvSpPr>
+        <p:spPr>
+          <a:xfrm rot="-5400000">
+            <a:off x="13772187" y="5771187"/>
+            <a:ext cx="4281264" cy="4750362"/>
+          </a:xfrm>
+          <a:custGeom>
+            <a:avLst/>
+            <a:gdLst/>
+            <a:ahLst/>
+            <a:cxnLst/>
+            <a:rect l="l" t="t" r="r" b="b"/>
+            <a:pathLst>
+              <a:path w="4281264" h="4750362">
+                <a:moveTo>
+                  <a:pt x="0" y="0"/>
+                </a:moveTo>
+                <a:lnTo>
+                  <a:pt x="4281264" y="0"/>
+                </a:lnTo>
+                <a:lnTo>
+                  <a:pt x="4281264" y="4750362"/>
+                </a:lnTo>
+                <a:lnTo>
+                  <a:pt x="0" y="4750362"/>
+                </a:lnTo>
+                <a:lnTo>
+                  <a:pt x="0" y="0"/>
+                </a:lnTo>
+                <a:close/>
+              </a:path>
+            </a:pathLst>
+          </a:custGeom>
+          <a:blipFill>
+            <a:blip r:embed="rId2">
+              <a:extLst>
+                <a:ext uri="{96DAC541-7B7A-43D3-8B79-37D633B846F1}">
+                  <asvg:svgBlip xmlns:asvg="http://schemas.microsoft.com/office/drawing/2016/SVG/main" r:embed="rId3"/>
+                </a:ext>
+              </a:extLst>
+            </a:blip>
+            <a:stretch>
+              <a:fillRect/>
+            </a:stretch>
+          </a:blipFill>
+        </p:spPr>
+      </p:sp>
+    </p:spTree>
+  </p:cSld>
+  <p:clrMapOvr>
+    <a:masterClrMapping/>
+  </p:clrMapOvr>
+  <p:transition spd="slow">
+    <p:push/>
   </p:transition>
 </p:sld>
 </file>
